--- a/projectproposal/PP.pptx
+++ b/projectproposal/PP.pptx
@@ -1,6 +1,6 @@
 
 <file path=ppt/presentation.xml><?xml version="1.0" encoding="utf-8"?>
-<p:presentation xmlns:a="http://schemas.openxmlformats.org/drawingml/2006/main" xmlns:r="http://schemas.openxmlformats.org/officeDocument/2006/relationships" xmlns:p="http://schemas.openxmlformats.org/presentationml/2006/main" strictFirstAndLastChars="0" embedTrueTypeFonts="1" saveSubsetFonts="1" autoCompressPictures="0">
+<p:presentation xmlns:a="http://schemas.openxmlformats.org/drawingml/2006/main" xmlns:r="http://schemas.openxmlformats.org/officeDocument/2006/relationships" xmlns:p="http://schemas.openxmlformats.org/presentationml/2006/main" strictFirstAndLastChars="0" embedTrueTypeFonts="1" autoCompressPictures="0">
   <p:sldMasterIdLst>
     <p:sldMasterId id="2147483680" r:id="rId1"/>
   </p:sldMasterIdLst>
@@ -19,7 +19,7 @@
   <p:notesSz cx="6858000" cy="9144000"/>
   <p:embeddedFontLst>
     <p:embeddedFont>
-      <p:font typeface="DM Sans" pitchFamily="2" charset="0"/>
+      <p:font typeface="DM Sans" pitchFamily="2" charset="77"/>
       <p:regular r:id="rId9"/>
       <p:bold r:id="rId10"/>
       <p:italic r:id="rId11"/>
@@ -7664,7 +7664,7 @@
                 <a:latin typeface="DM Sans" pitchFamily="2" charset="0"/>
                 <a:cs typeface="Calibri Light" panose="020F0302020204030204" pitchFamily="34" charset="0"/>
               </a:rPr>
-              <a:t>10.05.</a:t>
+              <a:t>10.07.</a:t>
             </a:r>
           </a:p>
         </p:txBody>

--- a/projectproposal/PP.pptx
+++ b/projectproposal/PP.pptx
@@ -26,7 +26,7 @@
       <p:boldItalic r:id="rId12"/>
     </p:embeddedFont>
     <p:embeddedFont>
-      <p:font typeface="DM Serif Display" pitchFamily="2" charset="0"/>
+      <p:font typeface="DM Serif Display" panose="020F0502020204030204" pitchFamily="34" charset="0"/>
       <p:regular r:id="rId13"/>
       <p:italic r:id="rId14"/>
     </p:embeddedFont>
@@ -7831,7 +7831,7 @@
         <p:spPr>
           <a:xfrm>
             <a:off x="694267" y="1405467"/>
-            <a:ext cx="7349066" cy="3323987"/>
+            <a:ext cx="7349066" cy="3539430"/>
           </a:xfrm>
           <a:prstGeom prst="rect">
             <a:avLst/>
@@ -7983,6 +7983,14 @@
                 <a:latin typeface="Times New Roman" panose="02020603050405020304" pitchFamily="18" charset="0"/>
               </a:rPr>
               <a:t>Disorders</a:t>
+            </a:r>
+          </a:p>
+          <a:p>
+            <a:r>
+              <a:rPr lang="en-US" b="1">
+                <a:latin typeface="Times New Roman" panose="02020603050405020304" pitchFamily="18" charset="0"/>
+              </a:rPr>
+              <a:t>test</a:t>
             </a:r>
             <a:endParaRPr lang="en-US" b="1" dirty="0"/>
           </a:p>

--- a/projectproposal/PP.pptx
+++ b/projectproposal/PP.pptx
@@ -26,7 +26,7 @@
       <p:boldItalic r:id="rId12"/>
     </p:embeddedFont>
     <p:embeddedFont>
-      <p:font typeface="DM Serif Display" panose="020F0502020204030204" pitchFamily="34" charset="0"/>
+      <p:font typeface="DM Serif Display" pitchFamily="2" charset="0"/>
       <p:regular r:id="rId13"/>
       <p:italic r:id="rId14"/>
     </p:embeddedFont>
@@ -7986,12 +7986,6 @@
             </a:r>
           </a:p>
           <a:p>
-            <a:r>
-              <a:rPr lang="en-US" b="1">
-                <a:latin typeface="Times New Roman" panose="02020603050405020304" pitchFamily="18" charset="0"/>
-              </a:rPr>
-              <a:t>test</a:t>
-            </a:r>
             <a:endParaRPr lang="en-US" b="1" dirty="0"/>
           </a:p>
           <a:p>

--- a/projectproposal/PP.pptx
+++ b/projectproposal/PP.pptx
@@ -5,30 +5,32 @@
     <p:sldMasterId id="2147483680" r:id="rId1"/>
   </p:sldMasterIdLst>
   <p:notesMasterIdLst>
-    <p:notesMasterId r:id="rId8"/>
+    <p:notesMasterId r:id="rId10"/>
   </p:notesMasterIdLst>
   <p:sldIdLst>
     <p:sldId id="310" r:id="rId2"/>
-    <p:sldId id="311" r:id="rId3"/>
-    <p:sldId id="313" r:id="rId4"/>
-    <p:sldId id="316" r:id="rId5"/>
-    <p:sldId id="317" r:id="rId6"/>
-    <p:sldId id="312" r:id="rId7"/>
+    <p:sldId id="318" r:id="rId3"/>
+    <p:sldId id="311" r:id="rId4"/>
+    <p:sldId id="319" r:id="rId5"/>
+    <p:sldId id="313" r:id="rId6"/>
+    <p:sldId id="316" r:id="rId7"/>
+    <p:sldId id="317" r:id="rId8"/>
+    <p:sldId id="312" r:id="rId9"/>
   </p:sldIdLst>
   <p:sldSz cx="9144000" cy="5143500" type="screen16x9"/>
   <p:notesSz cx="6858000" cy="9144000"/>
   <p:embeddedFontLst>
     <p:embeddedFont>
-      <p:font typeface="DM Sans" pitchFamily="2" charset="77"/>
-      <p:regular r:id="rId9"/>
-      <p:bold r:id="rId10"/>
-      <p:italic r:id="rId11"/>
-      <p:boldItalic r:id="rId12"/>
+      <p:font typeface="DM Sans" pitchFamily="2" charset="0"/>
+      <p:regular r:id="rId11"/>
+      <p:bold r:id="rId12"/>
+      <p:italic r:id="rId13"/>
+      <p:boldItalic r:id="rId14"/>
     </p:embeddedFont>
     <p:embeddedFont>
       <p:font typeface="DM Serif Display" pitchFamily="2" charset="0"/>
-      <p:regular r:id="rId13"/>
-      <p:italic r:id="rId14"/>
+      <p:regular r:id="rId15"/>
+      <p:italic r:id="rId16"/>
     </p:embeddedFont>
   </p:embeddedFontLst>
   <p:defaultTextStyle>
@@ -3218,6 +3220,47 @@
           </a:prstGeom>
         </p:spPr>
       </p:pic>
+      <p:sp>
+        <p:nvSpPr>
+          <p:cNvPr id="8" name="Textfeld 7">
+            <a:extLst>
+              <a:ext uri="{FF2B5EF4-FFF2-40B4-BE49-F238E27FC236}">
+                <a16:creationId xmlns:a16="http://schemas.microsoft.com/office/drawing/2014/main" id="{3DFB6226-F75A-616E-40EA-6864AB16AC7C}"/>
+              </a:ext>
+            </a:extLst>
+          </p:cNvPr>
+          <p:cNvSpPr txBox="1"/>
+          <p:nvPr/>
+        </p:nvSpPr>
+        <p:spPr>
+          <a:xfrm>
+            <a:off x="5719510" y="4158217"/>
+            <a:ext cx="2001327" cy="261610"/>
+          </a:xfrm>
+          <a:prstGeom prst="rect">
+            <a:avLst/>
+          </a:prstGeom>
+          <a:noFill/>
+        </p:spPr>
+        <p:txBody>
+          <a:bodyPr wrap="square" rtlCol="0">
+            <a:spAutoFit/>
+          </a:bodyPr>
+          <a:lstStyle/>
+          <a:p>
+            <a:r>
+              <a:rPr lang="de-DE" sz="1100" b="1" dirty="0">
+                <a:solidFill>
+                  <a:srgbClr val="FF0000"/>
+                </a:solidFill>
+                <a:latin typeface="DM Sans" pitchFamily="2" charset="0"/>
+                <a:cs typeface="Calibri" panose="020F0502020204030204" pitchFamily="34" charset="0"/>
+              </a:rPr>
+              <a:t>Bildquelle?</a:t>
+            </a:r>
+          </a:p>
+        </p:txBody>
+      </p:sp>
     </p:spTree>
     <p:extLst>
       <p:ext uri="{BB962C8B-B14F-4D97-AF65-F5344CB8AC3E}">
@@ -3258,10 +3301,10 @@
       </p:grpSpPr>
       <p:sp>
         <p:nvSpPr>
-          <p:cNvPr id="10" name="Textfeld 9">
+          <p:cNvPr id="2" name="Textfeld 1">
             <a:extLst>
               <a:ext uri="{FF2B5EF4-FFF2-40B4-BE49-F238E27FC236}">
-                <a16:creationId xmlns:a16="http://schemas.microsoft.com/office/drawing/2014/main" id="{FD433997-33F5-9575-5F92-8DF46FE3689F}"/>
+                <a16:creationId xmlns:a16="http://schemas.microsoft.com/office/drawing/2014/main" id="{BB855C30-FEBB-17E4-CC32-C95648BABF74}"/>
               </a:ext>
             </a:extLst>
           </p:cNvPr>
@@ -3285,6 +3328,16 @@
           <a:lstStyle/>
           <a:p>
             <a:r>
+              <a:rPr lang="de-DE" sz="2400" b="1" dirty="0">
+                <a:solidFill>
+                  <a:schemeClr val="bg1"/>
+                </a:solidFill>
+                <a:latin typeface="DM Sans" pitchFamily="2" charset="0"/>
+                <a:cs typeface="Calibri Light" panose="020F0302020204030204" pitchFamily="34" charset="0"/>
+              </a:rPr>
+              <a:t>RNA-</a:t>
+            </a:r>
+            <a:r>
               <a:rPr lang="de-DE" sz="2400" b="1" dirty="0" err="1">
                 <a:solidFill>
                   <a:schemeClr val="bg1"/>
@@ -3292,7 +3345,7 @@
                 <a:latin typeface="DM Sans" pitchFamily="2" charset="0"/>
                 <a:cs typeface="Calibri Light" panose="020F0302020204030204" pitchFamily="34" charset="0"/>
               </a:rPr>
-              <a:t>Why</a:t>
+              <a:t>binding</a:t>
             </a:r>
             <a:r>
               <a:rPr lang="de-DE" sz="2400" b="1" dirty="0">
@@ -3302,29 +3355,29 @@
                 <a:latin typeface="DM Sans" pitchFamily="2" charset="0"/>
                 <a:cs typeface="Calibri Light" panose="020F0302020204030204" pitchFamily="34" charset="0"/>
               </a:rPr>
+              <a:t> and RNA-</a:t>
+            </a:r>
+            <a:r>
+              <a:rPr lang="de-DE" sz="2400" b="1" dirty="0" err="1">
+                <a:solidFill>
+                  <a:schemeClr val="bg1"/>
+                </a:solidFill>
+                <a:latin typeface="DM Sans" pitchFamily="2" charset="0"/>
+                <a:cs typeface="Calibri Light" panose="020F0302020204030204" pitchFamily="34" charset="0"/>
+              </a:rPr>
+              <a:t>dependent</a:t>
+            </a:r>
+            <a:r>
+              <a:rPr lang="de-DE" sz="2400" b="1" dirty="0">
+                <a:solidFill>
+                  <a:schemeClr val="bg1"/>
+                </a:solidFill>
+                <a:latin typeface="DM Sans" pitchFamily="2" charset="0"/>
+                <a:cs typeface="Calibri Light" panose="020F0302020204030204" pitchFamily="34" charset="0"/>
+              </a:rPr>
               <a:t> </a:t>
             </a:r>
             <a:r>
-              <a:rPr lang="en-US" sz="2400" b="1" dirty="0">
-                <a:solidFill>
-                  <a:schemeClr val="bg1"/>
-                </a:solidFill>
-                <a:latin typeface="DM Sans" pitchFamily="2" charset="0"/>
-                <a:cs typeface="Calibri Light" panose="020F0302020204030204" pitchFamily="34" charset="0"/>
-              </a:rPr>
-              <a:t>Bother</a:t>
-            </a:r>
-            <a:r>
-              <a:rPr lang="de-DE" sz="2400" b="1" dirty="0">
-                <a:solidFill>
-                  <a:schemeClr val="bg1"/>
-                </a:solidFill>
-                <a:latin typeface="DM Sans" pitchFamily="2" charset="0"/>
-                <a:cs typeface="Calibri Light" panose="020F0302020204030204" pitchFamily="34" charset="0"/>
-              </a:rPr>
-              <a:t> About RNA-</a:t>
-            </a:r>
-            <a:r>
               <a:rPr lang="de-DE" sz="2400" b="1" dirty="0" err="1">
                 <a:solidFill>
                   <a:schemeClr val="bg1"/>
@@ -3332,27 +3385,24 @@
                 <a:latin typeface="DM Sans" pitchFamily="2" charset="0"/>
                 <a:cs typeface="Calibri Light" panose="020F0302020204030204" pitchFamily="34" charset="0"/>
               </a:rPr>
-              <a:t>dependent</a:t>
-            </a:r>
-            <a:r>
-              <a:rPr lang="de-DE" sz="2400" b="1" dirty="0">
-                <a:solidFill>
-                  <a:schemeClr val="bg1"/>
-                </a:solidFill>
-                <a:latin typeface="DM Sans" pitchFamily="2" charset="0"/>
-                <a:cs typeface="Calibri Light" panose="020F0302020204030204" pitchFamily="34" charset="0"/>
-              </a:rPr>
-              <a:t> Proteins (RBPs)?</a:t>
-            </a:r>
+              <a:t>proteins</a:t>
+            </a:r>
+            <a:endParaRPr lang="de-DE" sz="2400" b="1" dirty="0">
+              <a:solidFill>
+                <a:schemeClr val="bg1"/>
+              </a:solidFill>
+              <a:latin typeface="DM Sans" pitchFamily="2" charset="0"/>
+              <a:cs typeface="Calibri Light" panose="020F0302020204030204" pitchFamily="34" charset="0"/>
+            </a:endParaRPr>
           </a:p>
         </p:txBody>
       </p:sp>
       <p:sp>
         <p:nvSpPr>
-          <p:cNvPr id="6" name="Textfeld 5">
+          <p:cNvPr id="3" name="Textfeld 2">
             <a:extLst>
               <a:ext uri="{FF2B5EF4-FFF2-40B4-BE49-F238E27FC236}">
-                <a16:creationId xmlns:a16="http://schemas.microsoft.com/office/drawing/2014/main" id="{6A88D783-8B01-E438-264B-9A3E64B34FCF}"/>
+                <a16:creationId xmlns:a16="http://schemas.microsoft.com/office/drawing/2014/main" id="{AC74F11C-5315-1D80-69BD-F31E14DCEBF9}"/>
               </a:ext>
             </a:extLst>
           </p:cNvPr>
@@ -3361,8 +3411,8 @@
         </p:nvSpPr>
         <p:spPr>
           <a:xfrm>
-            <a:off x="5979663" y="1855198"/>
-            <a:ext cx="2057400" cy="523220"/>
+            <a:off x="3472131" y="2905150"/>
+            <a:ext cx="2001327" cy="261610"/>
           </a:xfrm>
           <a:prstGeom prst="rect">
             <a:avLst/>
@@ -3376,827 +3426,14 @@
           <a:lstStyle/>
           <a:p>
             <a:r>
-              <a:rPr lang="en-US" sz="1600" b="1" dirty="0">
-                <a:solidFill>
-                  <a:schemeClr val="bg1"/>
-                </a:solidFill>
-                <a:latin typeface="DM Sans" pitchFamily="2" charset="0"/>
-                <a:cs typeface="Calibri Light" panose="020F0302020204030204" pitchFamily="34" charset="0"/>
-              </a:rPr>
-              <a:t>eIF2B</a:t>
-            </a:r>
-            <a:r>
-              <a:rPr lang="en-US" sz="1600" b="1" baseline="30000" dirty="0">
-                <a:solidFill>
-                  <a:schemeClr val="bg1"/>
-                </a:solidFill>
-                <a:latin typeface="DM Sans" pitchFamily="2" charset="0"/>
-                <a:cs typeface="Calibri Light" panose="020F0302020204030204" pitchFamily="34" charset="0"/>
-              </a:rPr>
-              <a:t>[7]</a:t>
-            </a:r>
-          </a:p>
-          <a:p>
-            <a:r>
-              <a:rPr lang="en-US" sz="1200" dirty="0">
-                <a:solidFill>
-                  <a:schemeClr val="bg1"/>
-                </a:solidFill>
-                <a:latin typeface="DM Sans" pitchFamily="2" charset="0"/>
-                <a:cs typeface="Calibri Light" panose="020F0302020204030204" pitchFamily="34" charset="0"/>
-              </a:rPr>
-              <a:t>Leukoencephalopathy</a:t>
-            </a:r>
-            <a:endParaRPr lang="en-US" sz="2400" dirty="0">
-              <a:solidFill>
-                <a:schemeClr val="bg1"/>
-              </a:solidFill>
-              <a:latin typeface="DM Sans" pitchFamily="2" charset="0"/>
-              <a:cs typeface="Calibri Light" panose="020F0302020204030204" pitchFamily="34" charset="0"/>
-            </a:endParaRPr>
-          </a:p>
-        </p:txBody>
-      </p:sp>
-      <p:sp>
-        <p:nvSpPr>
-          <p:cNvPr id="7" name="Textfeld 6">
-            <a:extLst>
-              <a:ext uri="{FF2B5EF4-FFF2-40B4-BE49-F238E27FC236}">
-                <a16:creationId xmlns:a16="http://schemas.microsoft.com/office/drawing/2014/main" id="{5A5B71B8-5B62-C46F-B55F-354613681AE1}"/>
-              </a:ext>
-            </a:extLst>
-          </p:cNvPr>
-          <p:cNvSpPr txBox="1"/>
-          <p:nvPr/>
-        </p:nvSpPr>
-        <p:spPr>
-          <a:xfrm>
-            <a:off x="353933" y="2960389"/>
-            <a:ext cx="3519137" cy="769441"/>
-          </a:xfrm>
-          <a:prstGeom prst="rect">
-            <a:avLst/>
-          </a:prstGeom>
-          <a:noFill/>
-        </p:spPr>
-        <p:txBody>
-          <a:bodyPr wrap="square" rtlCol="0">
-            <a:spAutoFit/>
-          </a:bodyPr>
-          <a:lstStyle/>
-          <a:p>
-            <a:r>
-              <a:rPr lang="en-US" sz="1600" b="1" dirty="0">
-                <a:solidFill>
-                  <a:schemeClr val="bg1"/>
-                </a:solidFill>
-                <a:latin typeface="DM Sans" pitchFamily="2" charset="0"/>
-                <a:cs typeface="Calibri Light" panose="020F0302020204030204" pitchFamily="34" charset="0"/>
-              </a:rPr>
-              <a:t>KHDRBS1</a:t>
-            </a:r>
-            <a:r>
-              <a:rPr lang="en-US" sz="1600" b="1" baseline="30000" dirty="0">
-                <a:solidFill>
-                  <a:schemeClr val="bg1"/>
-                </a:solidFill>
-                <a:latin typeface="DM Sans" pitchFamily="2" charset="0"/>
-                <a:cs typeface="Calibri Light" panose="020F0302020204030204" pitchFamily="34" charset="0"/>
-              </a:rPr>
-              <a:t>[1]</a:t>
-            </a:r>
-            <a:r>
-              <a:rPr lang="en-US" sz="1600" b="1" dirty="0">
-                <a:solidFill>
-                  <a:schemeClr val="bg1"/>
-                </a:solidFill>
-                <a:latin typeface="DM Sans" pitchFamily="2" charset="0"/>
-                <a:cs typeface="Calibri Light" panose="020F0302020204030204" pitchFamily="34" charset="0"/>
-              </a:rPr>
-              <a:t>, ELAVL1</a:t>
-            </a:r>
-            <a:r>
-              <a:rPr lang="en-US" sz="1600" b="1" baseline="30000" dirty="0">
-                <a:solidFill>
-                  <a:schemeClr val="bg1"/>
-                </a:solidFill>
-                <a:latin typeface="DM Sans" pitchFamily="2" charset="0"/>
-                <a:cs typeface="Calibri Light" panose="020F0302020204030204" pitchFamily="34" charset="0"/>
-              </a:rPr>
-              <a:t>[2]</a:t>
-            </a:r>
-            <a:r>
-              <a:rPr lang="en-US" sz="1600" b="1" dirty="0">
-                <a:solidFill>
-                  <a:schemeClr val="bg1"/>
-                </a:solidFill>
-                <a:latin typeface="DM Sans" pitchFamily="2" charset="0"/>
-                <a:cs typeface="Calibri Light" panose="020F0302020204030204" pitchFamily="34" charset="0"/>
-              </a:rPr>
-              <a:t>, FXR1</a:t>
-            </a:r>
-            <a:r>
-              <a:rPr lang="en-US" sz="1600" b="1" baseline="30000" dirty="0">
-                <a:solidFill>
-                  <a:schemeClr val="bg1"/>
-                </a:solidFill>
-                <a:latin typeface="DM Sans" pitchFamily="2" charset="0"/>
-                <a:cs typeface="Calibri Light" panose="020F0302020204030204" pitchFamily="34" charset="0"/>
-              </a:rPr>
-              <a:t>[3]</a:t>
-            </a:r>
-            <a:r>
-              <a:rPr lang="en-US" sz="1600" b="1" dirty="0">
-                <a:solidFill>
-                  <a:schemeClr val="bg1"/>
-                </a:solidFill>
-                <a:latin typeface="DM Sans" pitchFamily="2" charset="0"/>
-                <a:cs typeface="Calibri Light" panose="020F0302020204030204" pitchFamily="34" charset="0"/>
-              </a:rPr>
-              <a:t>, UHMK1</a:t>
-            </a:r>
-            <a:r>
-              <a:rPr lang="en-US" sz="1600" b="1" baseline="30000" dirty="0">
-                <a:solidFill>
-                  <a:schemeClr val="bg1"/>
-                </a:solidFill>
-                <a:latin typeface="DM Sans" pitchFamily="2" charset="0"/>
-                <a:cs typeface="Calibri Light" panose="020F0302020204030204" pitchFamily="34" charset="0"/>
-              </a:rPr>
-              <a:t>[4]</a:t>
-            </a:r>
-            <a:r>
-              <a:rPr lang="en-US" sz="1600" b="1" dirty="0">
-                <a:solidFill>
-                  <a:schemeClr val="bg1"/>
-                </a:solidFill>
-                <a:latin typeface="DM Sans" pitchFamily="2" charset="0"/>
-                <a:cs typeface="Calibri Light" panose="020F0302020204030204" pitchFamily="34" charset="0"/>
-              </a:rPr>
-              <a:t>, PATL2, DUS1L</a:t>
-            </a:r>
-            <a:r>
-              <a:rPr lang="en-US" sz="1600" b="1" baseline="30000" dirty="0">
-                <a:solidFill>
-                  <a:schemeClr val="bg1"/>
-                </a:solidFill>
-                <a:latin typeface="DM Sans" pitchFamily="2" charset="0"/>
-                <a:cs typeface="Calibri Light" panose="020F0302020204030204" pitchFamily="34" charset="0"/>
-              </a:rPr>
-              <a:t>[5]</a:t>
-            </a:r>
-          </a:p>
-          <a:p>
-            <a:r>
-              <a:rPr lang="en-US" sz="1200" dirty="0">
-                <a:solidFill>
-                  <a:schemeClr val="bg1"/>
-                </a:solidFill>
-                <a:latin typeface="DM Sans" pitchFamily="2" charset="0"/>
-                <a:cs typeface="Calibri Light" panose="020F0302020204030204" pitchFamily="34" charset="0"/>
-              </a:rPr>
-              <a:t>Cancer</a:t>
-            </a:r>
-          </a:p>
-        </p:txBody>
-      </p:sp>
-      <p:sp>
-        <p:nvSpPr>
-          <p:cNvPr id="9" name="Textfeld 8">
-            <a:extLst>
-              <a:ext uri="{FF2B5EF4-FFF2-40B4-BE49-F238E27FC236}">
-                <a16:creationId xmlns:a16="http://schemas.microsoft.com/office/drawing/2014/main" id="{F25FAA69-25D2-8C56-F87F-2F88EF1B52DA}"/>
-              </a:ext>
-            </a:extLst>
-          </p:cNvPr>
-          <p:cNvSpPr txBox="1"/>
-          <p:nvPr/>
-        </p:nvSpPr>
-        <p:spPr>
-          <a:xfrm>
-            <a:off x="5974993" y="3729830"/>
-            <a:ext cx="3022600" cy="523220"/>
-          </a:xfrm>
-          <a:prstGeom prst="rect">
-            <a:avLst/>
-          </a:prstGeom>
-          <a:noFill/>
-        </p:spPr>
-        <p:txBody>
-          <a:bodyPr wrap="square" rtlCol="0">
-            <a:spAutoFit/>
-          </a:bodyPr>
-          <a:lstStyle/>
-          <a:p>
-            <a:r>
-              <a:rPr lang="en-US" sz="1600" b="1" dirty="0">
-                <a:solidFill>
-                  <a:schemeClr val="bg1"/>
-                </a:solidFill>
-                <a:latin typeface="DM Sans" pitchFamily="2" charset="0"/>
-                <a:cs typeface="Calibri Light" panose="020F0302020204030204" pitchFamily="34" charset="0"/>
-              </a:rPr>
-              <a:t>IRP1</a:t>
-            </a:r>
-            <a:r>
-              <a:rPr lang="en-US" sz="1600" b="1" baseline="30000" dirty="0">
-                <a:solidFill>
-                  <a:schemeClr val="bg1"/>
-                </a:solidFill>
-                <a:latin typeface="DM Sans" pitchFamily="2" charset="0"/>
-                <a:cs typeface="Calibri Light" panose="020F0302020204030204" pitchFamily="34" charset="0"/>
-              </a:rPr>
-              <a:t>[7]</a:t>
-            </a:r>
-          </a:p>
-          <a:p>
-            <a:r>
-              <a:rPr lang="en-US" sz="1200" dirty="0">
-                <a:solidFill>
-                  <a:schemeClr val="bg1"/>
-                </a:solidFill>
-                <a:latin typeface="DM Sans" pitchFamily="2" charset="0"/>
-                <a:cs typeface="Calibri Light" panose="020F0302020204030204" pitchFamily="34" charset="0"/>
-              </a:rPr>
-              <a:t>Hyperferritinemia-cataract syndrome</a:t>
-            </a:r>
-            <a:endParaRPr lang="en-US" sz="1200" dirty="0">
-              <a:solidFill>
-                <a:schemeClr val="bg1"/>
-              </a:solidFill>
-              <a:latin typeface="DM Sans" pitchFamily="2" charset="0"/>
-              <a:cs typeface="Calibri Light" panose="020F0302020204030204" pitchFamily="34" charset="0"/>
-              <a:hlinkClick r:id="rId3">
-                <a:extLst>
-                  <a:ext uri="{A12FA001-AC4F-418D-AE19-62706E023703}">
-                    <ahyp:hlinkClr xmlns:ahyp="http://schemas.microsoft.com/office/drawing/2018/hyperlinkcolor" val="tx"/>
-                  </a:ext>
-                </a:extLst>
-              </a:hlinkClick>
-            </a:endParaRPr>
-          </a:p>
-        </p:txBody>
-      </p:sp>
-      <p:sp>
-        <p:nvSpPr>
-          <p:cNvPr id="11" name="Textfeld 10">
-            <a:extLst>
-              <a:ext uri="{FF2B5EF4-FFF2-40B4-BE49-F238E27FC236}">
-                <a16:creationId xmlns:a16="http://schemas.microsoft.com/office/drawing/2014/main" id="{3565098F-1791-1E54-F445-4E2B5C9790D7}"/>
-              </a:ext>
-            </a:extLst>
-          </p:cNvPr>
-          <p:cNvSpPr txBox="1"/>
-          <p:nvPr/>
-        </p:nvSpPr>
-        <p:spPr>
-          <a:xfrm>
-            <a:off x="5979663" y="3130824"/>
-            <a:ext cx="2057400" cy="523220"/>
-          </a:xfrm>
-          <a:prstGeom prst="rect">
-            <a:avLst/>
-          </a:prstGeom>
-          <a:noFill/>
-        </p:spPr>
-        <p:txBody>
-          <a:bodyPr wrap="square" rtlCol="0">
-            <a:spAutoFit/>
-          </a:bodyPr>
-          <a:lstStyle/>
-          <a:p>
-            <a:r>
-              <a:rPr lang="en-US" sz="1600" b="1" dirty="0">
-                <a:solidFill>
-                  <a:schemeClr val="bg1"/>
-                </a:solidFill>
-                <a:latin typeface="DM Sans" pitchFamily="2" charset="0"/>
-                <a:cs typeface="Calibri Light" panose="020F0302020204030204" pitchFamily="34" charset="0"/>
-              </a:rPr>
-              <a:t>APP</a:t>
-            </a:r>
-            <a:r>
-              <a:rPr lang="en-US" sz="1600" b="1" baseline="30000" dirty="0">
-                <a:solidFill>
-                  <a:schemeClr val="bg1"/>
-                </a:solidFill>
-                <a:latin typeface="DM Sans" pitchFamily="2" charset="0"/>
-                <a:cs typeface="Calibri Light" panose="020F0302020204030204" pitchFamily="34" charset="0"/>
-              </a:rPr>
-              <a:t>[7]</a:t>
-            </a:r>
-          </a:p>
-          <a:p>
-            <a:r>
-              <a:rPr lang="en-US" sz="1200" dirty="0">
-                <a:solidFill>
-                  <a:schemeClr val="bg1"/>
-                </a:solidFill>
-                <a:latin typeface="DM Sans" pitchFamily="2" charset="0"/>
-                <a:cs typeface="Calibri Light" panose="020F0302020204030204" pitchFamily="34" charset="0"/>
-              </a:rPr>
-              <a:t>Alzheimer’s Disease</a:t>
-            </a:r>
-            <a:endParaRPr lang="en-US" sz="2400" dirty="0">
-              <a:solidFill>
-                <a:schemeClr val="bg1"/>
-              </a:solidFill>
-              <a:latin typeface="DM Sans" pitchFamily="2" charset="0"/>
-              <a:cs typeface="Calibri Light" panose="020F0302020204030204" pitchFamily="34" charset="0"/>
-            </a:endParaRPr>
-          </a:p>
-        </p:txBody>
-      </p:sp>
-      <p:sp>
-        <p:nvSpPr>
-          <p:cNvPr id="12" name="Textfeld 11">
-            <a:extLst>
-              <a:ext uri="{FF2B5EF4-FFF2-40B4-BE49-F238E27FC236}">
-                <a16:creationId xmlns:a16="http://schemas.microsoft.com/office/drawing/2014/main" id="{E316DA12-7053-DD76-3A84-1D76805C55FA}"/>
-              </a:ext>
-            </a:extLst>
-          </p:cNvPr>
-          <p:cNvSpPr txBox="1"/>
-          <p:nvPr/>
-        </p:nvSpPr>
-        <p:spPr>
-          <a:xfrm>
-            <a:off x="353683" y="4371412"/>
-            <a:ext cx="2057400" cy="523220"/>
-          </a:xfrm>
-          <a:prstGeom prst="rect">
-            <a:avLst/>
-          </a:prstGeom>
-          <a:noFill/>
-        </p:spPr>
-        <p:txBody>
-          <a:bodyPr wrap="square" rtlCol="0">
-            <a:spAutoFit/>
-          </a:bodyPr>
-          <a:lstStyle/>
-          <a:p>
-            <a:r>
-              <a:rPr lang="en-US" sz="1600" b="1" dirty="0">
-                <a:solidFill>
-                  <a:schemeClr val="bg1"/>
-                </a:solidFill>
-                <a:latin typeface="DM Sans" pitchFamily="2" charset="0"/>
-                <a:cs typeface="Calibri Light" panose="020F0302020204030204" pitchFamily="34" charset="0"/>
-              </a:rPr>
-              <a:t>DKC1</a:t>
-            </a:r>
-            <a:r>
-              <a:rPr lang="en-US" sz="1600" b="1" baseline="30000" dirty="0">
-                <a:solidFill>
-                  <a:schemeClr val="bg1"/>
-                </a:solidFill>
-                <a:latin typeface="DM Sans" pitchFamily="2" charset="0"/>
-                <a:cs typeface="Calibri Light" panose="020F0302020204030204" pitchFamily="34" charset="0"/>
-              </a:rPr>
-              <a:t>[7]</a:t>
-            </a:r>
-          </a:p>
-          <a:p>
-            <a:r>
-              <a:rPr lang="en-US" sz="1200" dirty="0">
-                <a:solidFill>
-                  <a:schemeClr val="bg1"/>
-                </a:solidFill>
-                <a:latin typeface="DM Sans" pitchFamily="2" charset="0"/>
-                <a:cs typeface="Calibri Light" panose="020F0302020204030204" pitchFamily="34" charset="0"/>
-              </a:rPr>
-              <a:t>Dyskeratosis congenita</a:t>
-            </a:r>
-            <a:endParaRPr lang="en-US" sz="2400" dirty="0">
-              <a:solidFill>
-                <a:schemeClr val="bg1"/>
-              </a:solidFill>
-              <a:latin typeface="DM Sans" pitchFamily="2" charset="0"/>
-              <a:cs typeface="Calibri Light" panose="020F0302020204030204" pitchFamily="34" charset="0"/>
-            </a:endParaRPr>
-          </a:p>
-        </p:txBody>
-      </p:sp>
-      <p:sp>
-        <p:nvSpPr>
-          <p:cNvPr id="14" name="Textfeld 13">
-            <a:extLst>
-              <a:ext uri="{FF2B5EF4-FFF2-40B4-BE49-F238E27FC236}">
-                <a16:creationId xmlns:a16="http://schemas.microsoft.com/office/drawing/2014/main" id="{B255CC3B-4617-A821-3004-8733CA49450D}"/>
-              </a:ext>
-            </a:extLst>
-          </p:cNvPr>
-          <p:cNvSpPr txBox="1"/>
-          <p:nvPr/>
-        </p:nvSpPr>
-        <p:spPr>
-          <a:xfrm>
-            <a:off x="353683" y="2410490"/>
-            <a:ext cx="2203093" cy="523220"/>
-          </a:xfrm>
-          <a:prstGeom prst="rect">
-            <a:avLst/>
-          </a:prstGeom>
-          <a:noFill/>
-        </p:spPr>
-        <p:txBody>
-          <a:bodyPr wrap="square" rtlCol="0">
-            <a:spAutoFit/>
-          </a:bodyPr>
-          <a:lstStyle/>
-          <a:p>
-            <a:r>
-              <a:rPr lang="en-US" sz="1600" b="1" dirty="0">
-                <a:solidFill>
-                  <a:schemeClr val="bg1"/>
-                </a:solidFill>
-                <a:latin typeface="DM Sans" pitchFamily="2" charset="0"/>
-                <a:cs typeface="Calibri Light" panose="020F0302020204030204" pitchFamily="34" charset="0"/>
-              </a:rPr>
-              <a:t>RBFOX2</a:t>
-            </a:r>
-            <a:r>
-              <a:rPr lang="en-US" sz="1600" b="1" baseline="30000" dirty="0">
-                <a:solidFill>
-                  <a:schemeClr val="bg1"/>
-                </a:solidFill>
-                <a:latin typeface="DM Sans" pitchFamily="2" charset="0"/>
-                <a:cs typeface="Calibri Light" panose="020F0302020204030204" pitchFamily="34" charset="0"/>
-              </a:rPr>
-              <a:t>[6]</a:t>
-            </a:r>
-          </a:p>
-          <a:p>
-            <a:r>
-              <a:rPr lang="en-US" sz="1200" dirty="0">
-                <a:solidFill>
-                  <a:schemeClr val="bg1"/>
-                </a:solidFill>
-                <a:latin typeface="DM Sans" pitchFamily="2" charset="0"/>
-                <a:cs typeface="Calibri Light" panose="020F0302020204030204" pitchFamily="34" charset="0"/>
-              </a:rPr>
-              <a:t>Diabetic cardiomyopathy</a:t>
-            </a:r>
-          </a:p>
-        </p:txBody>
-      </p:sp>
-      <p:sp>
-        <p:nvSpPr>
-          <p:cNvPr id="15" name="Textfeld 14">
-            <a:extLst>
-              <a:ext uri="{FF2B5EF4-FFF2-40B4-BE49-F238E27FC236}">
-                <a16:creationId xmlns:a16="http://schemas.microsoft.com/office/drawing/2014/main" id="{A12395AF-816E-4AF7-3114-79F133F3FFEA}"/>
-              </a:ext>
-            </a:extLst>
-          </p:cNvPr>
-          <p:cNvSpPr txBox="1"/>
-          <p:nvPr/>
-        </p:nvSpPr>
-        <p:spPr>
-          <a:xfrm>
-            <a:off x="353683" y="1863383"/>
-            <a:ext cx="2057400" cy="523220"/>
-          </a:xfrm>
-          <a:prstGeom prst="rect">
-            <a:avLst/>
-          </a:prstGeom>
-          <a:noFill/>
-        </p:spPr>
-        <p:txBody>
-          <a:bodyPr wrap="square" rtlCol="0">
-            <a:spAutoFit/>
-          </a:bodyPr>
-          <a:lstStyle/>
-          <a:p>
-            <a:r>
-              <a:rPr lang="en-US" sz="1600" b="1" dirty="0">
-                <a:solidFill>
-                  <a:schemeClr val="bg1"/>
-                </a:solidFill>
-                <a:latin typeface="DM Sans" pitchFamily="2" charset="0"/>
-                <a:cs typeface="Calibri Light" panose="020F0302020204030204" pitchFamily="34" charset="0"/>
-              </a:rPr>
-              <a:t>TTP</a:t>
-            </a:r>
-            <a:r>
-              <a:rPr lang="en-US" sz="1600" b="1" baseline="30000" dirty="0">
-                <a:solidFill>
-                  <a:schemeClr val="bg1"/>
-                </a:solidFill>
-                <a:latin typeface="DM Sans" pitchFamily="2" charset="0"/>
-                <a:cs typeface="Calibri Light" panose="020F0302020204030204" pitchFamily="34" charset="0"/>
-              </a:rPr>
-              <a:t>[6]</a:t>
-            </a:r>
-          </a:p>
-          <a:p>
-            <a:r>
-              <a:rPr lang="en-US" sz="1200" dirty="0">
-                <a:solidFill>
-                  <a:schemeClr val="bg1"/>
-                </a:solidFill>
-                <a:latin typeface="DM Sans" pitchFamily="2" charset="0"/>
-                <a:cs typeface="Calibri Light" panose="020F0302020204030204" pitchFamily="34" charset="0"/>
-              </a:rPr>
-              <a:t>Atherosclerosis</a:t>
-            </a:r>
-          </a:p>
-        </p:txBody>
-      </p:sp>
-      <p:sp>
-        <p:nvSpPr>
-          <p:cNvPr id="17" name="Textfeld 16">
-            <a:extLst>
-              <a:ext uri="{FF2B5EF4-FFF2-40B4-BE49-F238E27FC236}">
-                <a16:creationId xmlns:a16="http://schemas.microsoft.com/office/drawing/2014/main" id="{E088EB08-788E-15F8-5528-CD5921F2E275}"/>
-              </a:ext>
-            </a:extLst>
-          </p:cNvPr>
-          <p:cNvSpPr txBox="1"/>
-          <p:nvPr/>
-        </p:nvSpPr>
-        <p:spPr>
-          <a:xfrm>
-            <a:off x="353683" y="1305399"/>
-            <a:ext cx="3487125" cy="523220"/>
-          </a:xfrm>
-          <a:prstGeom prst="rect">
-            <a:avLst/>
-          </a:prstGeom>
-          <a:noFill/>
-        </p:spPr>
-        <p:txBody>
-          <a:bodyPr wrap="square" rtlCol="0">
-            <a:spAutoFit/>
-          </a:bodyPr>
-          <a:lstStyle/>
-          <a:p>
-            <a:r>
-              <a:rPr lang="en-US" sz="1600" b="1" dirty="0">
-                <a:solidFill>
-                  <a:schemeClr val="bg1"/>
-                </a:solidFill>
-                <a:latin typeface="DM Sans" pitchFamily="2" charset="0"/>
-                <a:cs typeface="Calibri Light" panose="020F0302020204030204" pitchFamily="34" charset="0"/>
-              </a:rPr>
-              <a:t>ATXN2, hnRNPA1, MATR3, TIA-1</a:t>
-            </a:r>
-            <a:r>
-              <a:rPr lang="en-US" sz="1600" b="1" baseline="30000" dirty="0">
-                <a:solidFill>
-                  <a:schemeClr val="bg1"/>
-                </a:solidFill>
-                <a:latin typeface="DM Sans" pitchFamily="2" charset="0"/>
-                <a:cs typeface="Calibri Light" panose="020F0302020204030204" pitchFamily="34" charset="0"/>
-              </a:rPr>
-              <a:t>[6]</a:t>
-            </a:r>
-          </a:p>
-          <a:p>
-            <a:r>
-              <a:rPr lang="en-US" sz="1200" dirty="0">
-                <a:solidFill>
-                  <a:schemeClr val="bg1"/>
-                </a:solidFill>
-                <a:latin typeface="DM Sans" pitchFamily="2" charset="0"/>
-                <a:cs typeface="Calibri Light" panose="020F0302020204030204" pitchFamily="34" charset="0"/>
-              </a:rPr>
-              <a:t>Amyotrophic lateral sclerosis (ALS)</a:t>
-            </a:r>
-          </a:p>
-        </p:txBody>
-      </p:sp>
-      <p:sp>
-        <p:nvSpPr>
-          <p:cNvPr id="18" name="Textfeld 17">
-            <a:extLst>
-              <a:ext uri="{FF2B5EF4-FFF2-40B4-BE49-F238E27FC236}">
-                <a16:creationId xmlns:a16="http://schemas.microsoft.com/office/drawing/2014/main" id="{273E90D7-DC24-453A-DF6E-7ADD99AE7DF9}"/>
-              </a:ext>
-            </a:extLst>
-          </p:cNvPr>
-          <p:cNvSpPr txBox="1"/>
-          <p:nvPr/>
-        </p:nvSpPr>
-        <p:spPr>
-          <a:xfrm>
-            <a:off x="5979663" y="1217385"/>
-            <a:ext cx="3022600" cy="523220"/>
-          </a:xfrm>
-          <a:prstGeom prst="rect">
-            <a:avLst/>
-          </a:prstGeom>
-          <a:noFill/>
-        </p:spPr>
-        <p:txBody>
-          <a:bodyPr wrap="square" rtlCol="0">
-            <a:spAutoFit/>
-          </a:bodyPr>
-          <a:lstStyle/>
-          <a:p>
-            <a:r>
-              <a:rPr lang="en-US" sz="1600" b="1" dirty="0">
-                <a:solidFill>
-                  <a:schemeClr val="bg1"/>
-                </a:solidFill>
-                <a:latin typeface="DM Sans" pitchFamily="2" charset="0"/>
-                <a:cs typeface="Calibri Light" panose="020F0302020204030204" pitchFamily="34" charset="0"/>
-              </a:rPr>
-              <a:t>TTP, FUS, EWS, TAF15</a:t>
-            </a:r>
-            <a:r>
-              <a:rPr lang="en-US" sz="1600" b="1" baseline="30000" dirty="0">
-                <a:solidFill>
-                  <a:schemeClr val="bg1"/>
-                </a:solidFill>
-                <a:latin typeface="DM Sans" pitchFamily="2" charset="0"/>
-                <a:cs typeface="Calibri Light" panose="020F0302020204030204" pitchFamily="34" charset="0"/>
-              </a:rPr>
-              <a:t>[8]</a:t>
-            </a:r>
-          </a:p>
-          <a:p>
-            <a:r>
-              <a:rPr lang="en-US" sz="1200" dirty="0">
-                <a:solidFill>
-                  <a:schemeClr val="bg1"/>
-                </a:solidFill>
-                <a:latin typeface="DM Sans" pitchFamily="2" charset="0"/>
-                <a:cs typeface="Calibri Light" panose="020F0302020204030204" pitchFamily="34" charset="0"/>
-              </a:rPr>
-              <a:t>Frontotemporal Lobar Dementia (FTLD)</a:t>
-            </a:r>
-          </a:p>
-        </p:txBody>
-      </p:sp>
-      <p:sp>
-        <p:nvSpPr>
-          <p:cNvPr id="19" name="Textfeld 18">
-            <a:extLst>
-              <a:ext uri="{FF2B5EF4-FFF2-40B4-BE49-F238E27FC236}">
-                <a16:creationId xmlns:a16="http://schemas.microsoft.com/office/drawing/2014/main" id="{D9D8FD90-51C1-3CCE-6C0C-ABE517A9E6F2}"/>
-              </a:ext>
-            </a:extLst>
-          </p:cNvPr>
-          <p:cNvSpPr txBox="1"/>
-          <p:nvPr/>
-        </p:nvSpPr>
-        <p:spPr>
-          <a:xfrm>
-            <a:off x="353683" y="3729830"/>
-            <a:ext cx="1869374" cy="523220"/>
-          </a:xfrm>
-          <a:prstGeom prst="rect">
-            <a:avLst/>
-          </a:prstGeom>
-          <a:noFill/>
-        </p:spPr>
-        <p:txBody>
-          <a:bodyPr wrap="square" rtlCol="0">
-            <a:spAutoFit/>
-          </a:bodyPr>
-          <a:lstStyle/>
-          <a:p>
-            <a:r>
-              <a:rPr lang="en-US" sz="1600" b="1" dirty="0">
-                <a:solidFill>
-                  <a:schemeClr val="bg1"/>
-                </a:solidFill>
-                <a:latin typeface="DM Sans" pitchFamily="2" charset="0"/>
-                <a:cs typeface="Calibri Light" panose="020F0302020204030204" pitchFamily="34" charset="0"/>
-              </a:rPr>
-              <a:t>FMRP</a:t>
-            </a:r>
-            <a:r>
-              <a:rPr lang="en-US" sz="1600" b="1" baseline="30000" dirty="0">
-                <a:solidFill>
-                  <a:schemeClr val="bg1"/>
-                </a:solidFill>
-                <a:latin typeface="DM Sans" pitchFamily="2" charset="0"/>
-                <a:cs typeface="Calibri Light" panose="020F0302020204030204" pitchFamily="34" charset="0"/>
-              </a:rPr>
-              <a:t>[8]</a:t>
-            </a:r>
-          </a:p>
-          <a:p>
-            <a:r>
-              <a:rPr lang="en-US" sz="1200" dirty="0">
-                <a:solidFill>
-                  <a:schemeClr val="bg1"/>
-                </a:solidFill>
-                <a:latin typeface="DM Sans" pitchFamily="2" charset="0"/>
-                <a:cs typeface="Calibri Light" panose="020F0302020204030204" pitchFamily="34" charset="0"/>
-              </a:rPr>
-              <a:t>Fragile X Syndrome</a:t>
-            </a:r>
-          </a:p>
-        </p:txBody>
-      </p:sp>
-      <p:sp>
-        <p:nvSpPr>
-          <p:cNvPr id="21" name="Textfeld 20">
-            <a:extLst>
-              <a:ext uri="{FF2B5EF4-FFF2-40B4-BE49-F238E27FC236}">
-                <a16:creationId xmlns:a16="http://schemas.microsoft.com/office/drawing/2014/main" id="{28EA6AA9-2516-8CBB-F94A-C4FDB78F45BF}"/>
-              </a:ext>
-            </a:extLst>
-          </p:cNvPr>
-          <p:cNvSpPr txBox="1"/>
-          <p:nvPr/>
-        </p:nvSpPr>
-        <p:spPr>
-          <a:xfrm>
-            <a:off x="5979663" y="2493011"/>
-            <a:ext cx="2378515" cy="523220"/>
-          </a:xfrm>
-          <a:prstGeom prst="rect">
-            <a:avLst/>
-          </a:prstGeom>
-          <a:noFill/>
-        </p:spPr>
-        <p:txBody>
-          <a:bodyPr wrap="square" rtlCol="0">
-            <a:spAutoFit/>
-          </a:bodyPr>
-          <a:lstStyle/>
-          <a:p>
-            <a:r>
-              <a:rPr lang="en-US" sz="1600" b="1" dirty="0">
-                <a:solidFill>
-                  <a:schemeClr val="bg1"/>
-                </a:solidFill>
-                <a:latin typeface="DM Sans" pitchFamily="2" charset="0"/>
-                <a:cs typeface="Calibri Light" panose="020F0302020204030204" pitchFamily="34" charset="0"/>
-              </a:rPr>
-              <a:t>SMN</a:t>
-            </a:r>
-            <a:r>
-              <a:rPr lang="en-US" sz="1600" b="1" baseline="30000" dirty="0">
-                <a:solidFill>
-                  <a:schemeClr val="bg1"/>
-                </a:solidFill>
-                <a:latin typeface="DM Sans" pitchFamily="2" charset="0"/>
-                <a:cs typeface="Calibri Light" panose="020F0302020204030204" pitchFamily="34" charset="0"/>
-              </a:rPr>
-              <a:t>[8]</a:t>
-            </a:r>
-          </a:p>
-          <a:p>
-            <a:r>
-              <a:rPr lang="en-US" sz="1200" dirty="0">
-                <a:solidFill>
-                  <a:schemeClr val="bg1"/>
-                </a:solidFill>
-                <a:latin typeface="DM Sans" pitchFamily="2" charset="0"/>
-                <a:cs typeface="Calibri Light" panose="020F0302020204030204" pitchFamily="34" charset="0"/>
-              </a:rPr>
-              <a:t>Spinal Muscular Atrophy (SMA)</a:t>
-            </a:r>
-          </a:p>
-        </p:txBody>
-      </p:sp>
-      <p:sp>
-        <p:nvSpPr>
-          <p:cNvPr id="23" name="Textfeld 22">
-            <a:extLst>
-              <a:ext uri="{FF2B5EF4-FFF2-40B4-BE49-F238E27FC236}">
-                <a16:creationId xmlns:a16="http://schemas.microsoft.com/office/drawing/2014/main" id="{105EF158-40B1-C99B-EC91-4514EB0E7C99}"/>
-              </a:ext>
-            </a:extLst>
-          </p:cNvPr>
-          <p:cNvSpPr txBox="1"/>
-          <p:nvPr/>
-        </p:nvSpPr>
-        <p:spPr>
-          <a:xfrm>
-            <a:off x="3644342" y="2057197"/>
-            <a:ext cx="1855315" cy="1569660"/>
-          </a:xfrm>
-          <a:prstGeom prst="rect">
-            <a:avLst/>
-          </a:prstGeom>
-          <a:noFill/>
-          <a:ln w="19050">
-            <a:solidFill>
-              <a:schemeClr val="bg1"/>
-            </a:solidFill>
-          </a:ln>
-        </p:spPr>
-        <p:txBody>
-          <a:bodyPr wrap="square" rtlCol="0">
-            <a:spAutoFit/>
-          </a:bodyPr>
-          <a:lstStyle/>
-          <a:p>
-            <a:r>
-              <a:rPr lang="en-US" sz="1600" b="1" dirty="0">
-                <a:solidFill>
-                  <a:schemeClr val="bg1"/>
-                </a:solidFill>
-                <a:latin typeface="DM Sans" pitchFamily="2" charset="0"/>
-                <a:cs typeface="Calibri Light" panose="020F0302020204030204" pitchFamily="34" charset="0"/>
-              </a:rPr>
-              <a:t>(Selection of) RBPs Whose Malfunction Has Been Associated With Human Diseases</a:t>
+              <a:rPr lang="de-DE" sz="1100" b="1" dirty="0">
+                <a:solidFill>
+                  <a:srgbClr val="FF0000"/>
+                </a:solidFill>
+                <a:latin typeface="DM Sans" pitchFamily="2" charset="0"/>
+                <a:cs typeface="Calibri" panose="020F0502020204030204" pitchFamily="34" charset="0"/>
+              </a:rPr>
+              <a:t>Basti</a:t>
             </a:r>
           </a:p>
         </p:txBody>
@@ -4204,7 +3441,7 @@
     </p:spTree>
     <p:extLst>
       <p:ext uri="{BB962C8B-B14F-4D97-AF65-F5344CB8AC3E}">
-        <p14:creationId xmlns:p14="http://schemas.microsoft.com/office/powerpoint/2010/main" val="841243588"/>
+        <p14:creationId xmlns:p14="http://schemas.microsoft.com/office/powerpoint/2010/main" val="1987510969"/>
       </p:ext>
     </p:extLst>
   </p:cSld>
@@ -4268,6 +3505,26 @@
           <a:lstStyle/>
           <a:p>
             <a:r>
+              <a:rPr lang="de-DE" sz="2400" b="1" dirty="0" err="1">
+                <a:solidFill>
+                  <a:schemeClr val="bg1"/>
+                </a:solidFill>
+                <a:latin typeface="DM Sans" pitchFamily="2" charset="0"/>
+                <a:cs typeface="Calibri Light" panose="020F0302020204030204" pitchFamily="34" charset="0"/>
+              </a:rPr>
+              <a:t>Why</a:t>
+            </a:r>
+            <a:r>
+              <a:rPr lang="de-DE" sz="2400" b="1" dirty="0">
+                <a:solidFill>
+                  <a:schemeClr val="bg1"/>
+                </a:solidFill>
+                <a:latin typeface="DM Sans" pitchFamily="2" charset="0"/>
+                <a:cs typeface="Calibri Light" panose="020F0302020204030204" pitchFamily="34" charset="0"/>
+              </a:rPr>
+              <a:t> </a:t>
+            </a:r>
+            <a:r>
               <a:rPr lang="en-US" sz="2400" b="1" dirty="0">
                 <a:solidFill>
                   <a:schemeClr val="bg1"/>
@@ -4275,17 +3532,47 @@
                 <a:latin typeface="DM Sans" pitchFamily="2" charset="0"/>
                 <a:cs typeface="Calibri Light" panose="020F0302020204030204" pitchFamily="34" charset="0"/>
               </a:rPr>
-              <a:t>Planned Analysis Steps</a:t>
+              <a:t>Bother</a:t>
+            </a:r>
+            <a:r>
+              <a:rPr lang="de-DE" sz="2400" b="1" dirty="0">
+                <a:solidFill>
+                  <a:schemeClr val="bg1"/>
+                </a:solidFill>
+                <a:latin typeface="DM Sans" pitchFamily="2" charset="0"/>
+                <a:cs typeface="Calibri Light" panose="020F0302020204030204" pitchFamily="34" charset="0"/>
+              </a:rPr>
+              <a:t> About RNA-</a:t>
+            </a:r>
+            <a:r>
+              <a:rPr lang="de-DE" sz="2400" b="1" dirty="0" err="1">
+                <a:solidFill>
+                  <a:schemeClr val="bg1"/>
+                </a:solidFill>
+                <a:latin typeface="DM Sans" pitchFamily="2" charset="0"/>
+                <a:cs typeface="Calibri Light" panose="020F0302020204030204" pitchFamily="34" charset="0"/>
+              </a:rPr>
+              <a:t>binding</a:t>
+            </a:r>
+            <a:r>
+              <a:rPr lang="de-DE" sz="2400" b="1" dirty="0">
+                <a:solidFill>
+                  <a:schemeClr val="bg1"/>
+                </a:solidFill>
+                <a:latin typeface="DM Sans" pitchFamily="2" charset="0"/>
+                <a:cs typeface="Calibri Light" panose="020F0302020204030204" pitchFamily="34" charset="0"/>
+              </a:rPr>
+              <a:t> Proteins (RBPs)?</a:t>
             </a:r>
           </a:p>
         </p:txBody>
       </p:sp>
       <p:sp>
         <p:nvSpPr>
-          <p:cNvPr id="3" name="Textfeld 2">
+          <p:cNvPr id="6" name="Textfeld 5">
             <a:extLst>
               <a:ext uri="{FF2B5EF4-FFF2-40B4-BE49-F238E27FC236}">
-                <a16:creationId xmlns:a16="http://schemas.microsoft.com/office/drawing/2014/main" id="{B1F877CD-E2A9-BC74-8CD9-30412A4B5CA5}"/>
+                <a16:creationId xmlns:a16="http://schemas.microsoft.com/office/drawing/2014/main" id="{6A88D783-8B01-E438-264B-9A3E64B34FCF}"/>
               </a:ext>
             </a:extLst>
           </p:cNvPr>
@@ -4294,16 +3581,13 @@
         </p:nvSpPr>
         <p:spPr>
           <a:xfrm>
-            <a:off x="353683" y="1106283"/>
-            <a:ext cx="3014357" cy="3785652"/>
+            <a:off x="5979663" y="1855198"/>
+            <a:ext cx="2057400" cy="523220"/>
           </a:xfrm>
           <a:prstGeom prst="rect">
             <a:avLst/>
           </a:prstGeom>
           <a:noFill/>
-          <a:ln w="19050">
-            <a:noFill/>
-          </a:ln>
         </p:spPr>
         <p:txBody>
           <a:bodyPr wrap="square" rtlCol="0">
@@ -4311,22 +3595,39 @@
           </a:bodyPr>
           <a:lstStyle/>
           <a:p>
-            <a:pPr marL="266700" lvl="2" indent="-266700">
-              <a:tabLst>
-                <a:tab pos="266700" algn="l"/>
-              </a:tabLst>
-            </a:pPr>
-            <a:r>
-              <a:rPr lang="en-US" sz="3200" b="1" dirty="0">
-                <a:solidFill>
-                  <a:schemeClr val="bg1"/>
-                </a:solidFill>
-                <a:latin typeface="DM Sans" pitchFamily="2" charset="0"/>
-                <a:cs typeface="Calibri Light" panose="020F0302020204030204" pitchFamily="34" charset="0"/>
-              </a:rPr>
-              <a:t>   Part (01)</a:t>
-            </a:r>
-            <a:endParaRPr lang="en-US" sz="1600" b="1" dirty="0">
+            <a:r>
+              <a:rPr lang="en-US" sz="1600" b="1" dirty="0">
+                <a:solidFill>
+                  <a:schemeClr val="bg1"/>
+                </a:solidFill>
+                <a:latin typeface="DM Sans" pitchFamily="2" charset="0"/>
+                <a:cs typeface="Calibri Light" panose="020F0302020204030204" pitchFamily="34" charset="0"/>
+              </a:rPr>
+              <a:t>eIF2B</a:t>
+            </a:r>
+            <a:r>
+              <a:rPr lang="en-US" sz="1600" b="1" baseline="30000" dirty="0">
+                <a:solidFill>
+                  <a:schemeClr val="bg1"/>
+                </a:solidFill>
+                <a:latin typeface="DM Sans" pitchFamily="2" charset="0"/>
+                <a:cs typeface="Calibri Light" panose="020F0302020204030204" pitchFamily="34" charset="0"/>
+              </a:rPr>
+              <a:t>[7]</a:t>
+            </a:r>
+          </a:p>
+          <a:p>
+            <a:r>
+              <a:rPr lang="en-US" sz="1200" dirty="0">
+                <a:solidFill>
+                  <a:schemeClr val="bg1"/>
+                </a:solidFill>
+                <a:latin typeface="DM Sans" pitchFamily="2" charset="0"/>
+                <a:cs typeface="Calibri Light" panose="020F0302020204030204" pitchFamily="34" charset="0"/>
+              </a:rPr>
+              <a:t>Leukoencephalopathy</a:t>
+            </a:r>
+            <a:endParaRPr lang="en-US" sz="2400" dirty="0">
               <a:solidFill>
                 <a:schemeClr val="bg1"/>
               </a:solidFill>
@@ -4334,220 +3635,14 @@
               <a:cs typeface="Calibri Light" panose="020F0302020204030204" pitchFamily="34" charset="0"/>
             </a:endParaRPr>
           </a:p>
-          <a:p>
-            <a:pPr marL="285750" indent="-285750">
-              <a:buFont typeface="Wingdings" panose="05000000000000000000" pitchFamily="2" charset="2"/>
-              <a:buChar char="Ø"/>
-            </a:pPr>
-            <a:r>
-              <a:rPr lang="en-US" sz="1200" dirty="0">
-                <a:solidFill>
-                  <a:schemeClr val="bg1"/>
-                </a:solidFill>
-                <a:latin typeface="DM Sans" pitchFamily="2" charset="0"/>
-                <a:cs typeface="Calibri Light" panose="020F0302020204030204" pitchFamily="34" charset="0"/>
-              </a:rPr>
-              <a:t>Describing the structure of the data frame using </a:t>
-            </a:r>
-            <a:r>
-              <a:rPr lang="en-US" sz="1200" b="1" dirty="0">
-                <a:solidFill>
-                  <a:schemeClr val="bg1"/>
-                </a:solidFill>
-                <a:highlight>
-                  <a:srgbClr val="FFFF85"/>
-                </a:highlight>
-                <a:latin typeface="DM Sans" pitchFamily="2" charset="0"/>
-                <a:cs typeface="Calibri Light" panose="020F0302020204030204" pitchFamily="34" charset="0"/>
-              </a:rPr>
-              <a:t>descriptive statistics</a:t>
-            </a:r>
-            <a:br>
-              <a:rPr lang="en-US" sz="1200" b="1" dirty="0">
-                <a:solidFill>
-                  <a:schemeClr val="bg1"/>
-                </a:solidFill>
-                <a:highlight>
-                  <a:srgbClr val="FFFF85"/>
-                </a:highlight>
-                <a:latin typeface="DM Sans" pitchFamily="2" charset="0"/>
-                <a:cs typeface="Calibri Light" panose="020F0302020204030204" pitchFamily="34" charset="0"/>
-              </a:rPr>
-            </a:br>
-            <a:endParaRPr lang="en-US" sz="1200" b="1" dirty="0">
-              <a:solidFill>
-                <a:schemeClr val="bg1"/>
-              </a:solidFill>
-              <a:highlight>
-                <a:srgbClr val="FFFF85"/>
-              </a:highlight>
-              <a:latin typeface="DM Sans" pitchFamily="2" charset="0"/>
-              <a:cs typeface="Calibri Light" panose="020F0302020204030204" pitchFamily="34" charset="0"/>
-            </a:endParaRPr>
-          </a:p>
-          <a:p>
-            <a:pPr marL="285750" indent="-285750">
-              <a:buFont typeface="Wingdings" panose="05000000000000000000" pitchFamily="2" charset="2"/>
-              <a:buChar char="Ø"/>
-            </a:pPr>
-            <a:r>
-              <a:rPr lang="en-US" sz="1200" b="1" dirty="0">
-                <a:solidFill>
-                  <a:schemeClr val="bg1"/>
-                </a:solidFill>
-                <a:latin typeface="DM Sans" pitchFamily="2" charset="0"/>
-                <a:cs typeface="Calibri Light" panose="020F0302020204030204" pitchFamily="34" charset="0"/>
-              </a:rPr>
-              <a:t>Normalize </a:t>
-            </a:r>
-            <a:r>
-              <a:rPr lang="en-US" sz="1200" dirty="0">
-                <a:solidFill>
-                  <a:schemeClr val="bg1"/>
-                </a:solidFill>
-                <a:latin typeface="DM Sans" pitchFamily="2" charset="0"/>
-                <a:cs typeface="Calibri Light" panose="020F0302020204030204" pitchFamily="34" charset="0"/>
-              </a:rPr>
-              <a:t>amount of each protein to 100 arb. units for every replicate</a:t>
-            </a:r>
-          </a:p>
-          <a:p>
-            <a:pPr marL="285750" indent="-285750">
-              <a:buFont typeface="Wingdings" panose="05000000000000000000" pitchFamily="2" charset="2"/>
-              <a:buChar char="Ø"/>
-            </a:pPr>
-            <a:r>
-              <a:rPr lang="en-US" sz="1200" dirty="0">
-                <a:solidFill>
-                  <a:schemeClr val="bg1"/>
-                </a:solidFill>
-                <a:latin typeface="DM Sans" pitchFamily="2" charset="0"/>
-                <a:cs typeface="Calibri Light" panose="020F0302020204030204" pitchFamily="34" charset="0"/>
-              </a:rPr>
-              <a:t>Plot distribution of random proteins to show data</a:t>
-            </a:r>
-            <a:br>
-              <a:rPr lang="en-US" sz="1200" dirty="0">
-                <a:solidFill>
-                  <a:schemeClr val="bg1"/>
-                </a:solidFill>
-                <a:latin typeface="DM Sans" pitchFamily="2" charset="0"/>
-                <a:cs typeface="Calibri Light" panose="020F0302020204030204" pitchFamily="34" charset="0"/>
-              </a:rPr>
-            </a:br>
-            <a:endParaRPr lang="en-US" sz="1200" dirty="0">
-              <a:solidFill>
-                <a:schemeClr val="bg1"/>
-              </a:solidFill>
-              <a:latin typeface="DM Sans" pitchFamily="2" charset="0"/>
-              <a:cs typeface="Calibri Light" panose="020F0302020204030204" pitchFamily="34" charset="0"/>
-            </a:endParaRPr>
-          </a:p>
-          <a:p>
-            <a:pPr marL="285750" indent="-285750">
-              <a:buFont typeface="Wingdings" panose="05000000000000000000" pitchFamily="2" charset="2"/>
-              <a:buChar char="Ø"/>
-            </a:pPr>
-            <a:r>
-              <a:rPr lang="en-US" sz="1200" dirty="0">
-                <a:solidFill>
-                  <a:schemeClr val="bg1"/>
-                </a:solidFill>
-                <a:latin typeface="DM Sans" pitchFamily="2" charset="0"/>
-                <a:cs typeface="Calibri Light" panose="020F0302020204030204" pitchFamily="34" charset="0"/>
-              </a:rPr>
-              <a:t>Assess importance of testing reproducibility</a:t>
-            </a:r>
-          </a:p>
-          <a:p>
-            <a:pPr marL="285750" indent="-285750">
-              <a:buFont typeface="Wingdings" panose="05000000000000000000" pitchFamily="2" charset="2"/>
-              <a:buChar char="Ø"/>
-            </a:pPr>
-            <a:r>
-              <a:rPr lang="en-US" sz="1200" dirty="0">
-                <a:solidFill>
-                  <a:schemeClr val="bg1"/>
-                </a:solidFill>
-                <a:latin typeface="DM Sans" pitchFamily="2" charset="0"/>
-                <a:cs typeface="Calibri Light" panose="020F0302020204030204" pitchFamily="34" charset="0"/>
-              </a:rPr>
-              <a:t>Prove </a:t>
-            </a:r>
-            <a:r>
-              <a:rPr lang="en-US" sz="1200" b="1" dirty="0">
-                <a:solidFill>
-                  <a:schemeClr val="bg1"/>
-                </a:solidFill>
-                <a:latin typeface="DM Sans" pitchFamily="2" charset="0"/>
-                <a:cs typeface="Calibri Light" panose="020F0302020204030204" pitchFamily="34" charset="0"/>
-              </a:rPr>
-              <a:t>reproducibility</a:t>
-            </a:r>
-            <a:r>
-              <a:rPr lang="en-US" sz="1200" dirty="0">
-                <a:solidFill>
-                  <a:schemeClr val="bg1"/>
-                </a:solidFill>
-                <a:latin typeface="DM Sans" pitchFamily="2" charset="0"/>
-                <a:cs typeface="Calibri Light" panose="020F0302020204030204" pitchFamily="34" charset="0"/>
-              </a:rPr>
-              <a:t> of the data via Q-Q plots and correlation between replicates</a:t>
-            </a:r>
-            <a:br>
-              <a:rPr lang="en-US" sz="1200" dirty="0">
-                <a:solidFill>
-                  <a:schemeClr val="bg1"/>
-                </a:solidFill>
-                <a:latin typeface="DM Sans" pitchFamily="2" charset="0"/>
-                <a:cs typeface="Calibri Light" panose="020F0302020204030204" pitchFamily="34" charset="0"/>
-              </a:rPr>
-            </a:br>
-            <a:endParaRPr lang="en-US" sz="1200" dirty="0">
-              <a:solidFill>
-                <a:schemeClr val="bg1"/>
-              </a:solidFill>
-              <a:latin typeface="DM Sans" pitchFamily="2" charset="0"/>
-              <a:cs typeface="Calibri Light" panose="020F0302020204030204" pitchFamily="34" charset="0"/>
-            </a:endParaRPr>
-          </a:p>
-          <a:p>
-            <a:pPr marL="285750" indent="-285750">
-              <a:buFont typeface="Wingdings" panose="05000000000000000000" pitchFamily="2" charset="2"/>
-              <a:buChar char="Ø"/>
-            </a:pPr>
-            <a:r>
-              <a:rPr lang="en-US" sz="1200" dirty="0">
-                <a:solidFill>
-                  <a:schemeClr val="bg1"/>
-                </a:solidFill>
-                <a:latin typeface="DM Sans" pitchFamily="2" charset="0"/>
-                <a:cs typeface="Calibri Light" panose="020F0302020204030204" pitchFamily="34" charset="0"/>
-              </a:rPr>
-              <a:t>Last step: mean values of the three replicates</a:t>
-            </a:r>
-          </a:p>
-          <a:p>
-            <a:pPr marL="285750" indent="-285750">
-              <a:buFont typeface="Wingdings" panose="05000000000000000000" pitchFamily="2" charset="2"/>
-              <a:buChar char="Ø"/>
-            </a:pPr>
-            <a:endParaRPr lang="en-US" sz="1600" b="1" dirty="0">
-              <a:solidFill>
-                <a:schemeClr val="bg1"/>
-              </a:solidFill>
-              <a:latin typeface="DM Sans" pitchFamily="2" charset="0"/>
-              <a:cs typeface="Calibri Light" panose="020F0302020204030204" pitchFamily="34" charset="0"/>
-            </a:endParaRPr>
-          </a:p>
         </p:txBody>
       </p:sp>
       <p:sp>
         <p:nvSpPr>
-          <p:cNvPr id="20" name="Textfeld 19">
+          <p:cNvPr id="7" name="Textfeld 6">
             <a:extLst>
               <a:ext uri="{FF2B5EF4-FFF2-40B4-BE49-F238E27FC236}">
-                <a16:creationId xmlns:a16="http://schemas.microsoft.com/office/drawing/2014/main" id="{82AE190A-8AC2-96A5-8A1E-2B3AD4BA8F13}"/>
+                <a16:creationId xmlns:a16="http://schemas.microsoft.com/office/drawing/2014/main" id="{5A5B71B8-5B62-C46F-B55F-354613681AE1}"/>
               </a:ext>
             </a:extLst>
           </p:cNvPr>
@@ -4556,16 +3651,13 @@
         </p:nvSpPr>
         <p:spPr>
           <a:xfrm>
-            <a:off x="4572000" y="1106283"/>
-            <a:ext cx="3759847" cy="3600986"/>
+            <a:off x="353933" y="2960389"/>
+            <a:ext cx="3519137" cy="769441"/>
           </a:xfrm>
           <a:prstGeom prst="rect">
             <a:avLst/>
           </a:prstGeom>
           <a:noFill/>
-          <a:ln w="19050">
-            <a:noFill/>
-          </a:ln>
         </p:spPr>
         <p:txBody>
           <a:bodyPr wrap="square" rtlCol="0">
@@ -4574,38 +3666,120 @@
           <a:lstStyle/>
           <a:p>
             <a:r>
-              <a:rPr lang="en-US" sz="3200" b="1" dirty="0">
-                <a:solidFill>
-                  <a:schemeClr val="bg1"/>
-                </a:solidFill>
-                <a:latin typeface="DM Sans" pitchFamily="2" charset="0"/>
-                <a:cs typeface="Calibri Light" panose="020F0302020204030204" pitchFamily="34" charset="0"/>
-              </a:rPr>
-              <a:t>   Part (02)</a:t>
-            </a:r>
-            <a:endParaRPr lang="en-US" sz="1600" b="1" dirty="0">
-              <a:solidFill>
-                <a:schemeClr val="bg1"/>
-              </a:solidFill>
-              <a:latin typeface="DM Sans" pitchFamily="2" charset="0"/>
-              <a:cs typeface="Calibri Light" panose="020F0302020204030204" pitchFamily="34" charset="0"/>
-            </a:endParaRPr>
-          </a:p>
-          <a:p>
-            <a:pPr marL="285750" indent="-285750">
-              <a:buFont typeface="Wingdings" panose="05000000000000000000" pitchFamily="2" charset="2"/>
-              <a:buChar char="Ø"/>
-            </a:pPr>
-            <a:r>
-              <a:rPr lang="en-US" sz="1200" b="1" dirty="0">
-                <a:solidFill>
-                  <a:schemeClr val="bg1"/>
-                </a:solidFill>
-                <a:latin typeface="DM Sans" pitchFamily="2" charset="0"/>
-                <a:cs typeface="Calibri Light" panose="020F0302020204030204" pitchFamily="34" charset="0"/>
-              </a:rPr>
-              <a:t>Global maxima</a:t>
-            </a:r>
+              <a:rPr lang="en-US" sz="1600" b="1" dirty="0">
+                <a:solidFill>
+                  <a:schemeClr val="bg1"/>
+                </a:solidFill>
+                <a:latin typeface="DM Sans" pitchFamily="2" charset="0"/>
+                <a:cs typeface="Calibri Light" panose="020F0302020204030204" pitchFamily="34" charset="0"/>
+              </a:rPr>
+              <a:t>KHDRBS1</a:t>
+            </a:r>
+            <a:r>
+              <a:rPr lang="en-US" sz="1600" b="1" baseline="30000" dirty="0">
+                <a:solidFill>
+                  <a:schemeClr val="bg1"/>
+                </a:solidFill>
+                <a:latin typeface="DM Sans" pitchFamily="2" charset="0"/>
+                <a:cs typeface="Calibri Light" panose="020F0302020204030204" pitchFamily="34" charset="0"/>
+              </a:rPr>
+              <a:t>[1]</a:t>
+            </a:r>
+            <a:r>
+              <a:rPr lang="en-US" sz="1600" b="1" dirty="0">
+                <a:solidFill>
+                  <a:schemeClr val="bg1"/>
+                </a:solidFill>
+                <a:latin typeface="DM Sans" pitchFamily="2" charset="0"/>
+                <a:cs typeface="Calibri Light" panose="020F0302020204030204" pitchFamily="34" charset="0"/>
+              </a:rPr>
+              <a:t>, </a:t>
+            </a:r>
+            <a:r>
+              <a:rPr lang="en-US" sz="1600" b="1" dirty="0">
+                <a:solidFill>
+                  <a:schemeClr val="bg1"/>
+                </a:solidFill>
+                <a:highlight>
+                  <a:srgbClr val="FFCC66"/>
+                </a:highlight>
+                <a:latin typeface="DM Sans" pitchFamily="2" charset="0"/>
+                <a:cs typeface="Calibri Light" panose="020F0302020204030204" pitchFamily="34" charset="0"/>
+              </a:rPr>
+              <a:t>ELAVL1</a:t>
+            </a:r>
+            <a:r>
+              <a:rPr lang="en-US" sz="1600" b="1" baseline="30000" dirty="0">
+                <a:solidFill>
+                  <a:schemeClr val="bg1"/>
+                </a:solidFill>
+                <a:latin typeface="DM Sans" pitchFamily="2" charset="0"/>
+                <a:cs typeface="Calibri Light" panose="020F0302020204030204" pitchFamily="34" charset="0"/>
+              </a:rPr>
+              <a:t>[2]</a:t>
+            </a:r>
+            <a:r>
+              <a:rPr lang="en-US" sz="1600" b="1" dirty="0">
+                <a:solidFill>
+                  <a:schemeClr val="bg1"/>
+                </a:solidFill>
+                <a:latin typeface="DM Sans" pitchFamily="2" charset="0"/>
+                <a:cs typeface="Calibri Light" panose="020F0302020204030204" pitchFamily="34" charset="0"/>
+              </a:rPr>
+              <a:t>, FXR1</a:t>
+            </a:r>
+            <a:r>
+              <a:rPr lang="en-US" sz="1600" b="1" baseline="30000" dirty="0">
+                <a:solidFill>
+                  <a:schemeClr val="bg1"/>
+                </a:solidFill>
+                <a:latin typeface="DM Sans" pitchFamily="2" charset="0"/>
+                <a:cs typeface="Calibri Light" panose="020F0302020204030204" pitchFamily="34" charset="0"/>
+              </a:rPr>
+              <a:t>[3]</a:t>
+            </a:r>
+            <a:r>
+              <a:rPr lang="en-US" sz="1600" b="1" dirty="0">
+                <a:solidFill>
+                  <a:schemeClr val="bg1"/>
+                </a:solidFill>
+                <a:latin typeface="DM Sans" pitchFamily="2" charset="0"/>
+                <a:cs typeface="Calibri Light" panose="020F0302020204030204" pitchFamily="34" charset="0"/>
+              </a:rPr>
+              <a:t>, UHMK1</a:t>
+            </a:r>
+            <a:r>
+              <a:rPr lang="en-US" sz="1600" b="1" baseline="30000" dirty="0">
+                <a:solidFill>
+                  <a:schemeClr val="bg1"/>
+                </a:solidFill>
+                <a:latin typeface="DM Sans" pitchFamily="2" charset="0"/>
+                <a:cs typeface="Calibri Light" panose="020F0302020204030204" pitchFamily="34" charset="0"/>
+              </a:rPr>
+              <a:t>[4]</a:t>
+            </a:r>
+            <a:r>
+              <a:rPr lang="en-US" sz="1600" b="1" dirty="0">
+                <a:solidFill>
+                  <a:schemeClr val="bg1"/>
+                </a:solidFill>
+                <a:latin typeface="DM Sans" pitchFamily="2" charset="0"/>
+                <a:cs typeface="Calibri Light" panose="020F0302020204030204" pitchFamily="34" charset="0"/>
+              </a:rPr>
+              <a:t>, PATL2, DUS1L</a:t>
+            </a:r>
+            <a:r>
+              <a:rPr lang="en-US" sz="1600" b="1" baseline="30000" dirty="0">
+                <a:solidFill>
+                  <a:schemeClr val="bg1"/>
+                </a:solidFill>
+                <a:latin typeface="DM Sans" pitchFamily="2" charset="0"/>
+                <a:cs typeface="Calibri Light" panose="020F0302020204030204" pitchFamily="34" charset="0"/>
+              </a:rPr>
+              <a:t>[5]</a:t>
+            </a:r>
+          </a:p>
+          <a:p>
             <a:r>
               <a:rPr lang="en-US" sz="1200" dirty="0">
                 <a:solidFill>
@@ -4614,173 +3788,17 @@
                 <a:latin typeface="DM Sans" pitchFamily="2" charset="0"/>
                 <a:cs typeface="Calibri Light" panose="020F0302020204030204" pitchFamily="34" charset="0"/>
               </a:rPr>
-              <a:t>: highest value across all fractions</a:t>
-            </a:r>
-            <a:br>
-              <a:rPr lang="en-US" sz="1200" dirty="0">
-                <a:solidFill>
-                  <a:schemeClr val="bg1"/>
-                </a:solidFill>
-                <a:latin typeface="DM Sans" pitchFamily="2" charset="0"/>
-                <a:cs typeface="Calibri Light" panose="020F0302020204030204" pitchFamily="34" charset="0"/>
-              </a:rPr>
-            </a:br>
-            <a:endParaRPr lang="en-US" sz="1200" dirty="0">
-              <a:solidFill>
-                <a:schemeClr val="bg1"/>
-              </a:solidFill>
-              <a:latin typeface="DM Sans" pitchFamily="2" charset="0"/>
-              <a:cs typeface="Calibri Light" panose="020F0302020204030204" pitchFamily="34" charset="0"/>
-            </a:endParaRPr>
-          </a:p>
-          <a:p>
-            <a:pPr marL="285750" indent="-285750">
-              <a:buFont typeface="Wingdings" panose="05000000000000000000" pitchFamily="2" charset="2"/>
-              <a:buChar char="Ø"/>
-            </a:pPr>
-            <a:r>
-              <a:rPr lang="en-US" sz="1200" b="1" dirty="0">
-                <a:solidFill>
-                  <a:schemeClr val="bg1"/>
-                </a:solidFill>
-                <a:latin typeface="DM Sans" pitchFamily="2" charset="0"/>
-                <a:cs typeface="Calibri Light" panose="020F0302020204030204" pitchFamily="34" charset="0"/>
-              </a:rPr>
-              <a:t>Local maxima</a:t>
-            </a:r>
-            <a:r>
-              <a:rPr lang="en-US" sz="1200" dirty="0">
-                <a:solidFill>
-                  <a:schemeClr val="bg1"/>
-                </a:solidFill>
-                <a:latin typeface="DM Sans" pitchFamily="2" charset="0"/>
-                <a:cs typeface="Calibri Light" panose="020F0302020204030204" pitchFamily="34" charset="0"/>
-              </a:rPr>
-              <a:t>:   	</a:t>
-            </a:r>
-            <a:r>
-              <a:rPr lang="en-US" sz="1050" i="1" dirty="0">
-                <a:solidFill>
-                  <a:schemeClr val="bg1"/>
-                </a:solidFill>
-                <a:latin typeface="DM Sans" pitchFamily="2" charset="0"/>
-                <a:cs typeface="Calibri Light" panose="020F0302020204030204" pitchFamily="34" charset="0"/>
-              </a:rPr>
-              <a:t>1.</a:t>
-            </a:r>
-            <a:r>
-              <a:rPr lang="en-US" sz="1050" dirty="0">
-                <a:solidFill>
-                  <a:schemeClr val="bg1"/>
-                </a:solidFill>
-                <a:latin typeface="DM Sans" pitchFamily="2" charset="0"/>
-                <a:cs typeface="Calibri Light" panose="020F0302020204030204" pitchFamily="34" charset="0"/>
-              </a:rPr>
-              <a:t> Each value of the two 		neighboring pairs must be 		lower than the local maxima 		(avoid fluctuation bias)</a:t>
-            </a:r>
-          </a:p>
-          <a:p>
-            <a:pPr lvl="3"/>
-            <a:r>
-              <a:rPr lang="en-US" sz="1050" dirty="0">
-                <a:solidFill>
-                  <a:schemeClr val="bg1"/>
-                </a:solidFill>
-                <a:latin typeface="DM Sans" pitchFamily="2" charset="0"/>
-                <a:cs typeface="Calibri Light" panose="020F0302020204030204" pitchFamily="34" charset="0"/>
-              </a:rPr>
-              <a:t> 		</a:t>
-            </a:r>
-            <a:r>
-              <a:rPr lang="en-US" sz="1050" i="1" dirty="0">
-                <a:solidFill>
-                  <a:schemeClr val="bg1"/>
-                </a:solidFill>
-                <a:latin typeface="DM Sans" pitchFamily="2" charset="0"/>
-                <a:cs typeface="Calibri Light" panose="020F0302020204030204" pitchFamily="34" charset="0"/>
-              </a:rPr>
-              <a:t>2</a:t>
-            </a:r>
-            <a:r>
-              <a:rPr lang="en-US" sz="1050" dirty="0">
-                <a:solidFill>
-                  <a:schemeClr val="bg1"/>
-                </a:solidFill>
-                <a:latin typeface="DM Sans" pitchFamily="2" charset="0"/>
-                <a:cs typeface="Calibri Light" panose="020F0302020204030204" pitchFamily="34" charset="0"/>
-              </a:rPr>
-              <a:t>. Value of local maxima 		must be greater than 4 % of 		total protein amount (100) 		(avoid background noise)</a:t>
-            </a:r>
-            <a:br>
-              <a:rPr lang="en-US" sz="1050" dirty="0">
-                <a:solidFill>
-                  <a:schemeClr val="bg1"/>
-                </a:solidFill>
-                <a:latin typeface="DM Sans" pitchFamily="2" charset="0"/>
-                <a:cs typeface="Calibri Light" panose="020F0302020204030204" pitchFamily="34" charset="0"/>
-              </a:rPr>
-            </a:br>
-            <a:endParaRPr lang="en-US" sz="1050" dirty="0">
-              <a:solidFill>
-                <a:schemeClr val="bg1"/>
-              </a:solidFill>
-              <a:latin typeface="DM Sans" pitchFamily="2" charset="0"/>
-              <a:cs typeface="Calibri Light" panose="020F0302020204030204" pitchFamily="34" charset="0"/>
-            </a:endParaRPr>
-          </a:p>
-          <a:p>
-            <a:pPr marL="285750" indent="-285750">
-              <a:buFont typeface="Wingdings" panose="05000000000000000000" pitchFamily="2" charset="2"/>
-              <a:buChar char="Ø"/>
-            </a:pPr>
-            <a:r>
-              <a:rPr lang="en-US" sz="1200" dirty="0">
-                <a:solidFill>
-                  <a:schemeClr val="bg1"/>
-                </a:solidFill>
-                <a:latin typeface="DM Sans" pitchFamily="2" charset="0"/>
-                <a:cs typeface="Calibri Light" panose="020F0302020204030204" pitchFamily="34" charset="0"/>
-              </a:rPr>
-              <a:t>Maxima for each protein will be stored in an R object (e.g., data frame)</a:t>
-            </a:r>
-          </a:p>
-          <a:p>
-            <a:pPr marL="285750" indent="-285750">
-              <a:buFont typeface="Wingdings" panose="05000000000000000000" pitchFamily="2" charset="2"/>
-              <a:buChar char="Ø"/>
-            </a:pPr>
-            <a:r>
-              <a:rPr lang="en-US" sz="1200" dirty="0">
-                <a:solidFill>
-                  <a:schemeClr val="bg1"/>
-                </a:solidFill>
-                <a:latin typeface="DM Sans" pitchFamily="2" charset="0"/>
-                <a:cs typeface="Calibri Light" panose="020F0302020204030204" pitchFamily="34" charset="0"/>
-              </a:rPr>
-              <a:t>Criteria for maxima may change during project work</a:t>
-            </a:r>
-          </a:p>
-          <a:p>
-            <a:pPr marL="285750" indent="-285750">
-              <a:buFont typeface="Wingdings" panose="05000000000000000000" pitchFamily="2" charset="2"/>
-              <a:buChar char="Ø"/>
-            </a:pPr>
-            <a:endParaRPr lang="en-US" sz="1600" b="1" dirty="0">
-              <a:solidFill>
-                <a:schemeClr val="bg1"/>
-              </a:solidFill>
-              <a:latin typeface="DM Sans" pitchFamily="2" charset="0"/>
-              <a:cs typeface="Calibri Light" panose="020F0302020204030204" pitchFamily="34" charset="0"/>
-            </a:endParaRPr>
+              <a:t>Cancer</a:t>
+            </a:r>
           </a:p>
         </p:txBody>
       </p:sp>
       <p:sp>
         <p:nvSpPr>
-          <p:cNvPr id="22" name="Textfeld 21">
+          <p:cNvPr id="9" name="Textfeld 8">
             <a:extLst>
               <a:ext uri="{FF2B5EF4-FFF2-40B4-BE49-F238E27FC236}">
-                <a16:creationId xmlns:a16="http://schemas.microsoft.com/office/drawing/2014/main" id="{10B35989-1127-6F69-0035-1767F35BDF91}"/>
+                <a16:creationId xmlns:a16="http://schemas.microsoft.com/office/drawing/2014/main" id="{F25FAA69-25D2-8C56-F87F-2F88EF1B52DA}"/>
               </a:ext>
             </a:extLst>
           </p:cNvPr>
@@ -4789,8 +3807,687 @@
         </p:nvSpPr>
         <p:spPr>
           <a:xfrm>
-            <a:off x="3904407" y="2691332"/>
-            <a:ext cx="343912" cy="307777"/>
+            <a:off x="5974993" y="3729830"/>
+            <a:ext cx="3022600" cy="523220"/>
+          </a:xfrm>
+          <a:prstGeom prst="rect">
+            <a:avLst/>
+          </a:prstGeom>
+          <a:noFill/>
+        </p:spPr>
+        <p:txBody>
+          <a:bodyPr wrap="square" rtlCol="0">
+            <a:spAutoFit/>
+          </a:bodyPr>
+          <a:lstStyle/>
+          <a:p>
+            <a:r>
+              <a:rPr lang="en-US" sz="1600" b="1" dirty="0">
+                <a:solidFill>
+                  <a:schemeClr val="bg1"/>
+                </a:solidFill>
+                <a:latin typeface="DM Sans" pitchFamily="2" charset="0"/>
+                <a:cs typeface="Calibri Light" panose="020F0302020204030204" pitchFamily="34" charset="0"/>
+              </a:rPr>
+              <a:t>IRP1</a:t>
+            </a:r>
+            <a:r>
+              <a:rPr lang="en-US" sz="1600" b="1" baseline="30000" dirty="0">
+                <a:solidFill>
+                  <a:schemeClr val="bg1"/>
+                </a:solidFill>
+                <a:latin typeface="DM Sans" pitchFamily="2" charset="0"/>
+                <a:cs typeface="Calibri Light" panose="020F0302020204030204" pitchFamily="34" charset="0"/>
+              </a:rPr>
+              <a:t>[7]</a:t>
+            </a:r>
+          </a:p>
+          <a:p>
+            <a:r>
+              <a:rPr lang="en-US" sz="1200" dirty="0">
+                <a:solidFill>
+                  <a:schemeClr val="bg1"/>
+                </a:solidFill>
+                <a:latin typeface="DM Sans" pitchFamily="2" charset="0"/>
+                <a:cs typeface="Calibri Light" panose="020F0302020204030204" pitchFamily="34" charset="0"/>
+              </a:rPr>
+              <a:t>Hyperferritinemia-cataract syndrome</a:t>
+            </a:r>
+            <a:endParaRPr lang="en-US" sz="1200" dirty="0">
+              <a:solidFill>
+                <a:schemeClr val="bg1"/>
+              </a:solidFill>
+              <a:latin typeface="DM Sans" pitchFamily="2" charset="0"/>
+              <a:cs typeface="Calibri Light" panose="020F0302020204030204" pitchFamily="34" charset="0"/>
+              <a:hlinkClick r:id="rId3">
+                <a:extLst>
+                  <a:ext uri="{A12FA001-AC4F-418D-AE19-62706E023703}">
+                    <ahyp:hlinkClr xmlns:ahyp="http://schemas.microsoft.com/office/drawing/2018/hyperlinkcolor" val="tx"/>
+                  </a:ext>
+                </a:extLst>
+              </a:hlinkClick>
+            </a:endParaRPr>
+          </a:p>
+        </p:txBody>
+      </p:sp>
+      <p:sp>
+        <p:nvSpPr>
+          <p:cNvPr id="11" name="Textfeld 10">
+            <a:extLst>
+              <a:ext uri="{FF2B5EF4-FFF2-40B4-BE49-F238E27FC236}">
+                <a16:creationId xmlns:a16="http://schemas.microsoft.com/office/drawing/2014/main" id="{3565098F-1791-1E54-F445-4E2B5C9790D7}"/>
+              </a:ext>
+            </a:extLst>
+          </p:cNvPr>
+          <p:cNvSpPr txBox="1"/>
+          <p:nvPr/>
+        </p:nvSpPr>
+        <p:spPr>
+          <a:xfrm>
+            <a:off x="5979663" y="3130824"/>
+            <a:ext cx="2057400" cy="523220"/>
+          </a:xfrm>
+          <a:prstGeom prst="rect">
+            <a:avLst/>
+          </a:prstGeom>
+          <a:noFill/>
+        </p:spPr>
+        <p:txBody>
+          <a:bodyPr wrap="square" rtlCol="0">
+            <a:spAutoFit/>
+          </a:bodyPr>
+          <a:lstStyle/>
+          <a:p>
+            <a:r>
+              <a:rPr lang="en-US" sz="1600" b="1" dirty="0">
+                <a:solidFill>
+                  <a:schemeClr val="bg1"/>
+                </a:solidFill>
+                <a:latin typeface="DM Sans" pitchFamily="2" charset="0"/>
+                <a:cs typeface="Calibri Light" panose="020F0302020204030204" pitchFamily="34" charset="0"/>
+              </a:rPr>
+              <a:t>APP</a:t>
+            </a:r>
+            <a:r>
+              <a:rPr lang="en-US" sz="1600" b="1" baseline="30000" dirty="0">
+                <a:solidFill>
+                  <a:schemeClr val="bg1"/>
+                </a:solidFill>
+                <a:latin typeface="DM Sans" pitchFamily="2" charset="0"/>
+                <a:cs typeface="Calibri Light" panose="020F0302020204030204" pitchFamily="34" charset="0"/>
+              </a:rPr>
+              <a:t>[7]</a:t>
+            </a:r>
+          </a:p>
+          <a:p>
+            <a:r>
+              <a:rPr lang="en-US" sz="1200" dirty="0">
+                <a:solidFill>
+                  <a:schemeClr val="bg1"/>
+                </a:solidFill>
+                <a:latin typeface="DM Sans" pitchFamily="2" charset="0"/>
+                <a:cs typeface="Calibri Light" panose="020F0302020204030204" pitchFamily="34" charset="0"/>
+              </a:rPr>
+              <a:t>Alzheimer’s Disease</a:t>
+            </a:r>
+            <a:endParaRPr lang="en-US" sz="2400" dirty="0">
+              <a:solidFill>
+                <a:schemeClr val="bg1"/>
+              </a:solidFill>
+              <a:latin typeface="DM Sans" pitchFamily="2" charset="0"/>
+              <a:cs typeface="Calibri Light" panose="020F0302020204030204" pitchFamily="34" charset="0"/>
+            </a:endParaRPr>
+          </a:p>
+        </p:txBody>
+      </p:sp>
+      <p:sp>
+        <p:nvSpPr>
+          <p:cNvPr id="12" name="Textfeld 11">
+            <a:extLst>
+              <a:ext uri="{FF2B5EF4-FFF2-40B4-BE49-F238E27FC236}">
+                <a16:creationId xmlns:a16="http://schemas.microsoft.com/office/drawing/2014/main" id="{E316DA12-7053-DD76-3A84-1D76805C55FA}"/>
+              </a:ext>
+            </a:extLst>
+          </p:cNvPr>
+          <p:cNvSpPr txBox="1"/>
+          <p:nvPr/>
+        </p:nvSpPr>
+        <p:spPr>
+          <a:xfrm>
+            <a:off x="353683" y="4371412"/>
+            <a:ext cx="2057400" cy="523220"/>
+          </a:xfrm>
+          <a:prstGeom prst="rect">
+            <a:avLst/>
+          </a:prstGeom>
+          <a:noFill/>
+        </p:spPr>
+        <p:txBody>
+          <a:bodyPr wrap="square" rtlCol="0">
+            <a:spAutoFit/>
+          </a:bodyPr>
+          <a:lstStyle/>
+          <a:p>
+            <a:r>
+              <a:rPr lang="en-US" sz="1600" b="1" dirty="0">
+                <a:solidFill>
+                  <a:schemeClr val="bg1"/>
+                </a:solidFill>
+                <a:latin typeface="DM Sans" pitchFamily="2" charset="0"/>
+                <a:cs typeface="Calibri Light" panose="020F0302020204030204" pitchFamily="34" charset="0"/>
+              </a:rPr>
+              <a:t>DKC1</a:t>
+            </a:r>
+            <a:r>
+              <a:rPr lang="en-US" sz="1600" b="1" baseline="30000" dirty="0">
+                <a:solidFill>
+                  <a:schemeClr val="bg1"/>
+                </a:solidFill>
+                <a:latin typeface="DM Sans" pitchFamily="2" charset="0"/>
+                <a:cs typeface="Calibri Light" panose="020F0302020204030204" pitchFamily="34" charset="0"/>
+              </a:rPr>
+              <a:t>[7]</a:t>
+            </a:r>
+          </a:p>
+          <a:p>
+            <a:r>
+              <a:rPr lang="en-US" sz="1200" dirty="0">
+                <a:solidFill>
+                  <a:schemeClr val="bg1"/>
+                </a:solidFill>
+                <a:latin typeface="DM Sans" pitchFamily="2" charset="0"/>
+                <a:cs typeface="Calibri Light" panose="020F0302020204030204" pitchFamily="34" charset="0"/>
+              </a:rPr>
+              <a:t>Dyskeratosis congenita</a:t>
+            </a:r>
+            <a:endParaRPr lang="en-US" sz="2400" dirty="0">
+              <a:solidFill>
+                <a:schemeClr val="bg1"/>
+              </a:solidFill>
+              <a:latin typeface="DM Sans" pitchFamily="2" charset="0"/>
+              <a:cs typeface="Calibri Light" panose="020F0302020204030204" pitchFamily="34" charset="0"/>
+            </a:endParaRPr>
+          </a:p>
+        </p:txBody>
+      </p:sp>
+      <p:sp>
+        <p:nvSpPr>
+          <p:cNvPr id="14" name="Textfeld 13">
+            <a:extLst>
+              <a:ext uri="{FF2B5EF4-FFF2-40B4-BE49-F238E27FC236}">
+                <a16:creationId xmlns:a16="http://schemas.microsoft.com/office/drawing/2014/main" id="{B255CC3B-4617-A821-3004-8733CA49450D}"/>
+              </a:ext>
+            </a:extLst>
+          </p:cNvPr>
+          <p:cNvSpPr txBox="1"/>
+          <p:nvPr/>
+        </p:nvSpPr>
+        <p:spPr>
+          <a:xfrm>
+            <a:off x="353683" y="2410490"/>
+            <a:ext cx="2203093" cy="523220"/>
+          </a:xfrm>
+          <a:prstGeom prst="rect">
+            <a:avLst/>
+          </a:prstGeom>
+          <a:noFill/>
+        </p:spPr>
+        <p:txBody>
+          <a:bodyPr wrap="square" rtlCol="0">
+            <a:spAutoFit/>
+          </a:bodyPr>
+          <a:lstStyle/>
+          <a:p>
+            <a:r>
+              <a:rPr lang="en-US" sz="1600" b="1" dirty="0">
+                <a:solidFill>
+                  <a:schemeClr val="bg1"/>
+                </a:solidFill>
+                <a:latin typeface="DM Sans" pitchFamily="2" charset="0"/>
+                <a:cs typeface="Calibri Light" panose="020F0302020204030204" pitchFamily="34" charset="0"/>
+              </a:rPr>
+              <a:t>RBFOX2</a:t>
+            </a:r>
+            <a:r>
+              <a:rPr lang="en-US" sz="1600" b="1" baseline="30000" dirty="0">
+                <a:solidFill>
+                  <a:schemeClr val="bg1"/>
+                </a:solidFill>
+                <a:latin typeface="DM Sans" pitchFamily="2" charset="0"/>
+                <a:cs typeface="Calibri Light" panose="020F0302020204030204" pitchFamily="34" charset="0"/>
+              </a:rPr>
+              <a:t>[6]</a:t>
+            </a:r>
+          </a:p>
+          <a:p>
+            <a:r>
+              <a:rPr lang="en-US" sz="1200" dirty="0">
+                <a:solidFill>
+                  <a:schemeClr val="bg1"/>
+                </a:solidFill>
+                <a:latin typeface="DM Sans" pitchFamily="2" charset="0"/>
+                <a:cs typeface="Calibri Light" panose="020F0302020204030204" pitchFamily="34" charset="0"/>
+              </a:rPr>
+              <a:t>Diabetic cardiomyopathy</a:t>
+            </a:r>
+          </a:p>
+        </p:txBody>
+      </p:sp>
+      <p:sp>
+        <p:nvSpPr>
+          <p:cNvPr id="15" name="Textfeld 14">
+            <a:extLst>
+              <a:ext uri="{FF2B5EF4-FFF2-40B4-BE49-F238E27FC236}">
+                <a16:creationId xmlns:a16="http://schemas.microsoft.com/office/drawing/2014/main" id="{A12395AF-816E-4AF7-3114-79F133F3FFEA}"/>
+              </a:ext>
+            </a:extLst>
+          </p:cNvPr>
+          <p:cNvSpPr txBox="1"/>
+          <p:nvPr/>
+        </p:nvSpPr>
+        <p:spPr>
+          <a:xfrm>
+            <a:off x="353683" y="1863383"/>
+            <a:ext cx="2057400" cy="523220"/>
+          </a:xfrm>
+          <a:prstGeom prst="rect">
+            <a:avLst/>
+          </a:prstGeom>
+          <a:noFill/>
+        </p:spPr>
+        <p:txBody>
+          <a:bodyPr wrap="square" rtlCol="0">
+            <a:spAutoFit/>
+          </a:bodyPr>
+          <a:lstStyle/>
+          <a:p>
+            <a:r>
+              <a:rPr lang="en-US" sz="1600" b="1" dirty="0">
+                <a:solidFill>
+                  <a:schemeClr val="bg1"/>
+                </a:solidFill>
+                <a:latin typeface="DM Sans" pitchFamily="2" charset="0"/>
+                <a:cs typeface="Calibri Light" panose="020F0302020204030204" pitchFamily="34" charset="0"/>
+              </a:rPr>
+              <a:t>TTP</a:t>
+            </a:r>
+            <a:r>
+              <a:rPr lang="en-US" sz="1600" b="1" baseline="30000" dirty="0">
+                <a:solidFill>
+                  <a:schemeClr val="bg1"/>
+                </a:solidFill>
+                <a:latin typeface="DM Sans" pitchFamily="2" charset="0"/>
+                <a:cs typeface="Calibri Light" panose="020F0302020204030204" pitchFamily="34" charset="0"/>
+              </a:rPr>
+              <a:t>[6]</a:t>
+            </a:r>
+          </a:p>
+          <a:p>
+            <a:r>
+              <a:rPr lang="en-US" sz="1200" dirty="0">
+                <a:solidFill>
+                  <a:schemeClr val="bg1"/>
+                </a:solidFill>
+                <a:latin typeface="DM Sans" pitchFamily="2" charset="0"/>
+                <a:cs typeface="Calibri Light" panose="020F0302020204030204" pitchFamily="34" charset="0"/>
+              </a:rPr>
+              <a:t>Atherosclerosis</a:t>
+            </a:r>
+          </a:p>
+        </p:txBody>
+      </p:sp>
+      <p:sp>
+        <p:nvSpPr>
+          <p:cNvPr id="17" name="Textfeld 16">
+            <a:extLst>
+              <a:ext uri="{FF2B5EF4-FFF2-40B4-BE49-F238E27FC236}">
+                <a16:creationId xmlns:a16="http://schemas.microsoft.com/office/drawing/2014/main" id="{E088EB08-788E-15F8-5528-CD5921F2E275}"/>
+              </a:ext>
+            </a:extLst>
+          </p:cNvPr>
+          <p:cNvSpPr txBox="1"/>
+          <p:nvPr/>
+        </p:nvSpPr>
+        <p:spPr>
+          <a:xfrm>
+            <a:off x="353683" y="1305399"/>
+            <a:ext cx="3487125" cy="523220"/>
+          </a:xfrm>
+          <a:prstGeom prst="rect">
+            <a:avLst/>
+          </a:prstGeom>
+          <a:noFill/>
+        </p:spPr>
+        <p:txBody>
+          <a:bodyPr wrap="square" rtlCol="0">
+            <a:spAutoFit/>
+          </a:bodyPr>
+          <a:lstStyle/>
+          <a:p>
+            <a:r>
+              <a:rPr lang="en-US" sz="1600" b="1" dirty="0">
+                <a:solidFill>
+                  <a:schemeClr val="bg1"/>
+                </a:solidFill>
+                <a:latin typeface="DM Sans" pitchFamily="2" charset="0"/>
+                <a:cs typeface="Calibri Light" panose="020F0302020204030204" pitchFamily="34" charset="0"/>
+              </a:rPr>
+              <a:t>ATXN2, hnRNPA1, MATR3, TIA-1</a:t>
+            </a:r>
+            <a:r>
+              <a:rPr lang="en-US" sz="1600" b="1" baseline="30000" dirty="0">
+                <a:solidFill>
+                  <a:schemeClr val="bg1"/>
+                </a:solidFill>
+                <a:latin typeface="DM Sans" pitchFamily="2" charset="0"/>
+                <a:cs typeface="Calibri Light" panose="020F0302020204030204" pitchFamily="34" charset="0"/>
+              </a:rPr>
+              <a:t>[6]</a:t>
+            </a:r>
+          </a:p>
+          <a:p>
+            <a:r>
+              <a:rPr lang="en-US" sz="1200" dirty="0">
+                <a:solidFill>
+                  <a:schemeClr val="bg1"/>
+                </a:solidFill>
+                <a:latin typeface="DM Sans" pitchFamily="2" charset="0"/>
+                <a:cs typeface="Calibri Light" panose="020F0302020204030204" pitchFamily="34" charset="0"/>
+              </a:rPr>
+              <a:t>Amyotrophic lateral sclerosis (ALS)</a:t>
+            </a:r>
+          </a:p>
+        </p:txBody>
+      </p:sp>
+      <p:sp>
+        <p:nvSpPr>
+          <p:cNvPr id="18" name="Textfeld 17">
+            <a:extLst>
+              <a:ext uri="{FF2B5EF4-FFF2-40B4-BE49-F238E27FC236}">
+                <a16:creationId xmlns:a16="http://schemas.microsoft.com/office/drawing/2014/main" id="{273E90D7-DC24-453A-DF6E-7ADD99AE7DF9}"/>
+              </a:ext>
+            </a:extLst>
+          </p:cNvPr>
+          <p:cNvSpPr txBox="1"/>
+          <p:nvPr/>
+        </p:nvSpPr>
+        <p:spPr>
+          <a:xfrm>
+            <a:off x="5979663" y="1217385"/>
+            <a:ext cx="3022600" cy="523220"/>
+          </a:xfrm>
+          <a:prstGeom prst="rect">
+            <a:avLst/>
+          </a:prstGeom>
+          <a:noFill/>
+        </p:spPr>
+        <p:txBody>
+          <a:bodyPr wrap="square" rtlCol="0">
+            <a:spAutoFit/>
+          </a:bodyPr>
+          <a:lstStyle/>
+          <a:p>
+            <a:r>
+              <a:rPr lang="en-US" sz="1600" b="1" dirty="0">
+                <a:solidFill>
+                  <a:schemeClr val="bg1"/>
+                </a:solidFill>
+                <a:latin typeface="DM Sans" pitchFamily="2" charset="0"/>
+                <a:cs typeface="Calibri Light" panose="020F0302020204030204" pitchFamily="34" charset="0"/>
+              </a:rPr>
+              <a:t>TTP, FUS, EWS, TAF15</a:t>
+            </a:r>
+            <a:r>
+              <a:rPr lang="en-US" sz="1600" b="1" baseline="30000" dirty="0">
+                <a:solidFill>
+                  <a:schemeClr val="bg1"/>
+                </a:solidFill>
+                <a:latin typeface="DM Sans" pitchFamily="2" charset="0"/>
+                <a:cs typeface="Calibri Light" panose="020F0302020204030204" pitchFamily="34" charset="0"/>
+              </a:rPr>
+              <a:t>[8]</a:t>
+            </a:r>
+          </a:p>
+          <a:p>
+            <a:r>
+              <a:rPr lang="en-US" sz="1200" dirty="0">
+                <a:solidFill>
+                  <a:schemeClr val="bg1"/>
+                </a:solidFill>
+                <a:latin typeface="DM Sans" pitchFamily="2" charset="0"/>
+                <a:cs typeface="Calibri Light" panose="020F0302020204030204" pitchFamily="34" charset="0"/>
+              </a:rPr>
+              <a:t>Frontotemporal Lobar Dementia (FTLD)</a:t>
+            </a:r>
+          </a:p>
+        </p:txBody>
+      </p:sp>
+      <p:sp>
+        <p:nvSpPr>
+          <p:cNvPr id="19" name="Textfeld 18">
+            <a:extLst>
+              <a:ext uri="{FF2B5EF4-FFF2-40B4-BE49-F238E27FC236}">
+                <a16:creationId xmlns:a16="http://schemas.microsoft.com/office/drawing/2014/main" id="{D9D8FD90-51C1-3CCE-6C0C-ABE517A9E6F2}"/>
+              </a:ext>
+            </a:extLst>
+          </p:cNvPr>
+          <p:cNvSpPr txBox="1"/>
+          <p:nvPr/>
+        </p:nvSpPr>
+        <p:spPr>
+          <a:xfrm>
+            <a:off x="353683" y="3729830"/>
+            <a:ext cx="1869374" cy="523220"/>
+          </a:xfrm>
+          <a:prstGeom prst="rect">
+            <a:avLst/>
+          </a:prstGeom>
+          <a:noFill/>
+        </p:spPr>
+        <p:txBody>
+          <a:bodyPr wrap="square" rtlCol="0">
+            <a:spAutoFit/>
+          </a:bodyPr>
+          <a:lstStyle/>
+          <a:p>
+            <a:r>
+              <a:rPr lang="en-US" sz="1600" b="1" dirty="0">
+                <a:solidFill>
+                  <a:schemeClr val="bg1"/>
+                </a:solidFill>
+                <a:latin typeface="DM Sans" pitchFamily="2" charset="0"/>
+                <a:cs typeface="Calibri Light" panose="020F0302020204030204" pitchFamily="34" charset="0"/>
+              </a:rPr>
+              <a:t>FMRP</a:t>
+            </a:r>
+            <a:r>
+              <a:rPr lang="en-US" sz="1600" b="1" baseline="30000" dirty="0">
+                <a:solidFill>
+                  <a:schemeClr val="bg1"/>
+                </a:solidFill>
+                <a:latin typeface="DM Sans" pitchFamily="2" charset="0"/>
+                <a:cs typeface="Calibri Light" panose="020F0302020204030204" pitchFamily="34" charset="0"/>
+              </a:rPr>
+              <a:t>[8]</a:t>
+            </a:r>
+          </a:p>
+          <a:p>
+            <a:r>
+              <a:rPr lang="en-US" sz="1200" dirty="0">
+                <a:solidFill>
+                  <a:schemeClr val="bg1"/>
+                </a:solidFill>
+                <a:latin typeface="DM Sans" pitchFamily="2" charset="0"/>
+                <a:cs typeface="Calibri Light" panose="020F0302020204030204" pitchFamily="34" charset="0"/>
+              </a:rPr>
+              <a:t>Fragile X Syndrome</a:t>
+            </a:r>
+          </a:p>
+        </p:txBody>
+      </p:sp>
+      <p:sp>
+        <p:nvSpPr>
+          <p:cNvPr id="21" name="Textfeld 20">
+            <a:extLst>
+              <a:ext uri="{FF2B5EF4-FFF2-40B4-BE49-F238E27FC236}">
+                <a16:creationId xmlns:a16="http://schemas.microsoft.com/office/drawing/2014/main" id="{28EA6AA9-2516-8CBB-F94A-C4FDB78F45BF}"/>
+              </a:ext>
+            </a:extLst>
+          </p:cNvPr>
+          <p:cNvSpPr txBox="1"/>
+          <p:nvPr/>
+        </p:nvSpPr>
+        <p:spPr>
+          <a:xfrm>
+            <a:off x="5979663" y="2493011"/>
+            <a:ext cx="2378515" cy="523220"/>
+          </a:xfrm>
+          <a:prstGeom prst="rect">
+            <a:avLst/>
+          </a:prstGeom>
+          <a:noFill/>
+        </p:spPr>
+        <p:txBody>
+          <a:bodyPr wrap="square" rtlCol="0">
+            <a:spAutoFit/>
+          </a:bodyPr>
+          <a:lstStyle/>
+          <a:p>
+            <a:r>
+              <a:rPr lang="en-US" sz="1600" b="1" dirty="0">
+                <a:solidFill>
+                  <a:schemeClr val="bg1"/>
+                </a:solidFill>
+                <a:latin typeface="DM Sans" pitchFamily="2" charset="0"/>
+                <a:cs typeface="Calibri Light" panose="020F0302020204030204" pitchFamily="34" charset="0"/>
+              </a:rPr>
+              <a:t>SMN</a:t>
+            </a:r>
+            <a:r>
+              <a:rPr lang="en-US" sz="1600" b="1" baseline="30000" dirty="0">
+                <a:solidFill>
+                  <a:schemeClr val="bg1"/>
+                </a:solidFill>
+                <a:latin typeface="DM Sans" pitchFamily="2" charset="0"/>
+                <a:cs typeface="Calibri Light" panose="020F0302020204030204" pitchFamily="34" charset="0"/>
+              </a:rPr>
+              <a:t>[8]</a:t>
+            </a:r>
+          </a:p>
+          <a:p>
+            <a:r>
+              <a:rPr lang="en-US" sz="1200" dirty="0">
+                <a:solidFill>
+                  <a:schemeClr val="bg1"/>
+                </a:solidFill>
+                <a:latin typeface="DM Sans" pitchFamily="2" charset="0"/>
+                <a:cs typeface="Calibri Light" panose="020F0302020204030204" pitchFamily="34" charset="0"/>
+              </a:rPr>
+              <a:t>Spinal Muscular Atrophy (SMA)</a:t>
+            </a:r>
+          </a:p>
+        </p:txBody>
+      </p:sp>
+      <p:sp>
+        <p:nvSpPr>
+          <p:cNvPr id="23" name="Textfeld 22">
+            <a:extLst>
+              <a:ext uri="{FF2B5EF4-FFF2-40B4-BE49-F238E27FC236}">
+                <a16:creationId xmlns:a16="http://schemas.microsoft.com/office/drawing/2014/main" id="{105EF158-40B1-C99B-EC91-4514EB0E7C99}"/>
+              </a:ext>
+            </a:extLst>
+          </p:cNvPr>
+          <p:cNvSpPr txBox="1"/>
+          <p:nvPr/>
+        </p:nvSpPr>
+        <p:spPr>
+          <a:xfrm>
+            <a:off x="3644342" y="2057197"/>
+            <a:ext cx="1855315" cy="1569660"/>
+          </a:xfrm>
+          <a:prstGeom prst="rect">
+            <a:avLst/>
+          </a:prstGeom>
+          <a:noFill/>
+          <a:ln w="19050">
+            <a:solidFill>
+              <a:schemeClr val="bg1"/>
+            </a:solidFill>
+          </a:ln>
+        </p:spPr>
+        <p:txBody>
+          <a:bodyPr wrap="square" rtlCol="0">
+            <a:spAutoFit/>
+          </a:bodyPr>
+          <a:lstStyle/>
+          <a:p>
+            <a:r>
+              <a:rPr lang="en-US" sz="1600" b="1" dirty="0">
+                <a:solidFill>
+                  <a:schemeClr val="bg1"/>
+                </a:solidFill>
+                <a:latin typeface="DM Sans" pitchFamily="2" charset="0"/>
+                <a:cs typeface="Calibri Light" panose="020F0302020204030204" pitchFamily="34" charset="0"/>
+              </a:rPr>
+              <a:t>(Selection of) RBPs Whose Malfunction Has Been Associated With Human Diseases</a:t>
+            </a:r>
+          </a:p>
+        </p:txBody>
+      </p:sp>
+    </p:spTree>
+    <p:extLst>
+      <p:ext uri="{BB962C8B-B14F-4D97-AF65-F5344CB8AC3E}">
+        <p14:creationId xmlns:p14="http://schemas.microsoft.com/office/powerpoint/2010/main" val="841243588"/>
+      </p:ext>
+    </p:extLst>
+  </p:cSld>
+  <p:clrMapOvr>
+    <a:masterClrMapping/>
+  </p:clrMapOvr>
+</p:sld>
+</file>
+
+<file path=ppt/slides/slide4.xml><?xml version="1.0" encoding="utf-8"?>
+<p:sld xmlns:a="http://schemas.openxmlformats.org/drawingml/2006/main" xmlns:r="http://schemas.openxmlformats.org/officeDocument/2006/relationships" xmlns:p="http://schemas.openxmlformats.org/presentationml/2006/main">
+  <p:cSld>
+    <p:bg>
+      <p:bgPr>
+        <a:solidFill>
+          <a:schemeClr val="bg2"/>
+        </a:solidFill>
+        <a:effectLst/>
+      </p:bgPr>
+    </p:bg>
+    <p:spTree>
+      <p:nvGrpSpPr>
+        <p:cNvPr id="1" name=""/>
+        <p:cNvGrpSpPr/>
+        <p:nvPr/>
+      </p:nvGrpSpPr>
+      <p:grpSpPr>
+        <a:xfrm>
+          <a:off x="0" y="0"/>
+          <a:ext cx="0" cy="0"/>
+          <a:chOff x="0" y="0"/>
+          <a:chExt cx="0" cy="0"/>
+        </a:xfrm>
+      </p:grpSpPr>
+      <p:sp>
+        <p:nvSpPr>
+          <p:cNvPr id="2" name="Textfeld 1">
+            <a:extLst>
+              <a:ext uri="{FF2B5EF4-FFF2-40B4-BE49-F238E27FC236}">
+                <a16:creationId xmlns:a16="http://schemas.microsoft.com/office/drawing/2014/main" id="{BB855C30-FEBB-17E4-CC32-C95648BABF74}"/>
+              </a:ext>
+            </a:extLst>
+          </p:cNvPr>
+          <p:cNvSpPr txBox="1"/>
+          <p:nvPr/>
+        </p:nvSpPr>
+        <p:spPr>
+          <a:xfrm>
+            <a:off x="353683" y="285750"/>
+            <a:ext cx="8238225" cy="461665"/>
           </a:xfrm>
           <a:prstGeom prst="rect">
             <a:avLst/>
@@ -4804,18 +4501,51 @@
           <a:lstStyle/>
           <a:p>
             <a:r>
-              <a:rPr lang="en-US" dirty="0"/>
-              <a:t>▶</a:t>
-            </a:r>
+              <a:rPr lang="de-DE" sz="2400" b="1" dirty="0" err="1">
+                <a:solidFill>
+                  <a:schemeClr val="bg1"/>
+                </a:solidFill>
+                <a:latin typeface="DM Sans" pitchFamily="2" charset="0"/>
+                <a:cs typeface="Calibri Light" panose="020F0302020204030204" pitchFamily="34" charset="0"/>
+              </a:rPr>
+              <a:t>Example</a:t>
+            </a:r>
+            <a:r>
+              <a:rPr lang="de-DE" sz="2400" b="1" dirty="0">
+                <a:solidFill>
+                  <a:schemeClr val="bg1"/>
+                </a:solidFill>
+                <a:latin typeface="DM Sans" pitchFamily="2" charset="0"/>
+                <a:cs typeface="Calibri Light" panose="020F0302020204030204" pitchFamily="34" charset="0"/>
+              </a:rPr>
+              <a:t> </a:t>
+            </a:r>
+            <a:r>
+              <a:rPr lang="de-DE" sz="2400" b="1" dirty="0" err="1">
+                <a:solidFill>
+                  <a:schemeClr val="bg1"/>
+                </a:solidFill>
+                <a:latin typeface="DM Sans" pitchFamily="2" charset="0"/>
+                <a:cs typeface="Calibri Light" panose="020F0302020204030204" pitchFamily="34" charset="0"/>
+              </a:rPr>
+              <a:t>plot</a:t>
+            </a:r>
+            <a:endParaRPr lang="de-DE" sz="2400" b="1" dirty="0">
+              <a:solidFill>
+                <a:schemeClr val="bg1"/>
+              </a:solidFill>
+              <a:latin typeface="DM Sans" pitchFamily="2" charset="0"/>
+              <a:cs typeface="Calibri Light" panose="020F0302020204030204" pitchFamily="34" charset="0"/>
+            </a:endParaRPr>
           </a:p>
         </p:txBody>
       </p:sp>
       <p:sp>
         <p:nvSpPr>
-          <p:cNvPr id="24" name="Textfeld 23">
+          <p:cNvPr id="3" name="Textfeld 2">
             <a:extLst>
               <a:ext uri="{FF2B5EF4-FFF2-40B4-BE49-F238E27FC236}">
-                <a16:creationId xmlns:a16="http://schemas.microsoft.com/office/drawing/2014/main" id="{CFF23DDE-C2B3-F66C-971E-C01995AB2096}"/>
+                <a16:creationId xmlns:a16="http://schemas.microsoft.com/office/drawing/2014/main" id="{376FFF80-79A7-201D-FD7B-11F932D92EC5}"/>
               </a:ext>
             </a:extLst>
           </p:cNvPr>
@@ -4824,8 +4554,8 @@
         </p:nvSpPr>
         <p:spPr>
           <a:xfrm>
-            <a:off x="8483572" y="2691331"/>
-            <a:ext cx="343912" cy="307777"/>
+            <a:off x="2976310" y="3159150"/>
+            <a:ext cx="2001327" cy="261610"/>
           </a:xfrm>
           <a:prstGeom prst="rect">
             <a:avLst/>
@@ -4833,14 +4563,30 @@
           <a:noFill/>
         </p:spPr>
         <p:txBody>
-          <a:bodyPr wrap="square">
+          <a:bodyPr wrap="square" rtlCol="0">
             <a:spAutoFit/>
           </a:bodyPr>
           <a:lstStyle/>
           <a:p>
             <a:r>
-              <a:rPr lang="en-US" dirty="0"/>
-              <a:t>▶</a:t>
+              <a:rPr lang="de-DE" sz="1100" b="1" dirty="0" err="1">
+                <a:solidFill>
+                  <a:srgbClr val="FF0000"/>
+                </a:solidFill>
+                <a:latin typeface="DM Sans" pitchFamily="2" charset="0"/>
+                <a:cs typeface="Calibri" panose="020F0502020204030204" pitchFamily="34" charset="0"/>
+              </a:rPr>
+              <a:t>Chelli</a:t>
+            </a:r>
+            <a:r>
+              <a:rPr lang="de-DE" sz="1100" b="1" dirty="0">
+                <a:solidFill>
+                  <a:srgbClr val="FF0000"/>
+                </a:solidFill>
+                <a:latin typeface="DM Sans" pitchFamily="2" charset="0"/>
+                <a:cs typeface="Calibri" panose="020F0502020204030204" pitchFamily="34" charset="0"/>
+              </a:rPr>
+              <a:t> und MT7</a:t>
             </a:r>
           </a:p>
         </p:txBody>
@@ -4848,7 +4594,7 @@
     </p:spTree>
     <p:extLst>
       <p:ext uri="{BB962C8B-B14F-4D97-AF65-F5344CB8AC3E}">
-        <p14:creationId xmlns:p14="http://schemas.microsoft.com/office/powerpoint/2010/main" val="3129115358"/>
+        <p14:creationId xmlns:p14="http://schemas.microsoft.com/office/powerpoint/2010/main" val="3085758206"/>
       </p:ext>
     </p:extLst>
   </p:cSld>
@@ -4858,7 +4604,7 @@
 </p:sld>
 </file>
 
-<file path=ppt/slides/slide4.xml><?xml version="1.0" encoding="utf-8"?>
+<file path=ppt/slides/slide5.xml><?xml version="1.0" encoding="utf-8"?>
 <p:sld xmlns:a="http://schemas.openxmlformats.org/drawingml/2006/main" xmlns:r="http://schemas.openxmlformats.org/officeDocument/2006/relationships" xmlns:p="http://schemas.openxmlformats.org/presentationml/2006/main">
   <p:cSld>
     <p:bg>
@@ -4939,7 +4685,7 @@
         <p:spPr>
           <a:xfrm>
             <a:off x="353683" y="1106283"/>
-            <a:ext cx="3926217" cy="2308324"/>
+            <a:ext cx="3014357" cy="3785652"/>
           </a:xfrm>
           <a:prstGeom prst="rect">
             <a:avLst/>
@@ -4968,9 +4714,37 @@
                 <a:latin typeface="DM Sans" pitchFamily="2" charset="0"/>
                 <a:cs typeface="Calibri Light" panose="020F0302020204030204" pitchFamily="34" charset="0"/>
               </a:rPr>
-              <a:t>   Part (03)</a:t>
-            </a:r>
-            <a:endParaRPr lang="en-US" sz="1600" b="1" dirty="0">
+              <a:t>   Part (01)</a:t>
+            </a:r>
+          </a:p>
+          <a:p>
+            <a:pPr marL="285750" lvl="2" indent="-285750">
+              <a:buFont typeface="Wingdings" panose="05000000000000000000" pitchFamily="2" charset="2"/>
+              <a:buChar char="Ø"/>
+              <a:tabLst>
+                <a:tab pos="266700" algn="l"/>
+              </a:tabLst>
+            </a:pPr>
+            <a:r>
+              <a:rPr lang="en-US" sz="1200" b="1" dirty="0">
+                <a:solidFill>
+                  <a:schemeClr val="bg1"/>
+                </a:solidFill>
+                <a:latin typeface="DM Sans" pitchFamily="2" charset="0"/>
+                <a:cs typeface="Calibri Light" panose="020F0302020204030204" pitchFamily="34" charset="0"/>
+              </a:rPr>
+              <a:t>Data cleaning</a:t>
+            </a:r>
+            <a:br>
+              <a:rPr lang="en-US" sz="1200" b="1" dirty="0">
+                <a:solidFill>
+                  <a:schemeClr val="bg1"/>
+                </a:solidFill>
+                <a:latin typeface="DM Sans" pitchFamily="2" charset="0"/>
+                <a:cs typeface="Calibri Light" panose="020F0302020204030204" pitchFamily="34" charset="0"/>
+              </a:rPr>
+            </a:br>
+            <a:endParaRPr lang="en-US" sz="1200" b="1" dirty="0">
               <a:solidFill>
                 <a:schemeClr val="bg1"/>
               </a:solidFill>
@@ -4991,7 +4765,7 @@
                 <a:latin typeface="DM Sans" pitchFamily="2" charset="0"/>
                 <a:cs typeface="Calibri Light" panose="020F0302020204030204" pitchFamily="34" charset="0"/>
               </a:rPr>
-              <a:t>Evaluate differences between Ctrl and RNase condition maxima via </a:t>
+              <a:t>Describing the structure of the data frame using </a:t>
             </a:r>
             <a:r>
               <a:rPr lang="en-US" sz="1200" b="1" dirty="0">
@@ -5004,7 +4778,45 @@
                 <a:latin typeface="DM Sans" pitchFamily="2" charset="0"/>
                 <a:cs typeface="Calibri Light" panose="020F0302020204030204" pitchFamily="34" charset="0"/>
               </a:rPr>
-              <a:t>statistical tests (e.g., Student’s t-test)</a:t>
+              <a:t>descriptive statistics</a:t>
+            </a:r>
+            <a:br>
+              <a:rPr lang="en-US" sz="1200" b="1" dirty="0">
+                <a:solidFill>
+                  <a:schemeClr val="bg1"/>
+                </a:solidFill>
+                <a:highlight>
+                  <a:srgbClr val="FFFF85"/>
+                </a:highlight>
+                <a:latin typeface="DM Sans" pitchFamily="2" charset="0"/>
+                <a:cs typeface="Calibri Light" panose="020F0302020204030204" pitchFamily="34" charset="0"/>
+              </a:rPr>
+            </a:br>
+            <a:endParaRPr lang="en-US" sz="1200" b="1" dirty="0">
+              <a:solidFill>
+                <a:schemeClr val="bg1"/>
+              </a:solidFill>
+              <a:highlight>
+                <a:srgbClr val="FFFF85"/>
+              </a:highlight>
+              <a:latin typeface="DM Sans" pitchFamily="2" charset="0"/>
+              <a:cs typeface="Calibri Light" panose="020F0302020204030204" pitchFamily="34" charset="0"/>
+            </a:endParaRPr>
+          </a:p>
+          <a:p>
+            <a:pPr marL="285750" indent="-285750">
+              <a:buFont typeface="Wingdings" panose="05000000000000000000" pitchFamily="2" charset="2"/>
+              <a:buChar char="Ø"/>
+            </a:pPr>
+            <a:r>
+              <a:rPr lang="en-US" sz="1200" b="1" dirty="0">
+                <a:solidFill>
+                  <a:schemeClr val="bg1"/>
+                </a:solidFill>
+                <a:latin typeface="DM Sans" pitchFamily="2" charset="0"/>
+                <a:cs typeface="Calibri Light" panose="020F0302020204030204" pitchFamily="34" charset="0"/>
+              </a:rPr>
+              <a:t>Normalize </a:t>
             </a:r>
             <a:r>
               <a:rPr lang="en-US" sz="1200" dirty="0">
@@ -5014,7 +4826,7 @@
                 <a:latin typeface="DM Sans" pitchFamily="2" charset="0"/>
                 <a:cs typeface="Calibri Light" panose="020F0302020204030204" pitchFamily="34" charset="0"/>
               </a:rPr>
-              <a:t> using the three replicates</a:t>
+              <a:t>amount of each protein to 100 arb. units for every replicate</a:t>
             </a:r>
             <a:br>
               <a:rPr lang="en-US" sz="1200" dirty="0">
@@ -5046,8 +4858,802 @@
                 <a:latin typeface="DM Sans" pitchFamily="2" charset="0"/>
                 <a:cs typeface="Calibri Light" panose="020F0302020204030204" pitchFamily="34" charset="0"/>
               </a:rPr>
-              <a:t>selection criteria:	</a:t>
-            </a:r>
+              <a:t>Assess importance of testing reproducibility</a:t>
+            </a:r>
+          </a:p>
+          <a:p>
+            <a:pPr marL="285750" indent="-285750">
+              <a:buFont typeface="Wingdings" panose="05000000000000000000" pitchFamily="2" charset="2"/>
+              <a:buChar char="Ø"/>
+            </a:pPr>
+            <a:r>
+              <a:rPr lang="en-US" sz="1200" dirty="0">
+                <a:solidFill>
+                  <a:schemeClr val="bg1"/>
+                </a:solidFill>
+                <a:latin typeface="DM Sans" pitchFamily="2" charset="0"/>
+                <a:cs typeface="Calibri Light" panose="020F0302020204030204" pitchFamily="34" charset="0"/>
+              </a:rPr>
+              <a:t>Prove </a:t>
+            </a:r>
+            <a:r>
+              <a:rPr lang="en-US" sz="1200" b="1" dirty="0">
+                <a:solidFill>
+                  <a:schemeClr val="bg1"/>
+                </a:solidFill>
+                <a:latin typeface="DM Sans" pitchFamily="2" charset="0"/>
+                <a:cs typeface="Calibri Light" panose="020F0302020204030204" pitchFamily="34" charset="0"/>
+              </a:rPr>
+              <a:t>reproducibility</a:t>
+            </a:r>
+            <a:r>
+              <a:rPr lang="en-US" sz="1200" dirty="0">
+                <a:solidFill>
+                  <a:schemeClr val="bg1"/>
+                </a:solidFill>
+                <a:latin typeface="DM Sans" pitchFamily="2" charset="0"/>
+                <a:cs typeface="Calibri Light" panose="020F0302020204030204" pitchFamily="34" charset="0"/>
+              </a:rPr>
+              <a:t> of the data via Q-Q plots and correlation between replicates</a:t>
+            </a:r>
+            <a:br>
+              <a:rPr lang="en-US" sz="1200" dirty="0">
+                <a:solidFill>
+                  <a:schemeClr val="bg1"/>
+                </a:solidFill>
+                <a:latin typeface="DM Sans" pitchFamily="2" charset="0"/>
+                <a:cs typeface="Calibri Light" panose="020F0302020204030204" pitchFamily="34" charset="0"/>
+              </a:rPr>
+            </a:br>
+            <a:endParaRPr lang="en-US" sz="1200" dirty="0">
+              <a:solidFill>
+                <a:schemeClr val="bg1"/>
+              </a:solidFill>
+              <a:latin typeface="DM Sans" pitchFamily="2" charset="0"/>
+              <a:cs typeface="Calibri Light" panose="020F0302020204030204" pitchFamily="34" charset="0"/>
+            </a:endParaRPr>
+          </a:p>
+          <a:p>
+            <a:pPr marL="285750" indent="-285750">
+              <a:buFont typeface="Wingdings" panose="05000000000000000000" pitchFamily="2" charset="2"/>
+              <a:buChar char="Ø"/>
+            </a:pPr>
+            <a:r>
+              <a:rPr lang="en-US" sz="1200" dirty="0">
+                <a:solidFill>
+                  <a:schemeClr val="bg1"/>
+                </a:solidFill>
+                <a:latin typeface="DM Sans" pitchFamily="2" charset="0"/>
+                <a:cs typeface="Calibri Light" panose="020F0302020204030204" pitchFamily="34" charset="0"/>
+              </a:rPr>
+              <a:t>Combine values of replicates using mean value</a:t>
+            </a:r>
+          </a:p>
+          <a:p>
+            <a:pPr marL="285750" indent="-285750">
+              <a:buFont typeface="Wingdings" panose="05000000000000000000" pitchFamily="2" charset="2"/>
+              <a:buChar char="Ø"/>
+            </a:pPr>
+            <a:endParaRPr lang="en-US" sz="1600" b="1" dirty="0">
+              <a:solidFill>
+                <a:schemeClr val="bg1"/>
+              </a:solidFill>
+              <a:latin typeface="DM Sans" pitchFamily="2" charset="0"/>
+              <a:cs typeface="Calibri Light" panose="020F0302020204030204" pitchFamily="34" charset="0"/>
+            </a:endParaRPr>
+          </a:p>
+        </p:txBody>
+      </p:sp>
+      <p:sp>
+        <p:nvSpPr>
+          <p:cNvPr id="20" name="Textfeld 19">
+            <a:extLst>
+              <a:ext uri="{FF2B5EF4-FFF2-40B4-BE49-F238E27FC236}">
+                <a16:creationId xmlns:a16="http://schemas.microsoft.com/office/drawing/2014/main" id="{82AE190A-8AC2-96A5-8A1E-2B3AD4BA8F13}"/>
+              </a:ext>
+            </a:extLst>
+          </p:cNvPr>
+          <p:cNvSpPr txBox="1"/>
+          <p:nvPr/>
+        </p:nvSpPr>
+        <p:spPr>
+          <a:xfrm>
+            <a:off x="4572000" y="1106283"/>
+            <a:ext cx="3759847" cy="3600986"/>
+          </a:xfrm>
+          <a:prstGeom prst="rect">
+            <a:avLst/>
+          </a:prstGeom>
+          <a:noFill/>
+          <a:ln w="19050">
+            <a:noFill/>
+          </a:ln>
+        </p:spPr>
+        <p:txBody>
+          <a:bodyPr wrap="square" rtlCol="0">
+            <a:spAutoFit/>
+          </a:bodyPr>
+          <a:lstStyle/>
+          <a:p>
+            <a:r>
+              <a:rPr lang="en-US" sz="3200" b="1" dirty="0">
+                <a:solidFill>
+                  <a:schemeClr val="bg1"/>
+                </a:solidFill>
+                <a:latin typeface="DM Sans" pitchFamily="2" charset="0"/>
+                <a:cs typeface="Calibri Light" panose="020F0302020204030204" pitchFamily="34" charset="0"/>
+              </a:rPr>
+              <a:t>   Part (02)</a:t>
+            </a:r>
+            <a:endParaRPr lang="en-US" sz="1600" b="1" dirty="0">
+              <a:solidFill>
+                <a:schemeClr val="bg1"/>
+              </a:solidFill>
+              <a:latin typeface="DM Sans" pitchFamily="2" charset="0"/>
+              <a:cs typeface="Calibri Light" panose="020F0302020204030204" pitchFamily="34" charset="0"/>
+            </a:endParaRPr>
+          </a:p>
+          <a:p>
+            <a:pPr marL="285750" indent="-285750">
+              <a:buFont typeface="Wingdings" panose="05000000000000000000" pitchFamily="2" charset="2"/>
+              <a:buChar char="Ø"/>
+            </a:pPr>
+            <a:r>
+              <a:rPr lang="en-US" sz="1200" b="1" dirty="0">
+                <a:solidFill>
+                  <a:schemeClr val="bg1"/>
+                </a:solidFill>
+                <a:latin typeface="DM Sans" pitchFamily="2" charset="0"/>
+                <a:cs typeface="Calibri Light" panose="020F0302020204030204" pitchFamily="34" charset="0"/>
+              </a:rPr>
+              <a:t>Global maxima</a:t>
+            </a:r>
+            <a:r>
+              <a:rPr lang="en-US" sz="1200" dirty="0">
+                <a:solidFill>
+                  <a:schemeClr val="bg1"/>
+                </a:solidFill>
+                <a:latin typeface="DM Sans" pitchFamily="2" charset="0"/>
+                <a:cs typeface="Calibri Light" panose="020F0302020204030204" pitchFamily="34" charset="0"/>
+              </a:rPr>
+              <a:t>: 	highest value across all 		fractions </a:t>
+            </a:r>
+            <a:br>
+              <a:rPr lang="en-US" sz="1200" dirty="0">
+                <a:solidFill>
+                  <a:schemeClr val="bg1"/>
+                </a:solidFill>
+                <a:latin typeface="DM Sans" pitchFamily="2" charset="0"/>
+                <a:cs typeface="Calibri Light" panose="020F0302020204030204" pitchFamily="34" charset="0"/>
+              </a:rPr>
+            </a:br>
+            <a:endParaRPr lang="en-US" sz="1200" dirty="0">
+              <a:solidFill>
+                <a:schemeClr val="bg1"/>
+              </a:solidFill>
+              <a:latin typeface="DM Sans" pitchFamily="2" charset="0"/>
+              <a:cs typeface="Calibri Light" panose="020F0302020204030204" pitchFamily="34" charset="0"/>
+            </a:endParaRPr>
+          </a:p>
+          <a:p>
+            <a:pPr marL="285750" indent="-285750">
+              <a:buFont typeface="Wingdings" panose="05000000000000000000" pitchFamily="2" charset="2"/>
+              <a:buChar char="Ø"/>
+            </a:pPr>
+            <a:r>
+              <a:rPr lang="en-US" sz="1200" b="1" dirty="0">
+                <a:solidFill>
+                  <a:schemeClr val="bg1"/>
+                </a:solidFill>
+                <a:latin typeface="DM Sans" pitchFamily="2" charset="0"/>
+                <a:cs typeface="Calibri Light" panose="020F0302020204030204" pitchFamily="34" charset="0"/>
+              </a:rPr>
+              <a:t>Local maxima</a:t>
+            </a:r>
+            <a:r>
+              <a:rPr lang="en-US" sz="1200" dirty="0">
+                <a:solidFill>
+                  <a:schemeClr val="bg1"/>
+                </a:solidFill>
+                <a:latin typeface="DM Sans" pitchFamily="2" charset="0"/>
+                <a:cs typeface="Calibri Light" panose="020F0302020204030204" pitchFamily="34" charset="0"/>
+              </a:rPr>
+              <a:t>:   	</a:t>
+            </a:r>
+            <a:r>
+              <a:rPr lang="en-US" sz="1050" b="1" i="1" dirty="0">
+                <a:solidFill>
+                  <a:schemeClr val="bg1"/>
+                </a:solidFill>
+                <a:latin typeface="DM Sans" pitchFamily="2" charset="0"/>
+                <a:cs typeface="Calibri Light" panose="020F0302020204030204" pitchFamily="34" charset="0"/>
+              </a:rPr>
+              <a:t>1.</a:t>
+            </a:r>
+            <a:r>
+              <a:rPr lang="en-US" sz="1050" b="1" dirty="0">
+                <a:solidFill>
+                  <a:schemeClr val="bg1"/>
+                </a:solidFill>
+                <a:latin typeface="DM Sans" pitchFamily="2" charset="0"/>
+                <a:cs typeface="Calibri Light" panose="020F0302020204030204" pitchFamily="34" charset="0"/>
+              </a:rPr>
+              <a:t> </a:t>
+            </a:r>
+            <a:r>
+              <a:rPr lang="en-US" sz="1050" dirty="0">
+                <a:solidFill>
+                  <a:schemeClr val="bg1"/>
+                </a:solidFill>
+                <a:latin typeface="DM Sans" pitchFamily="2" charset="0"/>
+                <a:cs typeface="Calibri Light" panose="020F0302020204030204" pitchFamily="34" charset="0"/>
+              </a:rPr>
+              <a:t>Each value of the two 		neighboring pairs must be 		lower than the local maxima 		(avoid fluctuation bias)</a:t>
+            </a:r>
+          </a:p>
+          <a:p>
+            <a:pPr lvl="3"/>
+            <a:r>
+              <a:rPr lang="en-US" sz="1050" dirty="0">
+                <a:solidFill>
+                  <a:schemeClr val="bg1"/>
+                </a:solidFill>
+                <a:latin typeface="DM Sans" pitchFamily="2" charset="0"/>
+                <a:cs typeface="Calibri Light" panose="020F0302020204030204" pitchFamily="34" charset="0"/>
+              </a:rPr>
+              <a:t> 		</a:t>
+            </a:r>
+            <a:r>
+              <a:rPr lang="en-US" sz="1050" b="1" i="1" dirty="0">
+                <a:solidFill>
+                  <a:schemeClr val="bg1"/>
+                </a:solidFill>
+                <a:latin typeface="DM Sans" pitchFamily="2" charset="0"/>
+                <a:cs typeface="Calibri Light" panose="020F0302020204030204" pitchFamily="34" charset="0"/>
+              </a:rPr>
+              <a:t>2</a:t>
+            </a:r>
+            <a:r>
+              <a:rPr lang="en-US" sz="1050" b="1" dirty="0">
+                <a:solidFill>
+                  <a:schemeClr val="bg1"/>
+                </a:solidFill>
+                <a:latin typeface="DM Sans" pitchFamily="2" charset="0"/>
+                <a:cs typeface="Calibri Light" panose="020F0302020204030204" pitchFamily="34" charset="0"/>
+              </a:rPr>
+              <a:t>.</a:t>
+            </a:r>
+            <a:r>
+              <a:rPr lang="en-US" sz="1050" dirty="0">
+                <a:solidFill>
+                  <a:schemeClr val="bg1"/>
+                </a:solidFill>
+                <a:latin typeface="DM Sans" pitchFamily="2" charset="0"/>
+                <a:cs typeface="Calibri Light" panose="020F0302020204030204" pitchFamily="34" charset="0"/>
+              </a:rPr>
+              <a:t> Value of local maxima 		must be greater than 4 % of 		total protein amount (100) 		(avoid background noise)</a:t>
+            </a:r>
+            <a:br>
+              <a:rPr lang="en-US" sz="1050" dirty="0">
+                <a:solidFill>
+                  <a:schemeClr val="bg1"/>
+                </a:solidFill>
+                <a:latin typeface="DM Sans" pitchFamily="2" charset="0"/>
+                <a:cs typeface="Calibri Light" panose="020F0302020204030204" pitchFamily="34" charset="0"/>
+              </a:rPr>
+            </a:br>
+            <a:endParaRPr lang="en-US" sz="1050" dirty="0">
+              <a:solidFill>
+                <a:schemeClr val="bg1"/>
+              </a:solidFill>
+              <a:latin typeface="DM Sans" pitchFamily="2" charset="0"/>
+              <a:cs typeface="Calibri Light" panose="020F0302020204030204" pitchFamily="34" charset="0"/>
+            </a:endParaRPr>
+          </a:p>
+          <a:p>
+            <a:pPr marL="285750" indent="-285750">
+              <a:buFont typeface="Wingdings" panose="05000000000000000000" pitchFamily="2" charset="2"/>
+              <a:buChar char="Ø"/>
+            </a:pPr>
+            <a:r>
+              <a:rPr lang="en-US" sz="1200" dirty="0">
+                <a:solidFill>
+                  <a:schemeClr val="bg1"/>
+                </a:solidFill>
+                <a:latin typeface="DM Sans" pitchFamily="2" charset="0"/>
+                <a:cs typeface="Calibri Light" panose="020F0302020204030204" pitchFamily="34" charset="0"/>
+              </a:rPr>
+              <a:t>Maxima (fraction and value) for each protein will be stored in an R object (e.g., data frame)</a:t>
+            </a:r>
+          </a:p>
+          <a:p>
+            <a:pPr marL="285750" indent="-285750">
+              <a:buFont typeface="Wingdings" panose="05000000000000000000" pitchFamily="2" charset="2"/>
+              <a:buChar char="Ø"/>
+            </a:pPr>
+            <a:r>
+              <a:rPr lang="en-US" sz="1200" dirty="0">
+                <a:solidFill>
+                  <a:schemeClr val="bg1"/>
+                </a:solidFill>
+                <a:latin typeface="DM Sans" pitchFamily="2" charset="0"/>
+                <a:cs typeface="Calibri Light" panose="020F0302020204030204" pitchFamily="34" charset="0"/>
+              </a:rPr>
+              <a:t>Criteria for maxima may change during project work</a:t>
+            </a:r>
+          </a:p>
+          <a:p>
+            <a:pPr marL="285750" indent="-285750">
+              <a:buFont typeface="Wingdings" panose="05000000000000000000" pitchFamily="2" charset="2"/>
+              <a:buChar char="Ø"/>
+            </a:pPr>
+            <a:endParaRPr lang="en-US" sz="1600" b="1" dirty="0">
+              <a:solidFill>
+                <a:schemeClr val="bg1"/>
+              </a:solidFill>
+              <a:latin typeface="DM Sans" pitchFamily="2" charset="0"/>
+              <a:cs typeface="Calibri Light" panose="020F0302020204030204" pitchFamily="34" charset="0"/>
+            </a:endParaRPr>
+          </a:p>
+        </p:txBody>
+      </p:sp>
+      <p:sp>
+        <p:nvSpPr>
+          <p:cNvPr id="22" name="Textfeld 21">
+            <a:extLst>
+              <a:ext uri="{FF2B5EF4-FFF2-40B4-BE49-F238E27FC236}">
+                <a16:creationId xmlns:a16="http://schemas.microsoft.com/office/drawing/2014/main" id="{10B35989-1127-6F69-0035-1767F35BDF91}"/>
+              </a:ext>
+            </a:extLst>
+          </p:cNvPr>
+          <p:cNvSpPr txBox="1"/>
+          <p:nvPr/>
+        </p:nvSpPr>
+        <p:spPr>
+          <a:xfrm>
+            <a:off x="3904407" y="2691332"/>
+            <a:ext cx="343912" cy="307777"/>
+          </a:xfrm>
+          <a:prstGeom prst="rect">
+            <a:avLst/>
+          </a:prstGeom>
+          <a:noFill/>
+        </p:spPr>
+        <p:txBody>
+          <a:bodyPr wrap="square">
+            <a:spAutoFit/>
+          </a:bodyPr>
+          <a:lstStyle/>
+          <a:p>
+            <a:r>
+              <a:rPr lang="en-US" dirty="0"/>
+              <a:t>▶</a:t>
+            </a:r>
+          </a:p>
+        </p:txBody>
+      </p:sp>
+      <p:sp>
+        <p:nvSpPr>
+          <p:cNvPr id="24" name="Textfeld 23">
+            <a:extLst>
+              <a:ext uri="{FF2B5EF4-FFF2-40B4-BE49-F238E27FC236}">
+                <a16:creationId xmlns:a16="http://schemas.microsoft.com/office/drawing/2014/main" id="{CFF23DDE-C2B3-F66C-971E-C01995AB2096}"/>
+              </a:ext>
+            </a:extLst>
+          </p:cNvPr>
+          <p:cNvSpPr txBox="1"/>
+          <p:nvPr/>
+        </p:nvSpPr>
+        <p:spPr>
+          <a:xfrm>
+            <a:off x="8483572" y="2691331"/>
+            <a:ext cx="343912" cy="307777"/>
+          </a:xfrm>
+          <a:prstGeom prst="rect">
+            <a:avLst/>
+          </a:prstGeom>
+          <a:noFill/>
+        </p:spPr>
+        <p:txBody>
+          <a:bodyPr wrap="square">
+            <a:spAutoFit/>
+          </a:bodyPr>
+          <a:lstStyle/>
+          <a:p>
+            <a:r>
+              <a:rPr lang="en-US" dirty="0"/>
+              <a:t>▶</a:t>
+            </a:r>
+          </a:p>
+        </p:txBody>
+      </p:sp>
+    </p:spTree>
+    <p:extLst>
+      <p:ext uri="{BB962C8B-B14F-4D97-AF65-F5344CB8AC3E}">
+        <p14:creationId xmlns:p14="http://schemas.microsoft.com/office/powerpoint/2010/main" val="3129115358"/>
+      </p:ext>
+    </p:extLst>
+  </p:cSld>
+  <p:clrMapOvr>
+    <a:masterClrMapping/>
+  </p:clrMapOvr>
+  <p:timing>
+    <p:tnLst>
+      <p:par>
+        <p:cTn id="1" dur="indefinite" restart="never" nodeType="tmRoot">
+          <p:childTnLst>
+            <p:seq concurrent="1" nextAc="seek">
+              <p:cTn id="2" dur="indefinite" nodeType="mainSeq">
+                <p:childTnLst>
+                  <p:par>
+                    <p:cTn id="3" fill="hold">
+                      <p:stCondLst>
+                        <p:cond delay="indefinite"/>
+                      </p:stCondLst>
+                      <p:childTnLst>
+                        <p:par>
+                          <p:cTn id="4" fill="hold">
+                            <p:stCondLst>
+                              <p:cond delay="0"/>
+                            </p:stCondLst>
+                            <p:childTnLst>
+                              <p:par>
+                                <p:cTn id="5" presetID="10" presetClass="entr" presetSubtype="0" fill="hold" grpId="0" nodeType="clickEffect">
+                                  <p:stCondLst>
+                                    <p:cond delay="0"/>
+                                  </p:stCondLst>
+                                  <p:childTnLst>
+                                    <p:set>
+                                      <p:cBhvr>
+                                        <p:cTn id="6" dur="1" fill="hold">
+                                          <p:stCondLst>
+                                            <p:cond delay="0"/>
+                                          </p:stCondLst>
+                                        </p:cTn>
+                                        <p:tgtEl>
+                                          <p:spTgt spid="22"/>
+                                        </p:tgtEl>
+                                        <p:attrNameLst>
+                                          <p:attrName>style.visibility</p:attrName>
+                                        </p:attrNameLst>
+                                      </p:cBhvr>
+                                      <p:to>
+                                        <p:strVal val="visible"/>
+                                      </p:to>
+                                    </p:set>
+                                    <p:animEffect transition="in" filter="fade">
+                                      <p:cBhvr>
+                                        <p:cTn id="7" dur="500"/>
+                                        <p:tgtEl>
+                                          <p:spTgt spid="22"/>
+                                        </p:tgtEl>
+                                      </p:cBhvr>
+                                    </p:animEffect>
+                                  </p:childTnLst>
+                                </p:cTn>
+                              </p:par>
+                              <p:par>
+                                <p:cTn id="8" presetID="10" presetClass="entr" presetSubtype="0" fill="hold" grpId="0" nodeType="withEffect">
+                                  <p:stCondLst>
+                                    <p:cond delay="0"/>
+                                  </p:stCondLst>
+                                  <p:childTnLst>
+                                    <p:set>
+                                      <p:cBhvr>
+                                        <p:cTn id="9" dur="1" fill="hold">
+                                          <p:stCondLst>
+                                            <p:cond delay="0"/>
+                                          </p:stCondLst>
+                                        </p:cTn>
+                                        <p:tgtEl>
+                                          <p:spTgt spid="20"/>
+                                        </p:tgtEl>
+                                        <p:attrNameLst>
+                                          <p:attrName>style.visibility</p:attrName>
+                                        </p:attrNameLst>
+                                      </p:cBhvr>
+                                      <p:to>
+                                        <p:strVal val="visible"/>
+                                      </p:to>
+                                    </p:set>
+                                    <p:animEffect transition="in" filter="fade">
+                                      <p:cBhvr>
+                                        <p:cTn id="10" dur="500"/>
+                                        <p:tgtEl>
+                                          <p:spTgt spid="20"/>
+                                        </p:tgtEl>
+                                      </p:cBhvr>
+                                    </p:animEffect>
+                                  </p:childTnLst>
+                                </p:cTn>
+                              </p:par>
+                              <p:par>
+                                <p:cTn id="11" presetID="10" presetClass="entr" presetSubtype="0" fill="hold" grpId="0" nodeType="withEffect">
+                                  <p:stCondLst>
+                                    <p:cond delay="0"/>
+                                  </p:stCondLst>
+                                  <p:childTnLst>
+                                    <p:set>
+                                      <p:cBhvr>
+                                        <p:cTn id="12" dur="1" fill="hold">
+                                          <p:stCondLst>
+                                            <p:cond delay="0"/>
+                                          </p:stCondLst>
+                                        </p:cTn>
+                                        <p:tgtEl>
+                                          <p:spTgt spid="24"/>
+                                        </p:tgtEl>
+                                        <p:attrNameLst>
+                                          <p:attrName>style.visibility</p:attrName>
+                                        </p:attrNameLst>
+                                      </p:cBhvr>
+                                      <p:to>
+                                        <p:strVal val="visible"/>
+                                      </p:to>
+                                    </p:set>
+                                    <p:animEffect transition="in" filter="fade">
+                                      <p:cBhvr>
+                                        <p:cTn id="13" dur="500"/>
+                                        <p:tgtEl>
+                                          <p:spTgt spid="24"/>
+                                        </p:tgtEl>
+                                      </p:cBhvr>
+                                    </p:animEffect>
+                                  </p:childTnLst>
+                                </p:cTn>
+                              </p:par>
+                            </p:childTnLst>
+                          </p:cTn>
+                        </p:par>
+                      </p:childTnLst>
+                    </p:cTn>
+                  </p:par>
+                </p:childTnLst>
+              </p:cTn>
+              <p:prevCondLst>
+                <p:cond evt="onPrev" delay="0">
+                  <p:tgtEl>
+                    <p:sldTgt/>
+                  </p:tgtEl>
+                </p:cond>
+              </p:prevCondLst>
+              <p:nextCondLst>
+                <p:cond evt="onNext" delay="0">
+                  <p:tgtEl>
+                    <p:sldTgt/>
+                  </p:tgtEl>
+                </p:cond>
+              </p:nextCondLst>
+            </p:seq>
+          </p:childTnLst>
+        </p:cTn>
+      </p:par>
+    </p:tnLst>
+    <p:bldLst>
+      <p:bldP spid="20" grpId="0"/>
+      <p:bldP spid="22" grpId="0"/>
+      <p:bldP spid="24" grpId="0"/>
+    </p:bldLst>
+  </p:timing>
+</p:sld>
+</file>
+
+<file path=ppt/slides/slide6.xml><?xml version="1.0" encoding="utf-8"?>
+<p:sld xmlns:a="http://schemas.openxmlformats.org/drawingml/2006/main" xmlns:r="http://schemas.openxmlformats.org/officeDocument/2006/relationships" xmlns:p="http://schemas.openxmlformats.org/presentationml/2006/main">
+  <p:cSld>
+    <p:bg>
+      <p:bgPr>
+        <a:solidFill>
+          <a:schemeClr val="bg2"/>
+        </a:solidFill>
+        <a:effectLst/>
+      </p:bgPr>
+    </p:bg>
+    <p:spTree>
+      <p:nvGrpSpPr>
+        <p:cNvPr id="1" name=""/>
+        <p:cNvGrpSpPr/>
+        <p:nvPr/>
+      </p:nvGrpSpPr>
+      <p:grpSpPr>
+        <a:xfrm>
+          <a:off x="0" y="0"/>
+          <a:ext cx="0" cy="0"/>
+          <a:chOff x="0" y="0"/>
+          <a:chExt cx="0" cy="0"/>
+        </a:xfrm>
+      </p:grpSpPr>
+      <p:sp>
+        <p:nvSpPr>
+          <p:cNvPr id="10" name="Textfeld 9">
+            <a:extLst>
+              <a:ext uri="{FF2B5EF4-FFF2-40B4-BE49-F238E27FC236}">
+                <a16:creationId xmlns:a16="http://schemas.microsoft.com/office/drawing/2014/main" id="{FD433997-33F5-9575-5F92-8DF46FE3689F}"/>
+              </a:ext>
+            </a:extLst>
+          </p:cNvPr>
+          <p:cNvSpPr txBox="1"/>
+          <p:nvPr/>
+        </p:nvSpPr>
+        <p:spPr>
+          <a:xfrm>
+            <a:off x="353683" y="285750"/>
+            <a:ext cx="8238225" cy="461665"/>
+          </a:xfrm>
+          <a:prstGeom prst="rect">
+            <a:avLst/>
+          </a:prstGeom>
+          <a:noFill/>
+        </p:spPr>
+        <p:txBody>
+          <a:bodyPr wrap="square">
+            <a:spAutoFit/>
+          </a:bodyPr>
+          <a:lstStyle/>
+          <a:p>
+            <a:r>
+              <a:rPr lang="en-US" sz="2400" b="1" dirty="0">
+                <a:solidFill>
+                  <a:schemeClr val="bg1"/>
+                </a:solidFill>
+                <a:latin typeface="DM Sans" pitchFamily="2" charset="0"/>
+                <a:cs typeface="Calibri Light" panose="020F0302020204030204" pitchFamily="34" charset="0"/>
+              </a:rPr>
+              <a:t>Planned Analysis Steps</a:t>
+            </a:r>
+          </a:p>
+        </p:txBody>
+      </p:sp>
+      <p:sp>
+        <p:nvSpPr>
+          <p:cNvPr id="3" name="Textfeld 2">
+            <a:extLst>
+              <a:ext uri="{FF2B5EF4-FFF2-40B4-BE49-F238E27FC236}">
+                <a16:creationId xmlns:a16="http://schemas.microsoft.com/office/drawing/2014/main" id="{B1F877CD-E2A9-BC74-8CD9-30412A4B5CA5}"/>
+              </a:ext>
+            </a:extLst>
+          </p:cNvPr>
+          <p:cNvSpPr txBox="1"/>
+          <p:nvPr/>
+        </p:nvSpPr>
+        <p:spPr>
+          <a:xfrm>
+            <a:off x="353683" y="1106283"/>
+            <a:ext cx="3926217" cy="2492990"/>
+          </a:xfrm>
+          <a:prstGeom prst="rect">
+            <a:avLst/>
+          </a:prstGeom>
+          <a:noFill/>
+          <a:ln w="19050">
+            <a:noFill/>
+          </a:ln>
+        </p:spPr>
+        <p:txBody>
+          <a:bodyPr wrap="square" rtlCol="0">
+            <a:spAutoFit/>
+          </a:bodyPr>
+          <a:lstStyle/>
+          <a:p>
+            <a:pPr marL="266700" lvl="2" indent="-266700">
+              <a:tabLst>
+                <a:tab pos="266700" algn="l"/>
+              </a:tabLst>
+            </a:pPr>
+            <a:r>
+              <a:rPr lang="en-US" sz="3200" b="1" dirty="0">
+                <a:solidFill>
+                  <a:schemeClr val="bg1"/>
+                </a:solidFill>
+                <a:latin typeface="DM Sans" pitchFamily="2" charset="0"/>
+                <a:cs typeface="Calibri Light" panose="020F0302020204030204" pitchFamily="34" charset="0"/>
+              </a:rPr>
+              <a:t>   Part (03)</a:t>
+            </a:r>
+            <a:endParaRPr lang="en-US" sz="1600" b="1" dirty="0">
+              <a:solidFill>
+                <a:schemeClr val="bg1"/>
+              </a:solidFill>
+              <a:latin typeface="DM Sans" pitchFamily="2" charset="0"/>
+              <a:cs typeface="Calibri Light" panose="020F0302020204030204" pitchFamily="34" charset="0"/>
+            </a:endParaRPr>
+          </a:p>
+          <a:p>
+            <a:pPr marL="285750" indent="-285750">
+              <a:buFont typeface="Wingdings" panose="05000000000000000000" pitchFamily="2" charset="2"/>
+              <a:buChar char="Ø"/>
+            </a:pPr>
+            <a:r>
+              <a:rPr lang="en-US" sz="1200" dirty="0">
+                <a:solidFill>
+                  <a:schemeClr val="bg1"/>
+                </a:solidFill>
+                <a:latin typeface="DM Sans" pitchFamily="2" charset="0"/>
+                <a:cs typeface="Calibri Light" panose="020F0302020204030204" pitchFamily="34" charset="0"/>
+              </a:rPr>
+              <a:t>Evaluate differences between Ctrl and RNase condition maxima via </a:t>
+            </a:r>
+            <a:r>
+              <a:rPr lang="en-US" sz="1200" b="1" dirty="0">
+                <a:solidFill>
+                  <a:schemeClr val="bg1"/>
+                </a:solidFill>
+                <a:highlight>
+                  <a:srgbClr val="FFFF85"/>
+                </a:highlight>
+                <a:latin typeface="DM Sans" pitchFamily="2" charset="0"/>
+                <a:cs typeface="Calibri Light" panose="020F0302020204030204" pitchFamily="34" charset="0"/>
+              </a:rPr>
+              <a:t>statistical tests (t-test)</a:t>
+            </a:r>
+            <a:r>
+              <a:rPr lang="en-US" sz="1200" dirty="0">
+                <a:solidFill>
+                  <a:schemeClr val="bg1"/>
+                </a:solidFill>
+                <a:latin typeface="DM Sans" pitchFamily="2" charset="0"/>
+                <a:cs typeface="Calibri Light" panose="020F0302020204030204" pitchFamily="34" charset="0"/>
+              </a:rPr>
+              <a:t> using the three replicates</a:t>
+            </a:r>
+            <a:br>
+              <a:rPr lang="en-US" sz="1200" dirty="0">
+                <a:solidFill>
+                  <a:schemeClr val="bg1"/>
+                </a:solidFill>
+                <a:latin typeface="DM Sans" pitchFamily="2" charset="0"/>
+                <a:cs typeface="Calibri Light" panose="020F0302020204030204" pitchFamily="34" charset="0"/>
+              </a:rPr>
+            </a:br>
+            <a:endParaRPr lang="en-US" sz="1200" dirty="0">
+              <a:solidFill>
+                <a:schemeClr val="bg1"/>
+              </a:solidFill>
+              <a:latin typeface="DM Sans" pitchFamily="2" charset="0"/>
+              <a:cs typeface="Calibri Light" panose="020F0302020204030204" pitchFamily="34" charset="0"/>
+            </a:endParaRPr>
+          </a:p>
+          <a:p>
+            <a:pPr marL="285750" indent="-285750">
+              <a:buFont typeface="Wingdings" panose="05000000000000000000" pitchFamily="2" charset="2"/>
+              <a:buChar char="Ø"/>
+            </a:pPr>
+            <a:r>
+              <a:rPr lang="en-US" sz="1200" dirty="0">
+                <a:solidFill>
+                  <a:schemeClr val="bg1"/>
+                </a:solidFill>
+                <a:latin typeface="DM Sans" pitchFamily="2" charset="0"/>
+                <a:cs typeface="Calibri Light" panose="020F0302020204030204" pitchFamily="34" charset="0"/>
+              </a:rPr>
+              <a:t>selection criteria to identify R-</a:t>
+            </a:r>
+            <a:r>
+              <a:rPr lang="en-US" sz="1200" dirty="0" err="1">
+                <a:solidFill>
+                  <a:schemeClr val="bg1"/>
+                </a:solidFill>
+                <a:latin typeface="DM Sans" pitchFamily="2" charset="0"/>
+                <a:cs typeface="Calibri Light" panose="020F0302020204030204" pitchFamily="34" charset="0"/>
+              </a:rPr>
+              <a:t>DeeP</a:t>
+            </a:r>
+            <a:r>
+              <a:rPr lang="en-US" sz="1200" dirty="0">
+                <a:solidFill>
+                  <a:schemeClr val="bg1"/>
+                </a:solidFill>
+                <a:latin typeface="DM Sans" pitchFamily="2" charset="0"/>
+                <a:cs typeface="Calibri Light" panose="020F0302020204030204" pitchFamily="34" charset="0"/>
+              </a:rPr>
+              <a:t>:	</a:t>
+            </a:r>
+          </a:p>
+          <a:p>
+            <a:pPr marL="285750" indent="-285750">
+              <a:buFont typeface="Wingdings" panose="05000000000000000000" pitchFamily="2" charset="2"/>
+              <a:buChar char="Ø"/>
+            </a:pPr>
             <a:r>
               <a:rPr lang="en-US" sz="1200" i="1" dirty="0">
                 <a:solidFill>
@@ -5066,12 +5672,22 @@
                 <a:latin typeface="DM Sans" pitchFamily="2" charset="0"/>
                 <a:cs typeface="Calibri Light" panose="020F0302020204030204" pitchFamily="34" charset="0"/>
               </a:rPr>
-              <a:t> p-value of statistical 			test &lt; 0.05</a:t>
+              <a:t> shift of maxima &gt; 1 fraction</a:t>
             </a:r>
           </a:p>
           <a:p>
             <a:pPr lvl="2"/>
             <a:r>
+              <a:rPr lang="en-US" sz="1200" i="1" dirty="0">
+                <a:solidFill>
+                  <a:schemeClr val="bg1"/>
+                </a:solidFill>
+                <a:latin typeface="DM Sans" pitchFamily="2" charset="0"/>
+                <a:cs typeface="Calibri Light" panose="020F0302020204030204" pitchFamily="34" charset="0"/>
+              </a:rPr>
+              <a:t>2.</a:t>
+            </a:r>
+            <a:r>
               <a:rPr lang="en-US" sz="1200" dirty="0">
                 <a:solidFill>
                   <a:schemeClr val="bg1"/>
@@ -5079,51 +5695,15 @@
                 <a:latin typeface="DM Sans" pitchFamily="2" charset="0"/>
                 <a:cs typeface="Calibri Light" panose="020F0302020204030204" pitchFamily="34" charset="0"/>
               </a:rPr>
-              <a:t>		</a:t>
-            </a:r>
-            <a:r>
-              <a:rPr lang="en-US" sz="1200" i="1" dirty="0">
-                <a:solidFill>
-                  <a:schemeClr val="bg1"/>
-                </a:solidFill>
-                <a:latin typeface="DM Sans" pitchFamily="2" charset="0"/>
-                <a:cs typeface="Calibri Light" panose="020F0302020204030204" pitchFamily="34" charset="0"/>
-              </a:rPr>
-              <a:t>2.</a:t>
-            </a:r>
-            <a:r>
-              <a:rPr lang="en-US" sz="1200" dirty="0">
-                <a:solidFill>
-                  <a:schemeClr val="bg1"/>
-                </a:solidFill>
-                <a:latin typeface="DM Sans" pitchFamily="2" charset="0"/>
-                <a:cs typeface="Calibri Light" panose="020F0302020204030204" pitchFamily="34" charset="0"/>
-              </a:rPr>
-              <a:t> shift &gt; 1 fraction</a:t>
-            </a:r>
-          </a:p>
-          <a:p>
-            <a:pPr lvl="3"/>
-            <a:r>
-              <a:rPr lang="en-US" sz="1200" dirty="0">
-                <a:solidFill>
-                  <a:schemeClr val="bg1"/>
-                </a:solidFill>
-                <a:latin typeface="DM Sans" pitchFamily="2" charset="0"/>
-                <a:cs typeface="Calibri Light" panose="020F0302020204030204" pitchFamily="34" charset="0"/>
-              </a:rPr>
-              <a:t>		</a:t>
-            </a:r>
-            <a:r>
-              <a:rPr lang="en-US" sz="1200" i="1" dirty="0">
-                <a:solidFill>
-                  <a:schemeClr val="bg1"/>
-                </a:solidFill>
-                <a:latin typeface="DM Sans" pitchFamily="2" charset="0"/>
-                <a:cs typeface="Calibri Light" panose="020F0302020204030204" pitchFamily="34" charset="0"/>
-              </a:rPr>
-              <a:t>3.</a:t>
-            </a:r>
+              <a:t> Significant difference of protein amount at the position of the maxima between Ctrl and RNase condition</a:t>
+            </a:r>
+            <a:endParaRPr lang="en-US" sz="1200" i="1" dirty="0">
+              <a:solidFill>
+                <a:schemeClr val="bg1"/>
+              </a:solidFill>
+              <a:latin typeface="DM Sans" pitchFamily="2" charset="0"/>
+              <a:cs typeface="Calibri Light" panose="020F0302020204030204" pitchFamily="34" charset="0"/>
+            </a:endParaRPr>
           </a:p>
           <a:p>
             <a:pPr marL="285750" indent="-285750">
@@ -5313,7 +5893,7 @@
         <p:spPr>
           <a:xfrm>
             <a:off x="4717007" y="3219477"/>
-            <a:ext cx="3759847" cy="1692771"/>
+            <a:ext cx="3759847" cy="1508105"/>
           </a:xfrm>
           <a:prstGeom prst="rect">
             <a:avLst/>
@@ -5389,6 +5969,26 @@
               <a:buChar char="Ø"/>
             </a:pPr>
             <a:r>
+              <a:rPr lang="en-US" sz="1200" dirty="0">
+                <a:solidFill>
+                  <a:schemeClr val="bg1"/>
+                </a:solidFill>
+                <a:latin typeface="DM Sans" pitchFamily="2" charset="0"/>
+                <a:cs typeface="Calibri Light" panose="020F0302020204030204" pitchFamily="34" charset="0"/>
+              </a:rPr>
+              <a:t>Develop</a:t>
+            </a:r>
+            <a:r>
+              <a:rPr lang="en-US" sz="1200" b="1" dirty="0">
+                <a:solidFill>
+                  <a:schemeClr val="bg1"/>
+                </a:solidFill>
+                <a:latin typeface="DM Sans" pitchFamily="2" charset="0"/>
+                <a:cs typeface="Calibri Light" panose="020F0302020204030204" pitchFamily="34" charset="0"/>
+              </a:rPr>
+              <a:t> </a:t>
+            </a:r>
+            <a:r>
               <a:rPr lang="en-US" sz="1200" b="1" dirty="0">
                 <a:solidFill>
                   <a:schemeClr val="bg1"/>
@@ -5399,43 +5999,30 @@
                 <a:latin typeface="DM Sans" pitchFamily="2" charset="0"/>
                 <a:cs typeface="Calibri Light" panose="020F0302020204030204" pitchFamily="34" charset="0"/>
               </a:rPr>
-              <a:t>Linear regression</a:t>
-            </a:r>
-          </a:p>
-          <a:p>
-            <a:pPr marL="285750" indent="-285750">
-              <a:buFont typeface="Wingdings" panose="05000000000000000000" pitchFamily="2" charset="2"/>
-              <a:buChar char="Ø"/>
-            </a:pPr>
-            <a:r>
-              <a:rPr lang="en-US" sz="1200" dirty="0">
-                <a:solidFill>
-                  <a:schemeClr val="bg1"/>
-                </a:solidFill>
-                <a:latin typeface="DM Sans" pitchFamily="2" charset="0"/>
-                <a:cs typeface="Calibri Light" panose="020F0302020204030204" pitchFamily="34" charset="0"/>
-              </a:rPr>
-              <a:t>If we find new candidates for R-</a:t>
-            </a:r>
-            <a:r>
-              <a:rPr lang="en-US" sz="1200" dirty="0" err="1">
-                <a:solidFill>
-                  <a:schemeClr val="bg1"/>
-                </a:solidFill>
+              <a:t>linear regression model to identify R-</a:t>
+            </a:r>
+            <a:r>
+              <a:rPr lang="en-US" sz="1200" b="1" dirty="0" err="1">
+                <a:solidFill>
+                  <a:schemeClr val="bg1"/>
+                </a:solidFill>
+                <a:highlight>
+                  <a:srgbClr val="FFFF85"/>
+                </a:highlight>
                 <a:latin typeface="DM Sans" pitchFamily="2" charset="0"/>
                 <a:cs typeface="Calibri Light" panose="020F0302020204030204" pitchFamily="34" charset="0"/>
               </a:rPr>
               <a:t>DeeP</a:t>
             </a:r>
             <a:r>
-              <a:rPr lang="en-US" sz="1200" dirty="0">
-                <a:solidFill>
-                  <a:schemeClr val="bg1"/>
-                </a:solidFill>
-                <a:latin typeface="DM Sans" pitchFamily="2" charset="0"/>
-                <a:cs typeface="Calibri Light" panose="020F0302020204030204" pitchFamily="34" charset="0"/>
-              </a:rPr>
-              <a:t>, search for their cellular functions and connection to diseases</a:t>
+              <a:rPr lang="en-US" sz="1200" b="1" dirty="0">
+                <a:solidFill>
+                  <a:schemeClr val="bg1"/>
+                </a:solidFill>
+                <a:latin typeface="DM Sans" pitchFamily="2" charset="0"/>
+                <a:cs typeface="Calibri Light" panose="020F0302020204030204" pitchFamily="34" charset="0"/>
+              </a:rPr>
+              <a:t> (using parameters found during analysis)</a:t>
             </a:r>
           </a:p>
         </p:txBody>
@@ -5591,7 +6178,7 @@
 </p:sld>
 </file>
 
-<file path=ppt/slides/slide5.xml><?xml version="1.0" encoding="utf-8"?>
+<file path=ppt/slides/slide7.xml><?xml version="1.0" encoding="utf-8"?>
 <p:sld xmlns:a="http://schemas.openxmlformats.org/drawingml/2006/main" xmlns:r="http://schemas.openxmlformats.org/officeDocument/2006/relationships" xmlns:p="http://schemas.openxmlformats.org/presentationml/2006/main">
   <p:cSld>
     <p:bg>
@@ -6968,7 +7555,7 @@
         <p:spPr>
           <a:xfrm>
             <a:off x="1020508" y="2805367"/>
-            <a:ext cx="1951292" cy="938719"/>
+            <a:ext cx="2179892" cy="1107996"/>
           </a:xfrm>
           <a:prstGeom prst="rect">
             <a:avLst/>
@@ -7006,6 +7593,13 @@
               </a:rPr>
               <a:t>Part (01)</a:t>
             </a:r>
+            <a:endParaRPr lang="en-US" sz="1100" dirty="0">
+              <a:solidFill>
+                <a:schemeClr val="bg1"/>
+              </a:solidFill>
+              <a:latin typeface="DM Sans" pitchFamily="2" charset="0"/>
+              <a:cs typeface="Calibri Light" panose="020F0302020204030204" pitchFamily="34" charset="0"/>
+            </a:endParaRPr>
           </a:p>
           <a:p>
             <a:pPr marL="171450" indent="-171450">
@@ -7042,7 +7636,7 @@
                 <a:latin typeface="DM Sans" pitchFamily="2" charset="0"/>
                 <a:cs typeface="Calibri Light" panose="020F0302020204030204" pitchFamily="34" charset="0"/>
               </a:rPr>
-              <a:t>Normalized data frame</a:t>
+              <a:t>Normalized and cleaned data frame</a:t>
             </a:r>
           </a:p>
           <a:p>
@@ -7061,7 +7655,7 @@
                 <a:latin typeface="DM Sans" pitchFamily="2" charset="0"/>
                 <a:cs typeface="Calibri Light" panose="020F0302020204030204" pitchFamily="34" charset="0"/>
               </a:rPr>
-              <a:t>Proven Reproducibility</a:t>
+              <a:t>Evaluated reproducibility</a:t>
             </a:r>
           </a:p>
         </p:txBody>
@@ -7750,7 +8344,7 @@
 </p:sld>
 </file>
 
-<file path=ppt/slides/slide6.xml><?xml version="1.0" encoding="utf-8"?>
+<file path=ppt/slides/slide8.xml><?xml version="1.0" encoding="utf-8"?>
 <p:sld xmlns:a="http://schemas.openxmlformats.org/drawingml/2006/main" xmlns:r="http://schemas.openxmlformats.org/officeDocument/2006/relationships" xmlns:p="http://schemas.openxmlformats.org/presentationml/2006/main">
   <p:cSld>
     <p:bg>

--- a/projectproposal/PP.pptx
+++ b/projectproposal/PP.pptx
@@ -21,7 +21,7 @@
   <p:notesSz cx="6858000" cy="9144000"/>
   <p:embeddedFontLst>
     <p:embeddedFont>
-      <p:font typeface="DM Sans" pitchFamily="2" charset="0"/>
+      <p:font typeface="DM Sans" pitchFamily="2" charset="77"/>
       <p:regular r:id="rId11"/>
       <p:bold r:id="rId12"/>
       <p:italic r:id="rId13"/>
@@ -903,14 +903,215 @@
           <a:bodyPr/>
           <a:lstStyle/>
           <a:p>
-            <a:endParaRPr lang="de-DE" dirty="0"/>
+            <a:r>
+              <a:rPr lang="de-DE" dirty="0"/>
+              <a:t>Transition via ELAV1 </a:t>
+            </a:r>
+            <a:r>
+              <a:rPr lang="de-DE" dirty="0" err="1"/>
+              <a:t>as</a:t>
+            </a:r>
+            <a:r>
+              <a:rPr lang="de-DE" dirty="0"/>
+              <a:t> an </a:t>
+            </a:r>
+            <a:r>
+              <a:rPr lang="de-DE" dirty="0" err="1"/>
+              <a:t>example</a:t>
+            </a:r>
+            <a:r>
+              <a:rPr lang="de-DE" dirty="0"/>
+              <a:t> </a:t>
+            </a:r>
+          </a:p>
+          <a:p>
+            <a:r>
+              <a:rPr lang="de-DE" dirty="0"/>
+              <a:t>Show </a:t>
+            </a:r>
+            <a:r>
+              <a:rPr lang="de-DE" dirty="0" err="1"/>
+              <a:t>how</a:t>
+            </a:r>
+            <a:r>
+              <a:rPr lang="de-DE" dirty="0"/>
+              <a:t> </a:t>
+            </a:r>
+            <a:r>
+              <a:rPr lang="de-DE" dirty="0" err="1"/>
+              <a:t>to</a:t>
+            </a:r>
+            <a:r>
+              <a:rPr lang="de-DE" dirty="0"/>
+              <a:t> </a:t>
+            </a:r>
+            <a:r>
+              <a:rPr lang="de-DE" dirty="0" err="1"/>
+              <a:t>identify</a:t>
+            </a:r>
+            <a:r>
+              <a:rPr lang="de-DE" dirty="0"/>
+              <a:t> R-</a:t>
+            </a:r>
+            <a:r>
+              <a:rPr lang="de-DE" dirty="0" err="1"/>
+              <a:t>DeeP</a:t>
+            </a:r>
+            <a:r>
+              <a:rPr lang="de-DE" dirty="0"/>
+              <a:t> with </a:t>
+            </a:r>
+            <a:r>
+              <a:rPr lang="de-DE" dirty="0" err="1"/>
+              <a:t>our</a:t>
+            </a:r>
+            <a:r>
+              <a:rPr lang="de-DE" dirty="0"/>
+              <a:t> Data </a:t>
+            </a:r>
+          </a:p>
+          <a:p>
+            <a:r>
+              <a:rPr lang="de-DE" dirty="0" err="1"/>
+              <a:t>Explain</a:t>
+            </a:r>
+            <a:r>
+              <a:rPr lang="de-DE" dirty="0"/>
+              <a:t> </a:t>
+            </a:r>
+            <a:r>
+              <a:rPr lang="de-DE" dirty="0" err="1"/>
+              <a:t>shift</a:t>
+            </a:r>
+            <a:r>
+              <a:rPr lang="de-DE" dirty="0"/>
+              <a:t> </a:t>
+            </a:r>
+            <a:r>
+              <a:rPr lang="de-DE" dirty="0" err="1"/>
+              <a:t>of</a:t>
+            </a:r>
+            <a:r>
+              <a:rPr lang="de-DE" dirty="0"/>
+              <a:t> </a:t>
+            </a:r>
+            <a:r>
+              <a:rPr lang="de-DE" dirty="0" err="1"/>
+              <a:t>maxima</a:t>
+            </a:r>
+            <a:r>
+              <a:rPr lang="de-DE" dirty="0"/>
+              <a:t> </a:t>
+            </a:r>
+          </a:p>
+          <a:p>
+            <a:r>
+              <a:rPr lang="de-DE" dirty="0"/>
+              <a:t>Transition: “</a:t>
+            </a:r>
+            <a:r>
+              <a:rPr lang="de-DE" dirty="0" err="1"/>
+              <a:t>how</a:t>
+            </a:r>
+            <a:r>
+              <a:rPr lang="de-DE" dirty="0"/>
+              <a:t> </a:t>
+            </a:r>
+            <a:r>
+              <a:rPr lang="de-DE" dirty="0" err="1"/>
+              <a:t>we</a:t>
+            </a:r>
+            <a:r>
+              <a:rPr lang="de-DE" dirty="0"/>
+              <a:t> plan </a:t>
+            </a:r>
+            <a:r>
+              <a:rPr lang="de-DE" dirty="0" err="1"/>
+              <a:t>to</a:t>
+            </a:r>
+            <a:r>
+              <a:rPr lang="de-DE" dirty="0"/>
+              <a:t> </a:t>
+            </a:r>
+            <a:r>
+              <a:rPr lang="de-DE" dirty="0" err="1"/>
+              <a:t>implement</a:t>
+            </a:r>
+            <a:r>
+              <a:rPr lang="de-DE" dirty="0"/>
+              <a:t> </a:t>
+            </a:r>
+            <a:r>
+              <a:rPr lang="de-DE" dirty="0" err="1"/>
+              <a:t>automatic</a:t>
+            </a:r>
+            <a:r>
+              <a:rPr lang="de-DE" dirty="0"/>
+              <a:t> </a:t>
+            </a:r>
+            <a:r>
+              <a:rPr lang="de-DE" dirty="0" err="1"/>
+              <a:t>identification</a:t>
+            </a:r>
+            <a:r>
+              <a:rPr lang="de-DE" dirty="0"/>
+              <a:t> </a:t>
+            </a:r>
+            <a:r>
+              <a:rPr lang="de-DE" dirty="0" err="1"/>
+              <a:t>of</a:t>
+            </a:r>
+            <a:r>
+              <a:rPr lang="de-DE" dirty="0"/>
+              <a:t> R-</a:t>
+            </a:r>
+            <a:r>
+              <a:rPr lang="de-DE" dirty="0" err="1"/>
+              <a:t>Deep</a:t>
+            </a:r>
+            <a:r>
+              <a:rPr lang="de-DE" dirty="0"/>
+              <a:t> will </a:t>
+            </a:r>
+            <a:r>
+              <a:rPr lang="de-DE" dirty="0" err="1"/>
+              <a:t>now</a:t>
+            </a:r>
+            <a:r>
+              <a:rPr lang="de-DE" dirty="0"/>
+              <a:t> </a:t>
+            </a:r>
+            <a:r>
+              <a:rPr lang="de-DE" dirty="0" err="1"/>
+              <a:t>be</a:t>
+            </a:r>
+            <a:r>
+              <a:rPr lang="de-DE" dirty="0"/>
+              <a:t> </a:t>
+            </a:r>
+            <a:r>
+              <a:rPr lang="de-DE" dirty="0" err="1"/>
+              <a:t>explained</a:t>
+            </a:r>
+            <a:r>
+              <a:rPr lang="de-DE" dirty="0"/>
+              <a:t> </a:t>
+            </a:r>
+            <a:r>
+              <a:rPr lang="de-DE" dirty="0" err="1"/>
+              <a:t>by</a:t>
+            </a:r>
+            <a:r>
+              <a:rPr lang="de-DE" dirty="0"/>
+              <a:t> Michel...“ </a:t>
+            </a:r>
           </a:p>
         </p:txBody>
       </p:sp>
     </p:spTree>
     <p:extLst>
       <p:ext uri="{BB962C8B-B14F-4D97-AF65-F5344CB8AC3E}">
-        <p14:creationId xmlns:p14="http://schemas.microsoft.com/office/powerpoint/2010/main" val="3895782272"/>
+        <p14:creationId xmlns:p14="http://schemas.microsoft.com/office/powerpoint/2010/main" val="3415533583"/>
       </p:ext>
     </p:extLst>
   </p:cSld>
@@ -976,7 +1177,7 @@
     </p:spTree>
     <p:extLst>
       <p:ext uri="{BB962C8B-B14F-4D97-AF65-F5344CB8AC3E}">
-        <p14:creationId xmlns:p14="http://schemas.microsoft.com/office/powerpoint/2010/main" val="2796859273"/>
+        <p14:creationId xmlns:p14="http://schemas.microsoft.com/office/powerpoint/2010/main" val="3895782272"/>
       </p:ext>
     </p:extLst>
   </p:cSld>
@@ -1042,6 +1243,72 @@
     </p:spTree>
     <p:extLst>
       <p:ext uri="{BB962C8B-B14F-4D97-AF65-F5344CB8AC3E}">
+        <p14:creationId xmlns:p14="http://schemas.microsoft.com/office/powerpoint/2010/main" val="2796859273"/>
+      </p:ext>
+    </p:extLst>
+  </p:cSld>
+  <p:clrMapOvr>
+    <a:masterClrMapping/>
+  </p:clrMapOvr>
+</p:notes>
+</file>
+
+<file path=ppt/notesSlides/notesSlide6.xml><?xml version="1.0" encoding="utf-8"?>
+<p:notes xmlns:a="http://schemas.openxmlformats.org/drawingml/2006/main" xmlns:r="http://schemas.openxmlformats.org/officeDocument/2006/relationships" xmlns:p="http://schemas.openxmlformats.org/presentationml/2006/main">
+  <p:cSld>
+    <p:spTree>
+      <p:nvGrpSpPr>
+        <p:cNvPr id="1" name=""/>
+        <p:cNvGrpSpPr/>
+        <p:nvPr/>
+      </p:nvGrpSpPr>
+      <p:grpSpPr>
+        <a:xfrm>
+          <a:off x="0" y="0"/>
+          <a:ext cx="0" cy="0"/>
+          <a:chOff x="0" y="0"/>
+          <a:chExt cx="0" cy="0"/>
+        </a:xfrm>
+      </p:grpSpPr>
+      <p:sp>
+        <p:nvSpPr>
+          <p:cNvPr id="2" name="Folienbildplatzhalter 1"/>
+          <p:cNvSpPr>
+            <a:spLocks noGrp="1" noRot="1" noChangeAspect="1"/>
+          </p:cNvSpPr>
+          <p:nvPr>
+            <p:ph type="sldImg"/>
+          </p:nvPr>
+        </p:nvSpPr>
+        <p:spPr>
+          <a:xfrm>
+            <a:off x="381000" y="685800"/>
+            <a:ext cx="6096000" cy="3429000"/>
+          </a:xfrm>
+        </p:spPr>
+      </p:sp>
+      <p:sp>
+        <p:nvSpPr>
+          <p:cNvPr id="3" name="Notizenplatzhalter 2"/>
+          <p:cNvSpPr>
+            <a:spLocks noGrp="1"/>
+          </p:cNvSpPr>
+          <p:nvPr>
+            <p:ph type="body" idx="1"/>
+          </p:nvPr>
+        </p:nvSpPr>
+        <p:spPr/>
+        <p:txBody>
+          <a:bodyPr/>
+          <a:lstStyle/>
+          <a:p>
+            <a:endParaRPr lang="de-DE" dirty="0"/>
+          </a:p>
+        </p:txBody>
+      </p:sp>
+    </p:spTree>
+    <p:extLst>
+      <p:ext uri="{BB962C8B-B14F-4D97-AF65-F5344CB8AC3E}">
         <p14:creationId xmlns:p14="http://schemas.microsoft.com/office/powerpoint/2010/main" val="843327036"/>
       </p:ext>
     </p:extLst>
@@ -1052,7 +1319,7 @@
 </p:notes>
 </file>
 
-<file path=ppt/notesSlides/notesSlide6.xml><?xml version="1.0" encoding="utf-8"?>
+<file path=ppt/notesSlides/notesSlide7.xml><?xml version="1.0" encoding="utf-8"?>
 <p:notes xmlns:a="http://schemas.openxmlformats.org/drawingml/2006/main" xmlns:r="http://schemas.openxmlformats.org/officeDocument/2006/relationships" xmlns:p="http://schemas.openxmlformats.org/presentationml/2006/main">
   <p:cSld>
     <p:spTree>
@@ -4518,17 +4785,57 @@
                 <a:latin typeface="DM Sans" pitchFamily="2" charset="0"/>
                 <a:cs typeface="Calibri Light" panose="020F0302020204030204" pitchFamily="34" charset="0"/>
               </a:rPr>
-              <a:t> </a:t>
-            </a:r>
-            <a:r>
-              <a:rPr lang="de-DE" sz="2400" b="1" dirty="0" err="1">
-                <a:solidFill>
-                  <a:schemeClr val="bg1"/>
-                </a:solidFill>
-                <a:latin typeface="DM Sans" pitchFamily="2" charset="0"/>
-                <a:cs typeface="Calibri Light" panose="020F0302020204030204" pitchFamily="34" charset="0"/>
-              </a:rPr>
-              <a:t>plot</a:t>
+              <a:t>: ELAV1  </a:t>
+            </a:r>
+            <a:r>
+              <a:rPr lang="de-DE" b="1" dirty="0">
+                <a:solidFill>
+                  <a:srgbClr val="FF0000"/>
+                </a:solidFill>
+                <a:latin typeface="DM Sans" pitchFamily="2" charset="0"/>
+                <a:cs typeface="Calibri Light" panose="020F0302020204030204" pitchFamily="34" charset="0"/>
+              </a:rPr>
+              <a:t>(Name anpassen ELAVL1 ? </a:t>
+            </a:r>
+            <a:r>
+              <a:rPr lang="de-DE" b="1" dirty="0" err="1">
+                <a:solidFill>
+                  <a:srgbClr val="FF0000"/>
+                </a:solidFill>
+                <a:latin typeface="DM Sans" pitchFamily="2" charset="0"/>
+                <a:cs typeface="Calibri Light" panose="020F0302020204030204" pitchFamily="34" charset="0"/>
+              </a:rPr>
+              <a:t>Elav</a:t>
+            </a:r>
+            <a:r>
+              <a:rPr lang="de-DE" b="1" dirty="0">
+                <a:solidFill>
+                  <a:srgbClr val="FF0000"/>
+                </a:solidFill>
+                <a:latin typeface="DM Sans" pitchFamily="2" charset="0"/>
+                <a:cs typeface="Calibri Light" panose="020F0302020204030204" pitchFamily="34" charset="0"/>
+              </a:rPr>
+              <a:t>  like </a:t>
+            </a:r>
+            <a:r>
+              <a:rPr lang="de-DE" b="1" dirty="0" err="1">
+                <a:solidFill>
+                  <a:srgbClr val="FF0000"/>
+                </a:solidFill>
+                <a:latin typeface="DM Sans" pitchFamily="2" charset="0"/>
+                <a:cs typeface="Calibri Light" panose="020F0302020204030204" pitchFamily="34" charset="0"/>
+              </a:rPr>
+              <a:t>protein</a:t>
+            </a:r>
+            <a:r>
+              <a:rPr lang="de-DE" b="1" dirty="0">
+                <a:solidFill>
+                  <a:srgbClr val="FF0000"/>
+                </a:solidFill>
+                <a:latin typeface="DM Sans" pitchFamily="2" charset="0"/>
+                <a:cs typeface="Calibri Light" panose="020F0302020204030204" pitchFamily="34" charset="0"/>
+              </a:rPr>
+              <a:t>)</a:t>
             </a:r>
             <a:endParaRPr lang="de-DE" sz="2400" b="1" dirty="0">
               <a:solidFill>
@@ -4540,57 +4847,36 @@
           </a:p>
         </p:txBody>
       </p:sp>
-      <p:sp>
-        <p:nvSpPr>
-          <p:cNvPr id="3" name="Textfeld 2">
+      <p:pic>
+        <p:nvPicPr>
+          <p:cNvPr id="5" name="Grafik 4">
             <a:extLst>
               <a:ext uri="{FF2B5EF4-FFF2-40B4-BE49-F238E27FC236}">
-                <a16:creationId xmlns:a16="http://schemas.microsoft.com/office/drawing/2014/main" id="{376FFF80-79A7-201D-FD7B-11F932D92EC5}"/>
+                <a16:creationId xmlns:a16="http://schemas.microsoft.com/office/drawing/2014/main" id="{D61695C3-D2CC-4B4C-8D26-D5AA0278CF67}"/>
               </a:ext>
             </a:extLst>
           </p:cNvPr>
-          <p:cNvSpPr txBox="1"/>
+          <p:cNvPicPr>
+            <a:picLocks noChangeAspect="1"/>
+          </p:cNvPicPr>
           <p:nvPr/>
-        </p:nvSpPr>
+        </p:nvPicPr>
+        <p:blipFill>
+          <a:blip r:embed="rId3"/>
+          <a:stretch>
+            <a:fillRect/>
+          </a:stretch>
+        </p:blipFill>
         <p:spPr>
           <a:xfrm>
-            <a:off x="2976310" y="3159150"/>
-            <a:ext cx="2001327" cy="261610"/>
+            <a:off x="1378726" y="1066800"/>
+            <a:ext cx="6188137" cy="3818965"/>
           </a:xfrm>
           <a:prstGeom prst="rect">
             <a:avLst/>
           </a:prstGeom>
-          <a:noFill/>
         </p:spPr>
-        <p:txBody>
-          <a:bodyPr wrap="square" rtlCol="0">
-            <a:spAutoFit/>
-          </a:bodyPr>
-          <a:lstStyle/>
-          <a:p>
-            <a:r>
-              <a:rPr lang="de-DE" sz="1100" b="1" dirty="0" err="1">
-                <a:solidFill>
-                  <a:srgbClr val="FF0000"/>
-                </a:solidFill>
-                <a:latin typeface="DM Sans" pitchFamily="2" charset="0"/>
-                <a:cs typeface="Calibri" panose="020F0502020204030204" pitchFamily="34" charset="0"/>
-              </a:rPr>
-              <a:t>Chelli</a:t>
-            </a:r>
-            <a:r>
-              <a:rPr lang="de-DE" sz="1100" b="1" dirty="0">
-                <a:solidFill>
-                  <a:srgbClr val="FF0000"/>
-                </a:solidFill>
-                <a:latin typeface="DM Sans" pitchFamily="2" charset="0"/>
-                <a:cs typeface="Calibri" panose="020F0502020204030204" pitchFamily="34" charset="0"/>
-              </a:rPr>
-              <a:t> und MT7</a:t>
-            </a:r>
-          </a:p>
-        </p:txBody>
-      </p:sp>
+      </p:pic>
     </p:spTree>
     <p:extLst>
       <p:ext uri="{BB962C8B-B14F-4D97-AF65-F5344CB8AC3E}">

--- a/projectproposal/PP.pptx
+++ b/projectproposal/PP.pptx
@@ -15,7 +15,7 @@
     <p:sldId id="313" r:id="rId6"/>
     <p:sldId id="316" r:id="rId7"/>
     <p:sldId id="317" r:id="rId8"/>
-    <p:sldId id="312" r:id="rId9"/>
+    <p:sldId id="320" r:id="rId9"/>
   </p:sldIdLst>
   <p:sldSz cx="9144000" cy="5143500" type="screen16x9"/>
   <p:notesSz cx="6858000" cy="9144000"/>
@@ -1108,7 +1108,7 @@
     </p:spTree>
     <p:extLst>
       <p:ext uri="{BB962C8B-B14F-4D97-AF65-F5344CB8AC3E}">
-        <p14:creationId xmlns:p14="http://schemas.microsoft.com/office/powerpoint/2010/main" val="4012914767"/>
+        <p14:creationId xmlns:p14="http://schemas.microsoft.com/office/powerpoint/2010/main" val="3535359772"/>
       </p:ext>
     </p:extLst>
   </p:cSld>
@@ -3222,10 +3222,10 @@
       </p:pic>
       <p:sp>
         <p:nvSpPr>
-          <p:cNvPr id="8" name="Textfeld 7">
+          <p:cNvPr id="9" name="Textfeld 8">
             <a:extLst>
               <a:ext uri="{FF2B5EF4-FFF2-40B4-BE49-F238E27FC236}">
-                <a16:creationId xmlns:a16="http://schemas.microsoft.com/office/drawing/2014/main" id="{3DFB6226-F75A-616E-40EA-6864AB16AC7C}"/>
+                <a16:creationId xmlns:a16="http://schemas.microsoft.com/office/drawing/2014/main" id="{AE797273-1A1A-B4D1-12A4-3162614CFAB0}"/>
               </a:ext>
             </a:extLst>
           </p:cNvPr>
@@ -3234,8 +3234,8 @@
         </p:nvSpPr>
         <p:spPr>
           <a:xfrm>
-            <a:off x="5719510" y="4158217"/>
-            <a:ext cx="2001327" cy="261610"/>
+            <a:off x="207490" y="3570665"/>
+            <a:ext cx="292388" cy="1240670"/>
           </a:xfrm>
           <a:prstGeom prst="rect">
             <a:avLst/>
@@ -3243,21 +3243,76 @@
           <a:noFill/>
         </p:spPr>
         <p:txBody>
-          <a:bodyPr wrap="square" rtlCol="0">
+          <a:bodyPr vert="vert270" wrap="square" rtlCol="0">
             <a:spAutoFit/>
           </a:bodyPr>
           <a:lstStyle/>
           <a:p>
             <a:r>
-              <a:rPr lang="de-DE" sz="1100" b="1" dirty="0">
-                <a:solidFill>
-                  <a:srgbClr val="FF0000"/>
+              <a:rPr lang="de-DE" sz="700" dirty="0" err="1">
+                <a:solidFill>
+                  <a:schemeClr val="accent6">
+                    <a:lumMod val="50000"/>
+                  </a:schemeClr>
                 </a:solidFill>
                 <a:latin typeface="DM Sans" pitchFamily="2" charset="0"/>
                 <a:cs typeface="Calibri" panose="020F0502020204030204" pitchFamily="34" charset="0"/>
               </a:rPr>
-              <a:t>Bildquelle?</a:t>
-            </a:r>
+              <a:t>Adapted</a:t>
+            </a:r>
+            <a:r>
+              <a:rPr lang="de-DE" sz="700" dirty="0">
+                <a:solidFill>
+                  <a:schemeClr val="accent6">
+                    <a:lumMod val="50000"/>
+                  </a:schemeClr>
+                </a:solidFill>
+                <a:latin typeface="DM Sans" pitchFamily="2" charset="0"/>
+                <a:cs typeface="Calibri" panose="020F0502020204030204" pitchFamily="34" charset="0"/>
+              </a:rPr>
+              <a:t> </a:t>
+            </a:r>
+            <a:r>
+              <a:rPr lang="de-DE" sz="700" dirty="0" err="1">
+                <a:solidFill>
+                  <a:schemeClr val="accent6">
+                    <a:lumMod val="50000"/>
+                  </a:schemeClr>
+                </a:solidFill>
+                <a:latin typeface="DM Sans" pitchFamily="2" charset="0"/>
+                <a:cs typeface="Calibri" panose="020F0502020204030204" pitchFamily="34" charset="0"/>
+              </a:rPr>
+              <a:t>from</a:t>
+            </a:r>
+            <a:r>
+              <a:rPr lang="de-DE" sz="700" dirty="0">
+                <a:solidFill>
+                  <a:schemeClr val="accent6">
+                    <a:lumMod val="50000"/>
+                  </a:schemeClr>
+                </a:solidFill>
+                <a:latin typeface="DM Sans" pitchFamily="2" charset="0"/>
+                <a:cs typeface="Calibri" panose="020F0502020204030204" pitchFamily="34" charset="0"/>
+              </a:rPr>
+              <a:t>: [9</a:t>
+            </a:r>
+            <a:r>
+              <a:rPr lang="de-DE" sz="700" dirty="0">
+                <a:solidFill>
+                  <a:schemeClr val="bg1"/>
+                </a:solidFill>
+                <a:latin typeface="DM Sans" pitchFamily="2" charset="0"/>
+                <a:cs typeface="Calibri" panose="020F0502020204030204" pitchFamily="34" charset="0"/>
+              </a:rPr>
+              <a:t>]</a:t>
+            </a:r>
+            <a:endParaRPr lang="de-DE" sz="700" b="1" dirty="0">
+              <a:solidFill>
+                <a:schemeClr val="bg1"/>
+              </a:solidFill>
+              <a:latin typeface="DM Sans" pitchFamily="2" charset="0"/>
+              <a:cs typeface="Calibri" panose="020F0502020204030204" pitchFamily="34" charset="0"/>
+            </a:endParaRPr>
           </a:p>
         </p:txBody>
       </p:sp>
@@ -4959,7 +5014,7 @@
         <p:spPr>
           <a:xfrm>
             <a:off x="4572000" y="1106283"/>
-            <a:ext cx="3759847" cy="3600986"/>
+            <a:ext cx="3759847" cy="3762568"/>
           </a:xfrm>
           <a:prstGeom prst="rect">
             <a:avLst/>
@@ -5090,6 +5145,22 @@
               </a:rPr>
               <a:t>Each value of the two 		neighboring pairs must be 		lower than the local maxima 		(avoid fluctuation bias)</a:t>
             </a:r>
+            <a:br>
+              <a:rPr lang="en-US" sz="1050" dirty="0">
+                <a:solidFill>
+                  <a:schemeClr val="bg1"/>
+                </a:solidFill>
+                <a:latin typeface="DM Sans" pitchFamily="2" charset="0"/>
+                <a:cs typeface="Calibri Light" panose="020F0302020204030204" pitchFamily="34" charset="0"/>
+              </a:rPr>
+            </a:br>
+            <a:endParaRPr lang="en-US" sz="1050" dirty="0">
+              <a:solidFill>
+                <a:schemeClr val="bg1"/>
+              </a:solidFill>
+              <a:latin typeface="DM Sans" pitchFamily="2" charset="0"/>
+              <a:cs typeface="Calibri Light" panose="020F0302020204030204" pitchFamily="34" charset="0"/>
+            </a:endParaRPr>
           </a:p>
           <a:p>
             <a:pPr lvl="3"/>
@@ -5267,6 +5338,49 @@
           </a:p>
         </p:txBody>
       </p:sp>
+      <p:cxnSp>
+        <p:nvCxnSpPr>
+          <p:cNvPr id="4" name="Gerader Verbinder 3">
+            <a:extLst>
+              <a:ext uri="{FF2B5EF4-FFF2-40B4-BE49-F238E27FC236}">
+                <a16:creationId xmlns:a16="http://schemas.microsoft.com/office/drawing/2014/main" id="{1BF3DD61-00D1-500B-0329-86449C878D25}"/>
+              </a:ext>
+            </a:extLst>
+          </p:cNvPr>
+          <p:cNvCxnSpPr>
+            <a:cxnSpLocks/>
+          </p:cNvCxnSpPr>
+          <p:nvPr/>
+        </p:nvCxnSpPr>
+        <p:spPr>
+          <a:xfrm flipH="1">
+            <a:off x="6819900" y="2935816"/>
+            <a:ext cx="844549" cy="0"/>
+          </a:xfrm>
+          <a:prstGeom prst="line">
+            <a:avLst/>
+          </a:prstGeom>
+          <a:ln>
+            <a:solidFill>
+              <a:schemeClr val="bg1"/>
+            </a:solidFill>
+          </a:ln>
+        </p:spPr>
+        <p:style>
+          <a:lnRef idx="1">
+            <a:schemeClr val="accent1"/>
+          </a:lnRef>
+          <a:fillRef idx="0">
+            <a:schemeClr val="accent1"/>
+          </a:fillRef>
+          <a:effectRef idx="0">
+            <a:schemeClr val="accent1"/>
+          </a:effectRef>
+          <a:fontRef idx="minor">
+            <a:schemeClr val="tx1"/>
+          </a:fontRef>
+        </p:style>
+      </p:cxnSp>
     </p:spTree>
     <p:extLst>
       <p:ext uri="{BB962C8B-B14F-4D97-AF65-F5344CB8AC3E}">
@@ -5298,9 +5412,9 @@
                             </p:stCondLst>
                             <p:childTnLst>
                               <p:par>
-                                <p:cTn id="5" presetID="10" presetClass="entr" presetSubtype="0" fill="hold" grpId="0" nodeType="clickEffect">
+                                <p:cTn id="5" presetID="10" presetClass="entr" presetSubtype="0" fill="hold" nodeType="clickEffect">
                                   <p:stCondLst>
-                                    <p:cond delay="0"/>
+                                    <p:cond delay="150"/>
                                   </p:stCondLst>
                                   <p:childTnLst>
                                     <p:set>
@@ -5311,7 +5425,7 @@
                                           </p:stCondLst>
                                         </p:cTn>
                                         <p:tgtEl>
-                                          <p:spTgt spid="22"/>
+                                          <p:spTgt spid="4"/>
                                         </p:tgtEl>
                                         <p:attrNameLst>
                                           <p:attrName>style.visibility</p:attrName>
@@ -5325,7 +5439,7 @@
                                       <p:cBhvr>
                                         <p:cTn id="7" dur="500"/>
                                         <p:tgtEl>
-                                          <p:spTgt spid="22"/>
+                                          <p:spTgt spid="4"/>
                                         </p:tgtEl>
                                       </p:cBhvr>
                                     </p:animEffect>
@@ -5335,7 +5449,7 @@
                               <p:par>
                                 <p:cTn id="8" presetID="10" presetClass="entr" presetSubtype="0" fill="hold" grpId="0" nodeType="withEffect">
                                   <p:stCondLst>
-                                    <p:cond delay="0"/>
+                                    <p:cond delay="150"/>
                                   </p:stCondLst>
                                   <p:childTnLst>
                                     <p:set>
@@ -5370,7 +5484,7 @@
                               <p:par>
                                 <p:cTn id="11" presetID="10" presetClass="entr" presetSubtype="0" fill="hold" grpId="0" nodeType="withEffect">
                                   <p:stCondLst>
-                                    <p:cond delay="0"/>
+                                    <p:cond delay="150"/>
                                   </p:stCondLst>
                                   <p:childTnLst>
                                     <p:set>
@@ -5396,6 +5510,41 @@
                                         <p:cTn id="13" dur="500"/>
                                         <p:tgtEl>
                                           <p:spTgt spid="24"/>
+                                        </p:tgtEl>
+                                      </p:cBhvr>
+                                    </p:animEffect>
+                                  </p:childTnLst>
+                                </p:cTn>
+                              </p:par>
+                              <p:par>
+                                <p:cTn id="14" presetID="10" presetClass="entr" presetSubtype="0" fill="hold" grpId="0" nodeType="withEffect">
+                                  <p:stCondLst>
+                                    <p:cond delay="0"/>
+                                  </p:stCondLst>
+                                  <p:childTnLst>
+                                    <p:set>
+                                      <p:cBhvr>
+                                        <p:cTn id="15" dur="1" fill="hold">
+                                          <p:stCondLst>
+                                            <p:cond delay="0"/>
+                                          </p:stCondLst>
+                                        </p:cTn>
+                                        <p:tgtEl>
+                                          <p:spTgt spid="22"/>
+                                        </p:tgtEl>
+                                        <p:attrNameLst>
+                                          <p:attrName>style.visibility</p:attrName>
+                                        </p:attrNameLst>
+                                      </p:cBhvr>
+                                      <p:to>
+                                        <p:strVal val="visible"/>
+                                      </p:to>
+                                    </p:set>
+                                    <p:animEffect transition="in" filter="fade">
+                                      <p:cBhvr>
+                                        <p:cTn id="16" dur="500"/>
+                                        <p:tgtEl>
+                                          <p:spTgt spid="22"/>
                                         </p:tgtEl>
                                       </p:cBhvr>
                                     </p:animEffect>
@@ -5519,7 +5668,7 @@
         <p:spPr>
           <a:xfrm>
             <a:off x="353683" y="1106283"/>
-            <a:ext cx="3926217" cy="2492990"/>
+            <a:ext cx="3926217" cy="2062103"/>
           </a:xfrm>
           <a:prstGeom prst="rect">
             <a:avLst/>
@@ -5626,7 +5775,7 @@
                 <a:latin typeface="DM Sans" pitchFamily="2" charset="0"/>
                 <a:cs typeface="Calibri Light" panose="020F0302020204030204" pitchFamily="34" charset="0"/>
               </a:rPr>
-              <a:t>selection criteria to identify R-</a:t>
+              <a:t>Selection criteria to identify R-</a:t>
             </a:r>
             <a:r>
               <a:rPr lang="en-US" sz="1200" dirty="0" err="1">
@@ -5646,58 +5795,11 @@
                 <a:latin typeface="DM Sans" pitchFamily="2" charset="0"/>
                 <a:cs typeface="Calibri Light" panose="020F0302020204030204" pitchFamily="34" charset="0"/>
               </a:rPr>
-              <a:t>:	</a:t>
-            </a:r>
-          </a:p>
-          <a:p>
-            <a:pPr marL="285750" indent="-285750">
-              <a:buFont typeface="Wingdings" panose="05000000000000000000" pitchFamily="2" charset="2"/>
-              <a:buChar char="Ø"/>
-            </a:pPr>
-            <a:r>
-              <a:rPr lang="en-US" sz="1200" i="1" dirty="0">
-                <a:solidFill>
-                  <a:schemeClr val="bg1"/>
-                </a:solidFill>
-                <a:latin typeface="DM Sans" pitchFamily="2" charset="0"/>
-                <a:cs typeface="Calibri Light" panose="020F0302020204030204" pitchFamily="34" charset="0"/>
-              </a:rPr>
-              <a:t>1.</a:t>
-            </a:r>
-            <a:r>
-              <a:rPr lang="en-US" sz="1200" dirty="0">
-                <a:solidFill>
-                  <a:schemeClr val="bg1"/>
-                </a:solidFill>
-                <a:latin typeface="DM Sans" pitchFamily="2" charset="0"/>
-                <a:cs typeface="Calibri Light" panose="020F0302020204030204" pitchFamily="34" charset="0"/>
-              </a:rPr>
-              <a:t> shift of maxima &gt; 1 fraction</a:t>
-            </a:r>
-          </a:p>
-          <a:p>
-            <a:pPr lvl="2"/>
-            <a:r>
-              <a:rPr lang="en-US" sz="1200" i="1" dirty="0">
-                <a:solidFill>
-                  <a:schemeClr val="bg1"/>
-                </a:solidFill>
-                <a:latin typeface="DM Sans" pitchFamily="2" charset="0"/>
-                <a:cs typeface="Calibri Light" panose="020F0302020204030204" pitchFamily="34" charset="0"/>
-              </a:rPr>
-              <a:t>2.</a:t>
-            </a:r>
-            <a:r>
-              <a:rPr lang="en-US" sz="1200" dirty="0">
-                <a:solidFill>
-                  <a:schemeClr val="bg1"/>
-                </a:solidFill>
-                <a:latin typeface="DM Sans" pitchFamily="2" charset="0"/>
-                <a:cs typeface="Calibri Light" panose="020F0302020204030204" pitchFamily="34" charset="0"/>
-              </a:rPr>
-              <a:t> Significant difference of protein amount at the position of the maxima between Ctrl and RNase condition</a:t>
-            </a:r>
-            <a:endParaRPr lang="en-US" sz="1200" i="1" dirty="0">
+              <a:t>:</a:t>
+            </a:r>
+          </a:p>
+          <a:p>
+            <a:endParaRPr lang="en-US" sz="1200" dirty="0">
               <a:solidFill>
                 <a:schemeClr val="bg1"/>
               </a:solidFill>
@@ -5706,17 +5808,36 @@
             </a:endParaRPr>
           </a:p>
           <a:p>
-            <a:pPr marL="285750" indent="-285750">
-              <a:buFont typeface="Wingdings" panose="05000000000000000000" pitchFamily="2" charset="2"/>
-              <a:buChar char="Ø"/>
-            </a:pPr>
-            <a:endParaRPr lang="en-US" sz="1600" b="1" dirty="0">
-              <a:solidFill>
-                <a:schemeClr val="bg1"/>
-              </a:solidFill>
-              <a:latin typeface="DM Sans" pitchFamily="2" charset="0"/>
-              <a:cs typeface="Calibri Light" panose="020F0302020204030204" pitchFamily="34" charset="0"/>
-            </a:endParaRPr>
+            <a:pPr lvl="1" defTabSz="269875"/>
+            <a:r>
+              <a:rPr lang="en-US" sz="1200" dirty="0">
+                <a:solidFill>
+                  <a:schemeClr val="bg1"/>
+                </a:solidFill>
+                <a:latin typeface="DM Sans" pitchFamily="2" charset="0"/>
+                <a:cs typeface="Calibri Light" panose="020F0302020204030204" pitchFamily="34" charset="0"/>
+              </a:rPr>
+              <a:t>	</a:t>
+            </a:r>
+            <a:br>
+              <a:rPr lang="en-US" sz="1200" dirty="0">
+                <a:solidFill>
+                  <a:schemeClr val="bg1"/>
+                </a:solidFill>
+                <a:latin typeface="DM Sans" pitchFamily="2" charset="0"/>
+                <a:cs typeface="Calibri Light" panose="020F0302020204030204" pitchFamily="34" charset="0"/>
+              </a:rPr>
+            </a:br>
+            <a:r>
+              <a:rPr lang="en-US" sz="1200" dirty="0">
+                <a:solidFill>
+                  <a:schemeClr val="bg1"/>
+                </a:solidFill>
+                <a:latin typeface="DM Sans" pitchFamily="2" charset="0"/>
+                <a:cs typeface="Calibri Light" panose="020F0302020204030204" pitchFamily="34" charset="0"/>
+              </a:rPr>
+              <a:t>	</a:t>
+            </a:r>
           </a:p>
         </p:txBody>
       </p:sp>
@@ -6111,8 +6232,8 @@
         </p:nvSpPr>
         <p:spPr>
           <a:xfrm>
-            <a:off x="647017" y="4065862"/>
-            <a:ext cx="1669774" cy="677108"/>
+            <a:off x="647016" y="4065862"/>
+            <a:ext cx="2013633" cy="677108"/>
           </a:xfrm>
           <a:prstGeom prst="rect">
             <a:avLst/>
@@ -6125,6 +6246,11 @@
           </a:bodyPr>
           <a:lstStyle/>
           <a:p>
+            <a:pPr>
+              <a:tabLst>
+                <a:tab pos="266700" algn="l"/>
+              </a:tabLst>
+            </a:pPr>
             <a:r>
               <a:rPr lang="en-US" sz="2400" dirty="0">
                 <a:solidFill>
@@ -6145,7 +6271,7 @@
                 <a:latin typeface="DM Sans" pitchFamily="2" charset="0"/>
                 <a:cs typeface="Calibri Light" panose="020F0302020204030204" pitchFamily="34" charset="0"/>
               </a:rPr>
-              <a:t>Coverage of the four </a:t>
+              <a:t>Coverage of 	      	the four </a:t>
             </a:r>
             <a:r>
               <a:rPr lang="en-US" i="1" dirty="0">
@@ -6165,6 +6291,292 @@
           </a:p>
         </p:txBody>
       </p:sp>
+      <p:graphicFrame>
+        <p:nvGraphicFramePr>
+          <p:cNvPr id="6" name="Tabelle 10">
+            <a:extLst>
+              <a:ext uri="{FF2B5EF4-FFF2-40B4-BE49-F238E27FC236}">
+                <a16:creationId xmlns:a16="http://schemas.microsoft.com/office/drawing/2014/main" id="{25750838-C318-7D6B-3CBE-E0C31B5D2E17}"/>
+              </a:ext>
+            </a:extLst>
+          </p:cNvPr>
+          <p:cNvGraphicFramePr>
+            <a:graphicFrameLocks noGrp="1"/>
+          </p:cNvGraphicFramePr>
+          <p:nvPr>
+            <p:extLst>
+              <p:ext uri="{D42A27DB-BD31-4B8C-83A1-F6EECF244321}">
+                <p14:modId xmlns:p14="http://schemas.microsoft.com/office/powerpoint/2010/main" val="467065290"/>
+              </p:ext>
+            </p:extLst>
+          </p:nvPr>
+        </p:nvGraphicFramePr>
+        <p:xfrm>
+          <a:off x="756289" y="2666658"/>
+          <a:ext cx="3231511" cy="677252"/>
+        </p:xfrm>
+        <a:graphic>
+          <a:graphicData uri="http://schemas.openxmlformats.org/drawingml/2006/table">
+            <a:tbl>
+              <a:tblPr firstRow="1" bandRow="1">
+                <a:tableStyleId>{70AB16BB-AEA0-4CA2-814A-0FCAEDB63BED}</a:tableStyleId>
+              </a:tblPr>
+              <a:tblGrid>
+                <a:gridCol w="182725">
+                  <a:extLst>
+                    <a:ext uri="{9D8B030D-6E8A-4147-A177-3AD203B41FA5}">
+                      <a16:colId xmlns:a16="http://schemas.microsoft.com/office/drawing/2014/main" val="2883577744"/>
+                    </a:ext>
+                  </a:extLst>
+                </a:gridCol>
+                <a:gridCol w="3048786">
+                  <a:extLst>
+                    <a:ext uri="{9D8B030D-6E8A-4147-A177-3AD203B41FA5}">
+                      <a16:colId xmlns:a16="http://schemas.microsoft.com/office/drawing/2014/main" val="2925878781"/>
+                    </a:ext>
+                  </a:extLst>
+                </a:gridCol>
+              </a:tblGrid>
+              <a:tr h="197192">
+                <a:tc>
+                  <a:txBody>
+                    <a:bodyPr/>
+                    <a:lstStyle/>
+                    <a:p>
+                      <a:r>
+                        <a:rPr lang="en-US" sz="1050" b="1" i="1" dirty="0">
+                          <a:latin typeface="DM Sans" pitchFamily="2" charset="0"/>
+                        </a:rPr>
+                        <a:t> 1.</a:t>
+                      </a:r>
+                    </a:p>
+                  </a:txBody>
+                  <a:tcPr marL="0" marR="0" marT="0" marB="0">
+                    <a:lnL w="9525" cap="flat" cmpd="sng">
+                      <a:noFill/>
+                      <a:prstDash val="solid"/>
+                      <a:round/>
+                      <a:headEnd type="none" w="sm" len="sm"/>
+                      <a:tailEnd type="none" w="sm" len="sm"/>
+                    </a:lnL>
+                    <a:lnR w="9525" cap="flat" cmpd="sng">
+                      <a:noFill/>
+                      <a:prstDash val="solid"/>
+                      <a:round/>
+                      <a:headEnd type="none" w="sm" len="sm"/>
+                      <a:tailEnd type="none" w="sm" len="sm"/>
+                    </a:lnR>
+                    <a:lnT w="9525" cap="flat" cmpd="sng">
+                      <a:noFill/>
+                      <a:prstDash val="solid"/>
+                      <a:round/>
+                      <a:headEnd type="none" w="sm" len="sm"/>
+                      <a:tailEnd type="none" w="sm" len="sm"/>
+                    </a:lnT>
+                    <a:lnB w="9525" cap="flat" cmpd="sng">
+                      <a:noFill/>
+                      <a:prstDash val="solid"/>
+                      <a:round/>
+                      <a:headEnd type="none" w="sm" len="sm"/>
+                      <a:tailEnd type="none" w="sm" len="sm"/>
+                    </a:lnB>
+                    <a:lnTlToBr w="12700" cmpd="sng">
+                      <a:noFill/>
+                      <a:prstDash val="solid"/>
+                    </a:lnTlToBr>
+                    <a:lnBlToTr w="12700" cmpd="sng">
+                      <a:noFill/>
+                      <a:prstDash val="solid"/>
+                    </a:lnBlToTr>
+                  </a:tcPr>
+                </a:tc>
+                <a:tc>
+                  <a:txBody>
+                    <a:bodyPr/>
+                    <a:lstStyle/>
+                    <a:p>
+                      <a:r>
+                        <a:rPr lang="en-US" sz="1050" dirty="0">
+                          <a:solidFill>
+                            <a:schemeClr val="bg1"/>
+                          </a:solidFill>
+                          <a:latin typeface="DM Sans" pitchFamily="2" charset="0"/>
+                          <a:cs typeface="Calibri Light" panose="020F0302020204030204" pitchFamily="34" charset="0"/>
+                        </a:rPr>
+                        <a:t>Shift of maxima &gt; 1 fraction</a:t>
+                      </a:r>
+                      <a:endParaRPr lang="en-US" sz="1050" dirty="0">
+                        <a:latin typeface="DM Sans" pitchFamily="2" charset="0"/>
+                      </a:endParaRPr>
+                    </a:p>
+                  </a:txBody>
+                  <a:tcPr marL="0" marR="0" marT="0" marB="0">
+                    <a:lnL w="9525" cap="flat" cmpd="sng">
+                      <a:noFill/>
+                      <a:prstDash val="solid"/>
+                      <a:round/>
+                      <a:headEnd type="none" w="sm" len="sm"/>
+                      <a:tailEnd type="none" w="sm" len="sm"/>
+                    </a:lnL>
+                    <a:lnR w="9525" cap="flat" cmpd="sng">
+                      <a:noFill/>
+                      <a:prstDash val="solid"/>
+                      <a:round/>
+                      <a:headEnd type="none" w="sm" len="sm"/>
+                      <a:tailEnd type="none" w="sm" len="sm"/>
+                    </a:lnR>
+                    <a:lnT w="9525" cap="flat" cmpd="sng">
+                      <a:noFill/>
+                      <a:prstDash val="solid"/>
+                      <a:round/>
+                      <a:headEnd type="none" w="sm" len="sm"/>
+                      <a:tailEnd type="none" w="sm" len="sm"/>
+                    </a:lnT>
+                    <a:lnB w="9525" cap="flat" cmpd="sng">
+                      <a:noFill/>
+                      <a:prstDash val="solid"/>
+                      <a:round/>
+                      <a:headEnd type="none" w="sm" len="sm"/>
+                      <a:tailEnd type="none" w="sm" len="sm"/>
+                    </a:lnB>
+                    <a:lnTlToBr w="12700" cmpd="sng">
+                      <a:noFill/>
+                      <a:prstDash val="solid"/>
+                    </a:lnTlToBr>
+                    <a:lnBlToTr w="12700" cmpd="sng">
+                      <a:noFill/>
+                      <a:prstDash val="solid"/>
+                    </a:lnBlToTr>
+                  </a:tcPr>
+                </a:tc>
+                <a:extLst>
+                  <a:ext uri="{0D108BD9-81ED-4DB2-BD59-A6C34878D82A}">
+                    <a16:rowId xmlns:a16="http://schemas.microsoft.com/office/drawing/2014/main" val="52258029"/>
+                  </a:ext>
+                </a:extLst>
+              </a:tr>
+              <a:tr h="459217">
+                <a:tc>
+                  <a:txBody>
+                    <a:bodyPr/>
+                    <a:lstStyle/>
+                    <a:p>
+                      <a:r>
+                        <a:rPr lang="en-US" sz="1050" b="1" i="1" dirty="0">
+                          <a:latin typeface="DM Sans" pitchFamily="2" charset="0"/>
+                        </a:rPr>
+                        <a:t>2.</a:t>
+                      </a:r>
+                    </a:p>
+                  </a:txBody>
+                  <a:tcPr marL="0" marR="0" marT="0" marB="0">
+                    <a:lnL w="9525" cap="flat" cmpd="sng">
+                      <a:noFill/>
+                      <a:prstDash val="solid"/>
+                      <a:round/>
+                      <a:headEnd type="none" w="sm" len="sm"/>
+                      <a:tailEnd type="none" w="sm" len="sm"/>
+                    </a:lnL>
+                    <a:lnR w="9525" cap="flat" cmpd="sng">
+                      <a:noFill/>
+                      <a:prstDash val="solid"/>
+                      <a:round/>
+                      <a:headEnd type="none" w="sm" len="sm"/>
+                      <a:tailEnd type="none" w="sm" len="sm"/>
+                    </a:lnR>
+                    <a:lnT w="9525" cap="flat" cmpd="sng">
+                      <a:noFill/>
+                      <a:prstDash val="solid"/>
+                      <a:round/>
+                      <a:headEnd type="none" w="sm" len="sm"/>
+                      <a:tailEnd type="none" w="sm" len="sm"/>
+                    </a:lnT>
+                    <a:lnB w="9525" cap="flat" cmpd="sng">
+                      <a:noFill/>
+                      <a:prstDash val="solid"/>
+                      <a:round/>
+                      <a:headEnd type="none" w="sm" len="sm"/>
+                      <a:tailEnd type="none" w="sm" len="sm"/>
+                    </a:lnB>
+                    <a:lnTlToBr w="12700" cmpd="sng">
+                      <a:noFill/>
+                      <a:prstDash val="solid"/>
+                    </a:lnTlToBr>
+                    <a:lnBlToTr w="12700" cmpd="sng">
+                      <a:noFill/>
+                      <a:prstDash val="solid"/>
+                    </a:lnBlToTr>
+                  </a:tcPr>
+                </a:tc>
+                <a:tc>
+                  <a:txBody>
+                    <a:bodyPr/>
+                    <a:lstStyle/>
+                    <a:p>
+                      <a:r>
+                        <a:rPr lang="en-US" sz="1050" dirty="0">
+                          <a:solidFill>
+                            <a:schemeClr val="bg1"/>
+                          </a:solidFill>
+                          <a:latin typeface="DM Sans" pitchFamily="2" charset="0"/>
+                          <a:cs typeface="Calibri Light" panose="020F0302020204030204" pitchFamily="34" charset="0"/>
+                        </a:rPr>
+                        <a:t>Significant difference of protein amount at the position of the maxima between Ctrl and RNase condition</a:t>
+                      </a:r>
+                      <a:endParaRPr lang="en-US" sz="1050" dirty="0">
+                        <a:latin typeface="DM Sans" pitchFamily="2" charset="0"/>
+                      </a:endParaRPr>
+                    </a:p>
+                  </a:txBody>
+                  <a:tcPr marL="0" marR="0" marT="0" marB="0">
+                    <a:lnL w="9525" cap="flat" cmpd="sng">
+                      <a:noFill/>
+                      <a:prstDash val="solid"/>
+                      <a:round/>
+                      <a:headEnd type="none" w="sm" len="sm"/>
+                      <a:tailEnd type="none" w="sm" len="sm"/>
+                    </a:lnL>
+                    <a:lnR w="9525" cap="flat" cmpd="sng">
+                      <a:noFill/>
+                      <a:prstDash val="solid"/>
+                      <a:round/>
+                      <a:headEnd type="none" w="sm" len="sm"/>
+                      <a:tailEnd type="none" w="sm" len="sm"/>
+                    </a:lnR>
+                    <a:lnT w="9525" cap="flat" cmpd="sng">
+                      <a:noFill/>
+                      <a:prstDash val="solid"/>
+                      <a:round/>
+                      <a:headEnd type="none" w="sm" len="sm"/>
+                      <a:tailEnd type="none" w="sm" len="sm"/>
+                    </a:lnT>
+                    <a:lnB w="9525" cap="flat" cmpd="sng">
+                      <a:noFill/>
+                      <a:prstDash val="solid"/>
+                      <a:round/>
+                      <a:headEnd type="none" w="sm" len="sm"/>
+                      <a:tailEnd type="none" w="sm" len="sm"/>
+                    </a:lnB>
+                    <a:lnTlToBr w="12700" cmpd="sng">
+                      <a:noFill/>
+                      <a:prstDash val="solid"/>
+                    </a:lnTlToBr>
+                    <a:lnBlToTr w="12700" cmpd="sng">
+                      <a:noFill/>
+                      <a:prstDash val="solid"/>
+                    </a:lnBlToTr>
+                  </a:tcPr>
+                </a:tc>
+                <a:extLst>
+                  <a:ext uri="{0D108BD9-81ED-4DB2-BD59-A6C34878D82A}">
+                    <a16:rowId xmlns:a16="http://schemas.microsoft.com/office/drawing/2014/main" val="647218260"/>
+                  </a:ext>
+                </a:extLst>
+              </a:tr>
+            </a:tbl>
+          </a:graphicData>
+        </a:graphic>
+      </p:graphicFrame>
     </p:spTree>
     <p:extLst>
       <p:ext uri="{BB962C8B-B14F-4D97-AF65-F5344CB8AC3E}">
@@ -6175,6 +6587,218 @@
   <p:clrMapOvr>
     <a:masterClrMapping/>
   </p:clrMapOvr>
+  <p:timing>
+    <p:tnLst>
+      <p:par>
+        <p:cTn id="1" dur="indefinite" restart="never" nodeType="tmRoot">
+          <p:childTnLst>
+            <p:seq concurrent="1" nextAc="seek">
+              <p:cTn id="2" dur="indefinite" nodeType="mainSeq">
+                <p:childTnLst>
+                  <p:par>
+                    <p:cTn id="3" fill="hold">
+                      <p:stCondLst>
+                        <p:cond delay="indefinite"/>
+                      </p:stCondLst>
+                      <p:childTnLst>
+                        <p:par>
+                          <p:cTn id="4" fill="hold">
+                            <p:stCondLst>
+                              <p:cond delay="0"/>
+                            </p:stCondLst>
+                            <p:childTnLst>
+                              <p:par>
+                                <p:cTn id="5" presetID="10" presetClass="entr" presetSubtype="0" fill="hold" grpId="0" nodeType="clickEffect">
+                                  <p:stCondLst>
+                                    <p:cond delay="0"/>
+                                  </p:stCondLst>
+                                  <p:childTnLst>
+                                    <p:set>
+                                      <p:cBhvr>
+                                        <p:cTn id="6" dur="1" fill="hold">
+                                          <p:stCondLst>
+                                            <p:cond delay="0"/>
+                                          </p:stCondLst>
+                                        </p:cTn>
+                                        <p:tgtEl>
+                                          <p:spTgt spid="8"/>
+                                        </p:tgtEl>
+                                        <p:attrNameLst>
+                                          <p:attrName>style.visibility</p:attrName>
+                                        </p:attrNameLst>
+                                      </p:cBhvr>
+                                      <p:to>
+                                        <p:strVal val="visible"/>
+                                      </p:to>
+                                    </p:set>
+                                    <p:animEffect transition="in" filter="fade">
+                                      <p:cBhvr>
+                                        <p:cTn id="7" dur="500"/>
+                                        <p:tgtEl>
+                                          <p:spTgt spid="8"/>
+                                        </p:tgtEl>
+                                      </p:cBhvr>
+                                    </p:animEffect>
+                                  </p:childTnLst>
+                                </p:cTn>
+                              </p:par>
+                              <p:par>
+                                <p:cTn id="8" presetID="10" presetClass="entr" presetSubtype="0" fill="hold" grpId="0" nodeType="withEffect">
+                                  <p:stCondLst>
+                                    <p:cond delay="150"/>
+                                  </p:stCondLst>
+                                  <p:childTnLst>
+                                    <p:set>
+                                      <p:cBhvr>
+                                        <p:cTn id="9" dur="1" fill="hold">
+                                          <p:stCondLst>
+                                            <p:cond delay="0"/>
+                                          </p:stCondLst>
+                                        </p:cTn>
+                                        <p:tgtEl>
+                                          <p:spTgt spid="20"/>
+                                        </p:tgtEl>
+                                        <p:attrNameLst>
+                                          <p:attrName>style.visibility</p:attrName>
+                                        </p:attrNameLst>
+                                      </p:cBhvr>
+                                      <p:to>
+                                        <p:strVal val="visible"/>
+                                      </p:to>
+                                    </p:set>
+                                    <p:animEffect transition="in" filter="fade">
+                                      <p:cBhvr>
+                                        <p:cTn id="10" dur="500"/>
+                                        <p:tgtEl>
+                                          <p:spTgt spid="20"/>
+                                        </p:tgtEl>
+                                      </p:cBhvr>
+                                    </p:animEffect>
+                                  </p:childTnLst>
+                                </p:cTn>
+                              </p:par>
+                            </p:childTnLst>
+                          </p:cTn>
+                        </p:par>
+                      </p:childTnLst>
+                    </p:cTn>
+                  </p:par>
+                  <p:par>
+                    <p:cTn id="11" fill="hold">
+                      <p:stCondLst>
+                        <p:cond delay="indefinite"/>
+                      </p:stCondLst>
+                      <p:childTnLst>
+                        <p:par>
+                          <p:cTn id="12" fill="hold">
+                            <p:stCondLst>
+                              <p:cond delay="0"/>
+                            </p:stCondLst>
+                            <p:childTnLst>
+                              <p:par>
+                                <p:cTn id="13" presetID="10" presetClass="entr" presetSubtype="0" fill="hold" grpId="0" nodeType="clickEffect">
+                                  <p:stCondLst>
+                                    <p:cond delay="0"/>
+                                  </p:stCondLst>
+                                  <p:childTnLst>
+                                    <p:set>
+                                      <p:cBhvr>
+                                        <p:cTn id="14" dur="1" fill="hold">
+                                          <p:stCondLst>
+                                            <p:cond delay="0"/>
+                                          </p:stCondLst>
+                                        </p:cTn>
+                                        <p:tgtEl>
+                                          <p:spTgt spid="9"/>
+                                        </p:tgtEl>
+                                        <p:attrNameLst>
+                                          <p:attrName>style.visibility</p:attrName>
+                                        </p:attrNameLst>
+                                      </p:cBhvr>
+                                      <p:to>
+                                        <p:strVal val="visible"/>
+                                      </p:to>
+                                    </p:set>
+                                    <p:animEffect transition="in" filter="fade">
+                                      <p:cBhvr>
+                                        <p:cTn id="15" dur="500"/>
+                                        <p:tgtEl>
+                                          <p:spTgt spid="9"/>
+                                        </p:tgtEl>
+                                      </p:cBhvr>
+                                    </p:animEffect>
+                                  </p:childTnLst>
+                                </p:cTn>
+                              </p:par>
+                              <p:par>
+                                <p:cTn id="16" presetID="10" presetClass="entr" presetSubtype="0" fill="hold" grpId="0" nodeType="withEffect">
+                                  <p:stCondLst>
+                                    <p:cond delay="150"/>
+                                  </p:stCondLst>
+                                  <p:childTnLst>
+                                    <p:set>
+                                      <p:cBhvr>
+                                        <p:cTn id="17" dur="1" fill="hold">
+                                          <p:stCondLst>
+                                            <p:cond delay="0"/>
+                                          </p:stCondLst>
+                                        </p:cTn>
+                                        <p:tgtEl>
+                                          <p:spTgt spid="7"/>
+                                        </p:tgtEl>
+                                        <p:attrNameLst>
+                                          <p:attrName>style.visibility</p:attrName>
+                                        </p:attrNameLst>
+                                      </p:cBhvr>
+                                      <p:to>
+                                        <p:strVal val="visible"/>
+                                      </p:to>
+                                    </p:set>
+                                    <p:animEffect transition="in" filter="fade">
+                                      <p:cBhvr>
+                                        <p:cTn id="18" dur="500"/>
+                                        <p:tgtEl>
+                                          <p:spTgt spid="7"/>
+                                        </p:tgtEl>
+                                      </p:cBhvr>
+                                    </p:animEffect>
+                                  </p:childTnLst>
+                                </p:cTn>
+                              </p:par>
+                            </p:childTnLst>
+                          </p:cTn>
+                        </p:par>
+                      </p:childTnLst>
+                    </p:cTn>
+                  </p:par>
+                </p:childTnLst>
+              </p:cTn>
+              <p:prevCondLst>
+                <p:cond evt="onPrev" delay="0">
+                  <p:tgtEl>
+                    <p:sldTgt/>
+                  </p:tgtEl>
+                </p:cond>
+              </p:prevCondLst>
+              <p:nextCondLst>
+                <p:cond evt="onNext" delay="0">
+                  <p:tgtEl>
+                    <p:sldTgt/>
+                  </p:tgtEl>
+                </p:cond>
+              </p:nextCondLst>
+            </p:seq>
+          </p:childTnLst>
+        </p:cTn>
+      </p:par>
+    </p:tnLst>
+    <p:bldLst>
+      <p:bldP spid="20" grpId="0"/>
+      <p:bldP spid="7" grpId="0"/>
+      <p:bldP spid="8" grpId="0"/>
+      <p:bldP spid="9" grpId="0"/>
+    </p:bldLst>
+  </p:timing>
 </p:sld>
 </file>
 
@@ -8424,8 +9048,8 @@
         </p:nvSpPr>
         <p:spPr>
           <a:xfrm>
-            <a:off x="694267" y="1405467"/>
-            <a:ext cx="7349066" cy="3539430"/>
+            <a:off x="353683" y="696615"/>
+            <a:ext cx="7349066" cy="4885953"/>
           </a:xfrm>
           <a:prstGeom prst="rect">
             <a:avLst/>
@@ -8438,159 +9062,641 @@
           </a:bodyPr>
           <a:lstStyle/>
           <a:p>
-            <a:r>
-              <a:rPr lang="en-US" dirty="0"/>
-              <a:t>1 </a:t>
-            </a:r>
-            <a:r>
-              <a:rPr lang="en-US" b="1" dirty="0"/>
-              <a:t>The RNA-binding protein Sam68 is a multifunctional player in human cancer </a:t>
-            </a:r>
-          </a:p>
-          <a:p>
-            <a:r>
-              <a:rPr lang="en-US" dirty="0"/>
-              <a:t>2 </a:t>
-            </a:r>
-            <a:r>
-              <a:rPr lang="en-US" i="1" dirty="0">
-                <a:hlinkClick r:id="rId3"/>
-              </a:rPr>
-              <a:t>"Posttranscriptional regulation of cancer traits by </a:t>
-            </a:r>
-            <a:r>
-              <a:rPr lang="en-US" i="1" dirty="0" err="1">
-                <a:hlinkClick r:id="rId3"/>
+            <a:pPr defTabSz="806450">
+              <a:tabLst>
+                <a:tab pos="361950" algn="l"/>
+              </a:tabLst>
+            </a:pPr>
+            <a:r>
+              <a:rPr lang="en-US" sz="1000" dirty="0">
+                <a:latin typeface="DM Sans" pitchFamily="2" charset="0"/>
+              </a:rPr>
+              <a:t>[1] 	</a:t>
+            </a:r>
+            <a:r>
+              <a:rPr lang="en-US" sz="1000" dirty="0" err="1">
+                <a:latin typeface="DM Sans" pitchFamily="2" charset="0"/>
+              </a:rPr>
+              <a:t>Bielli</a:t>
+            </a:r>
+            <a:r>
+              <a:rPr lang="en-US" sz="1000" dirty="0">
+                <a:latin typeface="DM Sans" pitchFamily="2" charset="0"/>
+              </a:rPr>
+              <a:t>, P., </a:t>
+            </a:r>
+            <a:r>
+              <a:rPr lang="en-US" sz="1000" dirty="0" err="1">
+                <a:latin typeface="DM Sans" pitchFamily="2" charset="0"/>
+              </a:rPr>
+              <a:t>Busà</a:t>
+            </a:r>
+            <a:r>
+              <a:rPr lang="en-US" sz="1000" dirty="0">
+                <a:latin typeface="DM Sans" pitchFamily="2" charset="0"/>
+              </a:rPr>
+              <a:t>, R., </a:t>
+            </a:r>
+            <a:r>
+              <a:rPr lang="en-US" sz="1000" dirty="0" err="1">
+                <a:latin typeface="DM Sans" pitchFamily="2" charset="0"/>
+              </a:rPr>
+              <a:t>Paronetto</a:t>
+            </a:r>
+            <a:r>
+              <a:rPr lang="en-US" sz="1000" dirty="0">
+                <a:latin typeface="DM Sans" pitchFamily="2" charset="0"/>
+              </a:rPr>
+              <a:t>, M.P., and </a:t>
+            </a:r>
+            <a:r>
+              <a:rPr lang="en-US" sz="1000" dirty="0" err="1">
+                <a:latin typeface="DM Sans" pitchFamily="2" charset="0"/>
+              </a:rPr>
+              <a:t>Sette</a:t>
+            </a:r>
+            <a:r>
+              <a:rPr lang="en-US" sz="1000" dirty="0">
+                <a:latin typeface="DM Sans" pitchFamily="2" charset="0"/>
+              </a:rPr>
+              <a:t>, C. (2011). The RNA-binding protein Sam68 is a multifunctional player in 	human cancer. </a:t>
+            </a:r>
+            <a:r>
+              <a:rPr lang="en-US" sz="1000" dirty="0" err="1">
+                <a:latin typeface="DM Sans" pitchFamily="2" charset="0"/>
+              </a:rPr>
+              <a:t>Endocr</a:t>
+            </a:r>
+            <a:r>
+              <a:rPr lang="en-US" sz="1000" dirty="0">
+                <a:latin typeface="DM Sans" pitchFamily="2" charset="0"/>
+              </a:rPr>
+              <a:t> </a:t>
+            </a:r>
+            <a:r>
+              <a:rPr lang="en-US" sz="1000" dirty="0" err="1">
+                <a:latin typeface="DM Sans" pitchFamily="2" charset="0"/>
+              </a:rPr>
+              <a:t>Relat</a:t>
+            </a:r>
+            <a:r>
+              <a:rPr lang="en-US" sz="1000" dirty="0">
+                <a:latin typeface="DM Sans" pitchFamily="2" charset="0"/>
+              </a:rPr>
+              <a:t> Cancer</a:t>
+            </a:r>
+            <a:r>
+              <a:rPr lang="en-US" sz="1000" i="1" dirty="0">
+                <a:latin typeface="DM Sans" pitchFamily="2" charset="0"/>
+              </a:rPr>
+              <a:t> 18</a:t>
+            </a:r>
+            <a:r>
+              <a:rPr lang="en-US" sz="1000" dirty="0">
+                <a:latin typeface="DM Sans" pitchFamily="2" charset="0"/>
+              </a:rPr>
+              <a:t>, R91-r102.</a:t>
+            </a:r>
+          </a:p>
+          <a:p>
+            <a:endParaRPr lang="en-US" sz="1000" dirty="0">
+              <a:latin typeface="DM Sans" pitchFamily="2" charset="0"/>
+            </a:endParaRPr>
+          </a:p>
+          <a:p>
+            <a:pPr defTabSz="361950"/>
+            <a:r>
+              <a:rPr lang="en-US" sz="1000" dirty="0">
+                <a:latin typeface="DM Sans" pitchFamily="2" charset="0"/>
+              </a:rPr>
+              <a:t>[2]</a:t>
+            </a:r>
+            <a:r>
+              <a:rPr lang="en-US" sz="1000" i="1" dirty="0">
+                <a:latin typeface="DM Sans" pitchFamily="2" charset="0"/>
+              </a:rPr>
+              <a:t> 	</a:t>
+            </a:r>
+            <a:r>
+              <a:rPr lang="en-US" sz="1000" dirty="0" err="1">
+                <a:latin typeface="DM Sans" pitchFamily="2" charset="0"/>
+              </a:rPr>
+              <a:t>Abdelmohsen</a:t>
+            </a:r>
+            <a:r>
+              <a:rPr lang="en-US" sz="1000" dirty="0">
+                <a:latin typeface="DM Sans" pitchFamily="2" charset="0"/>
+              </a:rPr>
+              <a:t>, K., and Gorospe, M. (2010). Posttranscriptional regulation of cancer traits by </a:t>
+            </a:r>
+            <a:r>
+              <a:rPr lang="en-US" sz="1000" dirty="0" err="1">
+                <a:latin typeface="DM Sans" pitchFamily="2" charset="0"/>
               </a:rPr>
               <a:t>HuR</a:t>
             </a:r>
             <a:r>
-              <a:rPr lang="en-US" i="1" dirty="0">
-                <a:hlinkClick r:id="rId3"/>
-              </a:rPr>
-              <a:t>“</a:t>
-            </a:r>
-            <a:endParaRPr lang="en-US" i="1" dirty="0"/>
-          </a:p>
-          <a:p>
-            <a:r>
-              <a:rPr lang="en-US" i="1" dirty="0"/>
-              <a:t>3 </a:t>
-            </a:r>
-            <a:r>
-              <a:rPr lang="en-US" i="1" dirty="0">
-                <a:hlinkClick r:id="rId4"/>
-              </a:rPr>
-              <a:t>"The RNA binding protein FXR1 is a new driver in the 3q26-29 amplicon and predicts poor prognosis in human cancers“</a:t>
-            </a:r>
-            <a:endParaRPr lang="en-US" i="1" dirty="0"/>
-          </a:p>
-          <a:p>
-            <a:r>
-              <a:rPr lang="en-US" i="1" dirty="0"/>
-              <a:t>4 </a:t>
-            </a:r>
-            <a:r>
-              <a:rPr lang="en-US" i="1" dirty="0">
-                <a:hlinkClick r:id="rId5"/>
-              </a:rPr>
-              <a:t>"UHMK1 promotes gastric cancer progression through reprogramming nucleotide metabolism“</a:t>
-            </a:r>
-            <a:endParaRPr lang="en-US" i="1" dirty="0"/>
-          </a:p>
-          <a:p>
-            <a:r>
-              <a:rPr lang="en-US" i="1" dirty="0"/>
-              <a:t>5 </a:t>
-            </a:r>
-            <a:r>
-              <a:rPr lang="en-US" i="1" dirty="0">
-                <a:hlinkClick r:id="rId6"/>
-              </a:rPr>
-              <a:t>"Comprehensive Genomic Characterization of RNA-Binding Proteins across Human Cancers“</a:t>
-            </a:r>
-            <a:endParaRPr lang="en-US" i="1" dirty="0"/>
-          </a:p>
-          <a:p>
-            <a:r>
-              <a:rPr lang="en-US" i="1" dirty="0"/>
-              <a:t>6 </a:t>
-            </a:r>
-            <a:r>
-              <a:rPr lang="en-US" dirty="0">
-                <a:effectLst/>
-                <a:latin typeface="Arial" panose="020B0604020202020204" pitchFamily="34" charset="0"/>
-              </a:rPr>
-              <a:t>RNA-Binding Proteins Hold Key Roles in Function,</a:t>
-            </a:r>
-            <a:br>
-              <a:rPr lang="en-US" dirty="0"/>
-            </a:br>
-            <a:r>
-              <a:rPr lang="en-US" dirty="0">
-                <a:effectLst/>
-                <a:latin typeface="Arial" panose="020B0604020202020204" pitchFamily="34" charset="0"/>
-              </a:rPr>
-              <a:t>Dysfunction, and Disease</a:t>
-            </a:r>
-          </a:p>
-          <a:p>
-            <a:r>
-              <a:rPr lang="en-US" dirty="0">
-                <a:latin typeface="Arial" panose="020B0604020202020204" pitchFamily="34" charset="0"/>
-              </a:rPr>
-              <a:t>7 </a:t>
-            </a:r>
-            <a:r>
-              <a:rPr lang="en-US" b="1" dirty="0"/>
-              <a:t>RNA-binding proteins in human genetic disease</a:t>
-            </a:r>
-          </a:p>
-          <a:p>
-            <a:r>
-              <a:rPr lang="en-US" b="1" dirty="0"/>
-              <a:t>8 </a:t>
-            </a:r>
-            <a:r>
-              <a:rPr lang="en-US" dirty="0">
-                <a:effectLst/>
-                <a:latin typeface="Times New Roman" panose="02020603050405020304" pitchFamily="18" charset="0"/>
-              </a:rPr>
-              <a:t>Dysregulation of RNA Binding Protein</a:t>
-            </a:r>
-            <a:br>
-              <a:rPr lang="en-US" dirty="0"/>
-            </a:br>
-            <a:r>
-              <a:rPr lang="en-US" dirty="0">
-                <a:effectLst/>
-                <a:latin typeface="Times New Roman" panose="02020603050405020304" pitchFamily="18" charset="0"/>
-              </a:rPr>
-              <a:t>Aggregation in Neurodegenerative</a:t>
-            </a:r>
-            <a:br>
-              <a:rPr lang="en-US" dirty="0"/>
-            </a:br>
-            <a:r>
-              <a:rPr lang="en-US" dirty="0">
-                <a:effectLst/>
-                <a:latin typeface="Times New Roman" panose="02020603050405020304" pitchFamily="18" charset="0"/>
-              </a:rPr>
-              <a:t>Disorders</a:t>
-            </a:r>
-          </a:p>
-          <a:p>
-            <a:endParaRPr lang="en-US" b="1" dirty="0"/>
-          </a:p>
-          <a:p>
-            <a:endParaRPr lang="en-US" dirty="0"/>
+              <a:rPr lang="en-US" sz="1000" dirty="0">
+                <a:latin typeface="DM Sans" pitchFamily="2" charset="0"/>
+              </a:rPr>
+              <a:t>. Wiley </a:t>
+            </a:r>
+            <a:r>
+              <a:rPr lang="en-US" sz="1000" dirty="0" err="1">
+                <a:latin typeface="DM Sans" pitchFamily="2" charset="0"/>
+              </a:rPr>
+              <a:t>Interdiscip</a:t>
+            </a:r>
+            <a:r>
+              <a:rPr lang="en-US" sz="1000" dirty="0">
+                <a:latin typeface="DM Sans" pitchFamily="2" charset="0"/>
+              </a:rPr>
+              <a:t> 	Rev RNA</a:t>
+            </a:r>
+            <a:r>
+              <a:rPr lang="en-US" sz="1000" i="1" dirty="0">
+                <a:latin typeface="DM Sans" pitchFamily="2" charset="0"/>
+              </a:rPr>
+              <a:t> 1</a:t>
+            </a:r>
+            <a:r>
+              <a:rPr lang="en-US" sz="1000" dirty="0">
+                <a:latin typeface="DM Sans" pitchFamily="2" charset="0"/>
+              </a:rPr>
+              <a:t>, 214-229.</a:t>
+            </a:r>
+          </a:p>
+          <a:p>
+            <a:endParaRPr lang="en-US" sz="1000" dirty="0">
+              <a:latin typeface="DM Sans" pitchFamily="2" charset="0"/>
+            </a:endParaRPr>
+          </a:p>
+          <a:p>
+            <a:pPr>
+              <a:tabLst>
+                <a:tab pos="361950" algn="l"/>
+              </a:tabLst>
+            </a:pPr>
+            <a:r>
+              <a:rPr lang="en-US" sz="1000" dirty="0">
+                <a:latin typeface="DM Sans" pitchFamily="2" charset="0"/>
+              </a:rPr>
+              <a:t>[3]</a:t>
+            </a:r>
+            <a:r>
+              <a:rPr lang="en-US" sz="1000" i="1" dirty="0">
+                <a:latin typeface="DM Sans" pitchFamily="2" charset="0"/>
+              </a:rPr>
+              <a:t> 	</a:t>
+            </a:r>
+            <a:r>
+              <a:rPr lang="en-US" sz="1000" dirty="0">
+                <a:latin typeface="DM Sans" pitchFamily="2" charset="0"/>
+              </a:rPr>
+              <a:t>Qian, J., </a:t>
+            </a:r>
+            <a:r>
+              <a:rPr lang="en-US" sz="1000" dirty="0" err="1">
+                <a:latin typeface="DM Sans" pitchFamily="2" charset="0"/>
+              </a:rPr>
+              <a:t>Hassanein</a:t>
+            </a:r>
+            <a:r>
+              <a:rPr lang="en-US" sz="1000" dirty="0">
+                <a:latin typeface="DM Sans" pitchFamily="2" charset="0"/>
+              </a:rPr>
+              <a:t>, M., Hoeksema, M.D., Harris, B.K., Zou, Y., Chen, H., Lu, P., Eisenberg, R., Wang, J., Espinosa, A.</a:t>
+            </a:r>
+            <a:r>
+              <a:rPr lang="en-US" sz="1000" i="1" dirty="0">
+                <a:latin typeface="DM Sans" pitchFamily="2" charset="0"/>
+              </a:rPr>
+              <a:t>, et al.</a:t>
+            </a:r>
+            <a:r>
+              <a:rPr lang="en-US" sz="1000" dirty="0">
+                <a:latin typeface="DM Sans" pitchFamily="2" charset="0"/>
+              </a:rPr>
+              <a:t> 	(2015). The RNA binding protein FXR1 is a new driver in the 3q26-29 amplicon and predicts poor prognosis in human 	cancers. Proc Natl </a:t>
+            </a:r>
+            <a:r>
+              <a:rPr lang="en-US" sz="1000" dirty="0" err="1">
+                <a:latin typeface="DM Sans" pitchFamily="2" charset="0"/>
+              </a:rPr>
+              <a:t>Acad</a:t>
+            </a:r>
+            <a:r>
+              <a:rPr lang="en-US" sz="1000" dirty="0">
+                <a:latin typeface="DM Sans" pitchFamily="2" charset="0"/>
+              </a:rPr>
+              <a:t> Sci U S A</a:t>
+            </a:r>
+            <a:r>
+              <a:rPr lang="en-US" sz="1000" i="1" dirty="0">
+                <a:latin typeface="DM Sans" pitchFamily="2" charset="0"/>
+              </a:rPr>
+              <a:t> 112</a:t>
+            </a:r>
+            <a:r>
+              <a:rPr lang="en-US" sz="1000" dirty="0">
+                <a:latin typeface="DM Sans" pitchFamily="2" charset="0"/>
+              </a:rPr>
+              <a:t>, 3469-3474.</a:t>
+            </a:r>
+          </a:p>
+          <a:p>
+            <a:endParaRPr lang="en-US" sz="1000" dirty="0">
+              <a:latin typeface="DM Sans" pitchFamily="2" charset="0"/>
+            </a:endParaRPr>
+          </a:p>
+          <a:p>
+            <a:pPr>
+              <a:tabLst>
+                <a:tab pos="361950" algn="l"/>
+              </a:tabLst>
+            </a:pPr>
+            <a:r>
+              <a:rPr lang="en-US" sz="1000" dirty="0">
+                <a:latin typeface="DM Sans" pitchFamily="2" charset="0"/>
+              </a:rPr>
+              <a:t>[4]</a:t>
+            </a:r>
+            <a:r>
+              <a:rPr lang="en-US" sz="1000" i="1" dirty="0">
+                <a:latin typeface="DM Sans" pitchFamily="2" charset="0"/>
+              </a:rPr>
+              <a:t> 	</a:t>
+            </a:r>
+            <a:r>
+              <a:rPr lang="en-US" sz="1000" dirty="0">
+                <a:latin typeface="DM Sans" pitchFamily="2" charset="0"/>
+              </a:rPr>
+              <a:t>Feng, X., Ma, D., Zhao, J., Song, Y., Zhu, Y., Zhou, Q., Ma, F., Liu, X., Zhong, M., Liu, Y.</a:t>
+            </a:r>
+            <a:r>
+              <a:rPr lang="en-US" sz="1000" i="1" dirty="0">
+                <a:latin typeface="DM Sans" pitchFamily="2" charset="0"/>
+              </a:rPr>
+              <a:t>, et al.</a:t>
+            </a:r>
+            <a:r>
+              <a:rPr lang="en-US" sz="1000" dirty="0">
+                <a:latin typeface="DM Sans" pitchFamily="2" charset="0"/>
+              </a:rPr>
+              <a:t> (2020). UHMK1 promotes gastric 	cancer progression through reprogramming nucleotide metabolism. </a:t>
+            </a:r>
+            <a:r>
+              <a:rPr lang="en-US" sz="1000" dirty="0" err="1">
+                <a:latin typeface="DM Sans" pitchFamily="2" charset="0"/>
+              </a:rPr>
+              <a:t>Embo</a:t>
+            </a:r>
+            <a:r>
+              <a:rPr lang="en-US" sz="1000" dirty="0">
+                <a:latin typeface="DM Sans" pitchFamily="2" charset="0"/>
+              </a:rPr>
+              <a:t> j</a:t>
+            </a:r>
+            <a:r>
+              <a:rPr lang="en-US" sz="1000" i="1" dirty="0">
+                <a:latin typeface="DM Sans" pitchFamily="2" charset="0"/>
+              </a:rPr>
+              <a:t> 39</a:t>
+            </a:r>
+            <a:r>
+              <a:rPr lang="en-US" sz="1000" dirty="0">
+                <a:latin typeface="DM Sans" pitchFamily="2" charset="0"/>
+              </a:rPr>
+              <a:t>, e102541.</a:t>
+            </a:r>
+          </a:p>
+          <a:p>
+            <a:endParaRPr lang="en-US" sz="1000" dirty="0">
+              <a:latin typeface="DM Sans" pitchFamily="2" charset="0"/>
+            </a:endParaRPr>
+          </a:p>
+          <a:p>
+            <a:pPr defTabSz="361950"/>
+            <a:r>
+              <a:rPr lang="en-US" sz="1000" dirty="0">
+                <a:latin typeface="DM Sans" pitchFamily="2" charset="0"/>
+              </a:rPr>
+              <a:t>[5] 	Wang, Z.L., Li, B., Luo, Y.X., Lin, Q., Liu, S.R., Zhang, X.Q., Zhou, H., Yang, J.H., and Qu, L.H. (2018). Comprehensive Genomic 	Characterization of RNA-Binding Proteins across Human Cancers. Cell Rep</a:t>
+            </a:r>
+            <a:r>
+              <a:rPr lang="en-US" sz="1000" i="1" dirty="0">
+                <a:latin typeface="DM Sans" pitchFamily="2" charset="0"/>
+              </a:rPr>
+              <a:t> 22</a:t>
+            </a:r>
+            <a:r>
+              <a:rPr lang="en-US" sz="1000" dirty="0">
+                <a:latin typeface="DM Sans" pitchFamily="2" charset="0"/>
+              </a:rPr>
+              <a:t>, 286-298.</a:t>
+            </a:r>
+          </a:p>
+          <a:p>
+            <a:endParaRPr lang="en-US" sz="1000" dirty="0">
+              <a:latin typeface="DM Sans" pitchFamily="2" charset="0"/>
+            </a:endParaRPr>
+          </a:p>
+          <a:p>
+            <a:pPr defTabSz="361950"/>
+            <a:r>
+              <a:rPr lang="en-US" sz="1000" dirty="0">
+                <a:latin typeface="DM Sans" pitchFamily="2" charset="0"/>
+              </a:rPr>
+              <a:t>[6] 	</a:t>
+            </a:r>
+            <a:r>
+              <a:rPr lang="en-US" sz="1000" dirty="0" err="1">
+                <a:latin typeface="DM Sans" pitchFamily="2" charset="0"/>
+              </a:rPr>
+              <a:t>Kelaini</a:t>
+            </a:r>
+            <a:r>
+              <a:rPr lang="en-US" sz="1000" dirty="0">
+                <a:latin typeface="DM Sans" pitchFamily="2" charset="0"/>
+              </a:rPr>
+              <a:t>, S., Chan, C., Cornelius, V.A., and </a:t>
+            </a:r>
+            <a:r>
+              <a:rPr lang="en-US" sz="1000" dirty="0" err="1">
+                <a:latin typeface="DM Sans" pitchFamily="2" charset="0"/>
+              </a:rPr>
+              <a:t>Margariti</a:t>
+            </a:r>
+            <a:r>
+              <a:rPr lang="en-US" sz="1000" dirty="0">
+                <a:latin typeface="DM Sans" pitchFamily="2" charset="0"/>
+              </a:rPr>
+              <a:t>, A. (2021). RNA-Binding Proteins Hold Key Roles in Function, 	Dysfunction, and Disease. Biology (Basel)</a:t>
+            </a:r>
+            <a:r>
+              <a:rPr lang="en-US" sz="1000" i="1" dirty="0">
+                <a:latin typeface="DM Sans" pitchFamily="2" charset="0"/>
+              </a:rPr>
+              <a:t> 10</a:t>
+            </a:r>
+            <a:r>
+              <a:rPr lang="en-US" sz="1000" dirty="0">
+                <a:latin typeface="DM Sans" pitchFamily="2" charset="0"/>
+              </a:rPr>
+              <a:t>.</a:t>
+            </a:r>
+          </a:p>
+          <a:p>
+            <a:endParaRPr lang="en-US" sz="1000" dirty="0">
+              <a:latin typeface="DM Sans" pitchFamily="2" charset="0"/>
+            </a:endParaRPr>
+          </a:p>
+          <a:p>
+            <a:pPr defTabSz="361950"/>
+            <a:r>
+              <a:rPr lang="en-US" sz="1000" dirty="0">
+                <a:latin typeface="DM Sans" pitchFamily="2" charset="0"/>
+              </a:rPr>
+              <a:t>[7]	</a:t>
+            </a:r>
+            <a:r>
+              <a:rPr lang="en-US" sz="1000" dirty="0" err="1">
+                <a:latin typeface="DM Sans" pitchFamily="2" charset="0"/>
+              </a:rPr>
+              <a:t>Gebauer</a:t>
+            </a:r>
+            <a:r>
+              <a:rPr lang="en-US" sz="1000" dirty="0">
+                <a:latin typeface="DM Sans" pitchFamily="2" charset="0"/>
+              </a:rPr>
+              <a:t>, F., </a:t>
+            </a:r>
+            <a:r>
+              <a:rPr lang="en-US" sz="1000" dirty="0" err="1">
+                <a:latin typeface="DM Sans" pitchFamily="2" charset="0"/>
+              </a:rPr>
+              <a:t>Schwarzl</a:t>
+            </a:r>
+            <a:r>
+              <a:rPr lang="en-US" sz="1000" dirty="0">
+                <a:latin typeface="DM Sans" pitchFamily="2" charset="0"/>
+              </a:rPr>
+              <a:t>, T., </a:t>
+            </a:r>
+            <a:r>
+              <a:rPr lang="en-US" sz="1000" dirty="0" err="1">
+                <a:latin typeface="DM Sans" pitchFamily="2" charset="0"/>
+              </a:rPr>
+              <a:t>Valcárcel</a:t>
+            </a:r>
+            <a:r>
+              <a:rPr lang="en-US" sz="1000" dirty="0">
+                <a:latin typeface="DM Sans" pitchFamily="2" charset="0"/>
+              </a:rPr>
+              <a:t>, J., and </a:t>
+            </a:r>
+            <a:r>
+              <a:rPr lang="en-US" sz="1000" dirty="0" err="1">
+                <a:latin typeface="DM Sans" pitchFamily="2" charset="0"/>
+              </a:rPr>
+              <a:t>Hentze</a:t>
+            </a:r>
+            <a:r>
+              <a:rPr lang="en-US" sz="1000" dirty="0">
+                <a:latin typeface="DM Sans" pitchFamily="2" charset="0"/>
+              </a:rPr>
+              <a:t>, M.W. (2021). RNA-binding proteins in human genetic disease. 	Nature Reviews Genetics</a:t>
+            </a:r>
+            <a:r>
+              <a:rPr lang="en-US" sz="1000" i="1" dirty="0">
+                <a:latin typeface="DM Sans" pitchFamily="2" charset="0"/>
+              </a:rPr>
+              <a:t> 22</a:t>
+            </a:r>
+            <a:r>
+              <a:rPr lang="en-US" sz="1000" dirty="0">
+                <a:latin typeface="DM Sans" pitchFamily="2" charset="0"/>
+              </a:rPr>
+              <a:t>, 185-198.</a:t>
+            </a:r>
+          </a:p>
+          <a:p>
+            <a:endParaRPr lang="en-US" sz="1000" dirty="0">
+              <a:latin typeface="DM Sans" pitchFamily="2" charset="0"/>
+            </a:endParaRPr>
+          </a:p>
+          <a:p>
+            <a:pPr defTabSz="361950"/>
+            <a:r>
+              <a:rPr lang="en-US" sz="1000" dirty="0">
+                <a:latin typeface="DM Sans" pitchFamily="2" charset="0"/>
+              </a:rPr>
+              <a:t>[8]	</a:t>
+            </a:r>
+            <a:r>
+              <a:rPr lang="en-US" sz="1000" dirty="0" err="1">
+                <a:latin typeface="DM Sans" pitchFamily="2" charset="0"/>
+              </a:rPr>
+              <a:t>Maziuk</a:t>
+            </a:r>
+            <a:r>
+              <a:rPr lang="en-US" sz="1000" dirty="0">
+                <a:latin typeface="DM Sans" pitchFamily="2" charset="0"/>
+              </a:rPr>
+              <a:t>, B., Ballance, H.I., and </a:t>
+            </a:r>
+            <a:r>
+              <a:rPr lang="en-US" sz="1000" dirty="0" err="1">
+                <a:latin typeface="DM Sans" pitchFamily="2" charset="0"/>
+              </a:rPr>
+              <a:t>Wolozin</a:t>
+            </a:r>
+            <a:r>
+              <a:rPr lang="en-US" sz="1000" dirty="0">
+                <a:latin typeface="DM Sans" pitchFamily="2" charset="0"/>
+              </a:rPr>
+              <a:t>, B. (2017). Dysregulation of RNA Binding Protein Aggregation in 	Neurodegenerative Disorders. 	Front Mol </a:t>
+            </a:r>
+            <a:r>
+              <a:rPr lang="en-US" sz="1000" dirty="0" err="1">
+                <a:latin typeface="DM Sans" pitchFamily="2" charset="0"/>
+              </a:rPr>
+              <a:t>Neurosci</a:t>
+            </a:r>
+            <a:r>
+              <a:rPr lang="en-US" sz="1000" i="1" dirty="0">
+                <a:latin typeface="DM Sans" pitchFamily="2" charset="0"/>
+              </a:rPr>
+              <a:t> 10</a:t>
+            </a:r>
+            <a:r>
+              <a:rPr lang="en-US" sz="1000" dirty="0">
+                <a:latin typeface="DM Sans" pitchFamily="2" charset="0"/>
+              </a:rPr>
+              <a:t>, 89.</a:t>
+            </a:r>
+          </a:p>
+          <a:p>
+            <a:pPr defTabSz="361950"/>
+            <a:endParaRPr lang="en-US" sz="1000" dirty="0">
+              <a:latin typeface="DM Sans" pitchFamily="2" charset="0"/>
+            </a:endParaRPr>
+          </a:p>
+          <a:p>
+            <a:pPr defTabSz="361950"/>
+            <a:r>
+              <a:rPr lang="en-US" sz="1000" dirty="0">
+                <a:latin typeface="DM Sans" pitchFamily="2" charset="0"/>
+              </a:rPr>
+              <a:t>[9]	</a:t>
+            </a:r>
+            <a:r>
+              <a:rPr lang="en-US" sz="1000" dirty="0" err="1">
+                <a:latin typeface="DM Sans" pitchFamily="2" charset="0"/>
+              </a:rPr>
+              <a:t>Caudron</a:t>
+            </a:r>
+            <a:r>
+              <a:rPr lang="en-US" sz="1000" dirty="0">
+                <a:latin typeface="DM Sans" pitchFamily="2" charset="0"/>
+              </a:rPr>
+              <a:t>-Herger, M., </a:t>
+            </a:r>
+            <a:r>
+              <a:rPr lang="en-US" sz="1000" dirty="0" err="1">
+                <a:latin typeface="DM Sans" pitchFamily="2" charset="0"/>
+              </a:rPr>
+              <a:t>Rusin</a:t>
+            </a:r>
+            <a:r>
+              <a:rPr lang="en-US" sz="1000" dirty="0">
+                <a:latin typeface="DM Sans" pitchFamily="2" charset="0"/>
+              </a:rPr>
+              <a:t>, S.F., Adamo, M.E., Seiler, J., Schmid, V.K., </a:t>
+            </a:r>
+            <a:r>
+              <a:rPr lang="en-US" sz="1000" dirty="0" err="1">
+                <a:latin typeface="DM Sans" pitchFamily="2" charset="0"/>
+              </a:rPr>
+              <a:t>Barreau</a:t>
+            </a:r>
+            <a:r>
+              <a:rPr lang="en-US" sz="1000" dirty="0">
+                <a:latin typeface="DM Sans" pitchFamily="2" charset="0"/>
+              </a:rPr>
+              <a:t>, E., </a:t>
+            </a:r>
+            <a:r>
+              <a:rPr lang="en-US" sz="1000" dirty="0" err="1">
+                <a:latin typeface="DM Sans" pitchFamily="2" charset="0"/>
+              </a:rPr>
+              <a:t>Kettenbach</a:t>
+            </a:r>
+            <a:r>
+              <a:rPr lang="en-US" sz="1000" dirty="0">
+                <a:latin typeface="DM Sans" pitchFamily="2" charset="0"/>
+              </a:rPr>
+              <a:t>, A.N., and </a:t>
+            </a:r>
+            <a:r>
+              <a:rPr lang="en-US" sz="1000" dirty="0" err="1">
+                <a:latin typeface="DM Sans" pitchFamily="2" charset="0"/>
+              </a:rPr>
+              <a:t>Diederichs</a:t>
+            </a:r>
+            <a:r>
+              <a:rPr lang="en-US" sz="1000" dirty="0">
+                <a:latin typeface="DM Sans" pitchFamily="2" charset="0"/>
+              </a:rPr>
+              <a:t>, S. 	(2019). R-</a:t>
+            </a:r>
+            <a:r>
+              <a:rPr lang="en-US" sz="1000" dirty="0" err="1">
+                <a:latin typeface="DM Sans" pitchFamily="2" charset="0"/>
+              </a:rPr>
+              <a:t>DeeP</a:t>
+            </a:r>
+            <a:r>
+              <a:rPr lang="en-US" sz="1000" dirty="0">
+                <a:latin typeface="DM Sans" pitchFamily="2" charset="0"/>
+              </a:rPr>
+              <a:t>: Proteome-wide and Quantitative Identification of RNA-Dependent Proteins by Density Gradient 	Ultracentrifugation. Mol Cell</a:t>
+            </a:r>
+            <a:r>
+              <a:rPr lang="en-US" sz="1000" i="1" dirty="0">
+                <a:latin typeface="DM Sans" pitchFamily="2" charset="0"/>
+              </a:rPr>
+              <a:t> 75</a:t>
+            </a:r>
+            <a:r>
+              <a:rPr lang="en-US" sz="1000" dirty="0">
+                <a:latin typeface="DM Sans" pitchFamily="2" charset="0"/>
+              </a:rPr>
+              <a:t>, 184-199.e110.</a:t>
+            </a:r>
+          </a:p>
+          <a:p>
+            <a:pPr defTabSz="361950"/>
+            <a:endParaRPr lang="en-US" sz="1050" i="1" dirty="0">
+              <a:latin typeface="DM Sans" pitchFamily="2" charset="0"/>
+            </a:endParaRPr>
+          </a:p>
+          <a:p>
+            <a:endParaRPr lang="en-US" sz="1050" i="1" dirty="0">
+              <a:latin typeface="DM Sans" pitchFamily="2" charset="0"/>
+            </a:endParaRPr>
+          </a:p>
+          <a:p>
+            <a:endParaRPr lang="en-US" sz="1050" dirty="0">
+              <a:latin typeface="DM Sans" pitchFamily="2" charset="0"/>
+            </a:endParaRPr>
           </a:p>
         </p:txBody>
       </p:sp>
     </p:spTree>
     <p:extLst>
       <p:ext uri="{BB962C8B-B14F-4D97-AF65-F5344CB8AC3E}">
-        <p14:creationId xmlns:p14="http://schemas.microsoft.com/office/powerpoint/2010/main" val="528917886"/>
+        <p14:creationId xmlns:p14="http://schemas.microsoft.com/office/powerpoint/2010/main" val="4271674369"/>
       </p:ext>
     </p:extLst>
   </p:cSld>

--- a/projectproposal/PP.pptx
+++ b/projectproposal/PP.pptx
@@ -1007,7 +1007,39 @@
           <a:p>
             <a:r>
               <a:rPr lang="de-DE" dirty="0"/>
-              <a:t>Transition: “</a:t>
+              <a:t>Transition: “in </a:t>
+            </a:r>
+            <a:r>
+              <a:rPr lang="de-DE" dirty="0" err="1"/>
+              <a:t>the</a:t>
+            </a:r>
+            <a:r>
+              <a:rPr lang="de-DE" dirty="0"/>
+              <a:t> </a:t>
+            </a:r>
+            <a:r>
+              <a:rPr lang="de-DE" dirty="0" err="1"/>
+              <a:t>following</a:t>
+            </a:r>
+            <a:r>
+              <a:rPr lang="de-DE" dirty="0"/>
+              <a:t> </a:t>
+            </a:r>
+            <a:r>
+              <a:rPr lang="de-DE" dirty="0" err="1"/>
+              <a:t>we</a:t>
+            </a:r>
+            <a:r>
+              <a:rPr lang="de-DE" dirty="0"/>
+              <a:t> will </a:t>
+            </a:r>
+            <a:r>
+              <a:rPr lang="de-DE" dirty="0" err="1"/>
+              <a:t>explain</a:t>
+            </a:r>
+            <a:r>
+              <a:rPr lang="de-DE" dirty="0"/>
+              <a:t> </a:t>
             </a:r>
             <a:r>
               <a:rPr lang="de-DE" dirty="0" err="1"/>
@@ -1019,14 +1051,6 @@
             </a:r>
             <a:r>
               <a:rPr lang="de-DE" dirty="0" err="1"/>
-              <a:t>we</a:t>
-            </a:r>
-            <a:r>
-              <a:rPr lang="de-DE" dirty="0"/>
-              <a:t> plan </a:t>
-            </a:r>
-            <a:r>
-              <a:rPr lang="de-DE" dirty="0" err="1"/>
               <a:t>to</a:t>
             </a:r>
             <a:r>
@@ -1071,39 +1095,7 @@
             </a:r>
             <a:r>
               <a:rPr lang="de-DE" dirty="0"/>
-              <a:t> will </a:t>
-            </a:r>
-            <a:r>
-              <a:rPr lang="de-DE" dirty="0" err="1"/>
-              <a:t>now</a:t>
-            </a:r>
-            <a:r>
-              <a:rPr lang="de-DE" dirty="0"/>
-              <a:t> </a:t>
-            </a:r>
-            <a:r>
-              <a:rPr lang="de-DE" dirty="0" err="1"/>
-              <a:t>be</a:t>
-            </a:r>
-            <a:r>
-              <a:rPr lang="de-DE" dirty="0"/>
-              <a:t> </a:t>
-            </a:r>
-            <a:r>
-              <a:rPr lang="de-DE" dirty="0" err="1"/>
-              <a:t>explained</a:t>
-            </a:r>
-            <a:r>
-              <a:rPr lang="de-DE" dirty="0"/>
-              <a:t> </a:t>
-            </a:r>
-            <a:r>
-              <a:rPr lang="de-DE" dirty="0" err="1"/>
-              <a:t>by</a:t>
-            </a:r>
-            <a:r>
-              <a:rPr lang="de-DE" dirty="0"/>
-              <a:t> Michel...“ </a:t>
+              <a:t>...“ </a:t>
             </a:r>
           </a:p>
         </p:txBody>

--- a/projectproposal/PP.pptx
+++ b/projectproposal/PP.pptx
@@ -1170,7 +1170,193 @@
           <a:bodyPr/>
           <a:lstStyle/>
           <a:p>
+            <a:r>
+              <a:rPr lang="de-DE" dirty="0"/>
+              <a:t>Analysis </a:t>
+            </a:r>
+            <a:r>
+              <a:rPr lang="de-DE" dirty="0" err="1"/>
+              <a:t>constist</a:t>
+            </a:r>
+            <a:r>
+              <a:rPr lang="de-DE" dirty="0"/>
+              <a:t> </a:t>
+            </a:r>
+            <a:r>
+              <a:rPr lang="de-DE" dirty="0" err="1"/>
+              <a:t>of</a:t>
+            </a:r>
+            <a:r>
+              <a:rPr lang="de-DE" dirty="0"/>
+              <a:t> 5 </a:t>
+            </a:r>
+            <a:r>
+              <a:rPr lang="de-DE" dirty="0" err="1"/>
+              <a:t>steps</a:t>
+            </a:r>
             <a:endParaRPr lang="de-DE" dirty="0"/>
+          </a:p>
+          <a:p>
+            <a:r>
+              <a:rPr lang="de-DE" dirty="0"/>
+              <a:t>The </a:t>
+            </a:r>
+            <a:r>
+              <a:rPr lang="de-DE" dirty="0" err="1"/>
+              <a:t>first</a:t>
+            </a:r>
+            <a:r>
+              <a:rPr lang="de-DE" dirty="0"/>
+              <a:t> </a:t>
+            </a:r>
+            <a:r>
+              <a:rPr lang="de-DE" dirty="0" err="1"/>
+              <a:t>one</a:t>
+            </a:r>
+            <a:r>
+              <a:rPr lang="de-DE" dirty="0"/>
+              <a:t> </a:t>
+            </a:r>
+            <a:r>
+              <a:rPr lang="de-DE" dirty="0" err="1"/>
+              <a:t>is</a:t>
+            </a:r>
+            <a:r>
+              <a:rPr lang="de-DE" dirty="0"/>
+              <a:t> all </a:t>
+            </a:r>
+            <a:r>
+              <a:rPr lang="de-DE" dirty="0" err="1"/>
+              <a:t>about</a:t>
+            </a:r>
+            <a:r>
+              <a:rPr lang="de-DE" dirty="0"/>
+              <a:t> </a:t>
+            </a:r>
+            <a:r>
+              <a:rPr lang="de-DE" dirty="0" err="1"/>
+              <a:t>making</a:t>
+            </a:r>
+            <a:r>
+              <a:rPr lang="de-DE" dirty="0"/>
+              <a:t> </a:t>
+            </a:r>
+            <a:r>
+              <a:rPr lang="de-DE" dirty="0" err="1"/>
+              <a:t>our</a:t>
+            </a:r>
+            <a:r>
+              <a:rPr lang="de-DE" dirty="0"/>
+              <a:t> </a:t>
+            </a:r>
+            <a:r>
+              <a:rPr lang="de-DE" dirty="0" err="1"/>
+              <a:t>data</a:t>
+            </a:r>
+            <a:r>
+              <a:rPr lang="de-DE" dirty="0"/>
+              <a:t> </a:t>
+            </a:r>
+            <a:r>
+              <a:rPr lang="de-DE" dirty="0" err="1"/>
+              <a:t>ready</a:t>
+            </a:r>
+            <a:r>
+              <a:rPr lang="de-DE" dirty="0"/>
+              <a:t> </a:t>
+            </a:r>
+            <a:r>
+              <a:rPr lang="de-DE" dirty="0" err="1"/>
+              <a:t>to</a:t>
+            </a:r>
+            <a:r>
+              <a:rPr lang="de-DE" dirty="0"/>
+              <a:t> </a:t>
+            </a:r>
+            <a:r>
+              <a:rPr lang="de-DE" dirty="0" err="1"/>
+              <a:t>work</a:t>
+            </a:r>
+            <a:r>
+              <a:rPr lang="de-DE" dirty="0"/>
+              <a:t> </a:t>
+            </a:r>
+            <a:r>
+              <a:rPr lang="de-DE" dirty="0" err="1"/>
+              <a:t>with</a:t>
+            </a:r>
+            <a:endParaRPr lang="de-DE" dirty="0"/>
+          </a:p>
+          <a:p>
+            <a:r>
+              <a:rPr lang="de-DE" dirty="0"/>
+              <a:t>…</a:t>
+            </a:r>
+          </a:p>
+          <a:p>
+            <a:r>
+              <a:rPr lang="de-DE" dirty="0"/>
+              <a:t>The </a:t>
+            </a:r>
+            <a:r>
+              <a:rPr lang="de-DE" dirty="0" err="1"/>
+              <a:t>second</a:t>
+            </a:r>
+            <a:r>
+              <a:rPr lang="de-DE" dirty="0"/>
+              <a:t> </a:t>
+            </a:r>
+            <a:r>
+              <a:rPr lang="de-DE" dirty="0" err="1"/>
+              <a:t>part</a:t>
+            </a:r>
+            <a:r>
+              <a:rPr lang="de-DE" dirty="0"/>
+              <a:t> </a:t>
+            </a:r>
+            <a:r>
+              <a:rPr lang="de-DE" dirty="0" err="1"/>
+              <a:t>deals</a:t>
+            </a:r>
+            <a:r>
+              <a:rPr lang="de-DE" dirty="0"/>
+              <a:t> </a:t>
+            </a:r>
+            <a:r>
+              <a:rPr lang="de-DE" dirty="0" err="1"/>
+              <a:t>with</a:t>
+            </a:r>
+            <a:r>
+              <a:rPr lang="de-DE" dirty="0"/>
+              <a:t> </a:t>
+            </a:r>
+            <a:r>
+              <a:rPr lang="de-DE" dirty="0" err="1"/>
+              <a:t>finding</a:t>
+            </a:r>
+            <a:r>
+              <a:rPr lang="de-DE" dirty="0"/>
+              <a:t> </a:t>
+            </a:r>
+            <a:r>
+              <a:rPr lang="de-DE" dirty="0" err="1"/>
+              <a:t>the</a:t>
+            </a:r>
+            <a:r>
+              <a:rPr lang="de-DE" dirty="0"/>
+              <a:t> </a:t>
+            </a:r>
+            <a:r>
+              <a:rPr lang="de-DE" dirty="0" err="1"/>
+              <a:t>maxima</a:t>
+            </a:r>
+            <a:endParaRPr lang="de-DE" dirty="0"/>
+          </a:p>
+          <a:p>
+            <a:r>
+              <a:rPr lang="de-DE"/>
+              <a:t>…</a:t>
+            </a:r>
           </a:p>
         </p:txBody>
       </p:sp>
@@ -5180,7 +5366,27 @@
                 <a:latin typeface="DM Sans" pitchFamily="2" charset="0"/>
                 <a:cs typeface="Calibri Light" panose="020F0302020204030204" pitchFamily="34" charset="0"/>
               </a:rPr>
-              <a:t> of the data via Q-Q plots and correlation between replicates</a:t>
+              <a:t> of the data via </a:t>
+            </a:r>
+            <a:r>
+              <a:rPr lang="en-US" sz="1200" dirty="0" err="1">
+                <a:solidFill>
+                  <a:schemeClr val="bg1"/>
+                </a:solidFill>
+                <a:latin typeface="DM Sans" pitchFamily="2" charset="0"/>
+                <a:cs typeface="Calibri Light" panose="020F0302020204030204" pitchFamily="34" charset="0"/>
+              </a:rPr>
+              <a:t>qq</a:t>
+            </a:r>
+            <a:r>
+              <a:rPr lang="en-US" sz="1200" dirty="0">
+                <a:solidFill>
+                  <a:schemeClr val="bg1"/>
+                </a:solidFill>
+                <a:latin typeface="DM Sans" pitchFamily="2" charset="0"/>
+                <a:cs typeface="Calibri Light" panose="020F0302020204030204" pitchFamily="34" charset="0"/>
+              </a:rPr>
+              <a:t>-plots and correlation between replicates</a:t>
             </a:r>
             <a:br>
               <a:rPr lang="en-US" sz="1200" dirty="0">

--- a/projectproposal/PP.pptx
+++ b/projectproposal/PP.pptx
@@ -21,7 +21,7 @@
   <p:notesSz cx="6858000" cy="9144000"/>
   <p:embeddedFontLst>
     <p:embeddedFont>
-      <p:font typeface="DM Sans" pitchFamily="2" charset="0"/>
+      <p:font typeface="DM Sans" pitchFamily="2" charset="77"/>
       <p:regular r:id="rId11"/>
       <p:bold r:id="rId12"/>
       <p:italic r:id="rId13"/>
@@ -903,6 +903,202 @@
           <a:bodyPr/>
           <a:lstStyle/>
           <a:p>
+            <a:r>
+              <a:rPr lang="de-DE" dirty="0"/>
+              <a:t>Transition via ELAV1 </a:t>
+            </a:r>
+            <a:r>
+              <a:rPr lang="de-DE" dirty="0" err="1"/>
+              <a:t>as</a:t>
+            </a:r>
+            <a:r>
+              <a:rPr lang="de-DE" dirty="0"/>
+              <a:t> an </a:t>
+            </a:r>
+            <a:r>
+              <a:rPr lang="de-DE" dirty="0" err="1"/>
+              <a:t>example</a:t>
+            </a:r>
+            <a:r>
+              <a:rPr lang="de-DE" dirty="0"/>
+              <a:t> </a:t>
+            </a:r>
+          </a:p>
+          <a:p>
+            <a:r>
+              <a:rPr lang="de-DE" dirty="0"/>
+              <a:t>Show </a:t>
+            </a:r>
+            <a:r>
+              <a:rPr lang="de-DE" dirty="0" err="1"/>
+              <a:t>how</a:t>
+            </a:r>
+            <a:r>
+              <a:rPr lang="de-DE" dirty="0"/>
+              <a:t> </a:t>
+            </a:r>
+            <a:r>
+              <a:rPr lang="de-DE" dirty="0" err="1"/>
+              <a:t>to</a:t>
+            </a:r>
+            <a:r>
+              <a:rPr lang="de-DE" dirty="0"/>
+              <a:t> </a:t>
+            </a:r>
+            <a:r>
+              <a:rPr lang="de-DE" dirty="0" err="1"/>
+              <a:t>identify</a:t>
+            </a:r>
+            <a:r>
+              <a:rPr lang="de-DE" dirty="0"/>
+              <a:t> R-</a:t>
+            </a:r>
+            <a:r>
+              <a:rPr lang="de-DE" dirty="0" err="1"/>
+              <a:t>DeeP</a:t>
+            </a:r>
+            <a:r>
+              <a:rPr lang="de-DE" dirty="0"/>
+              <a:t> with </a:t>
+            </a:r>
+            <a:r>
+              <a:rPr lang="de-DE" dirty="0" err="1"/>
+              <a:t>our</a:t>
+            </a:r>
+            <a:r>
+              <a:rPr lang="de-DE" dirty="0"/>
+              <a:t> Data </a:t>
+            </a:r>
+          </a:p>
+          <a:p>
+            <a:r>
+              <a:rPr lang="de-DE" dirty="0" err="1"/>
+              <a:t>Explain</a:t>
+            </a:r>
+            <a:r>
+              <a:rPr lang="de-DE" dirty="0"/>
+              <a:t> </a:t>
+            </a:r>
+            <a:r>
+              <a:rPr lang="de-DE" dirty="0" err="1"/>
+              <a:t>shift</a:t>
+            </a:r>
+            <a:r>
+              <a:rPr lang="de-DE" dirty="0"/>
+              <a:t> </a:t>
+            </a:r>
+            <a:r>
+              <a:rPr lang="de-DE" dirty="0" err="1"/>
+              <a:t>of</a:t>
+            </a:r>
+            <a:r>
+              <a:rPr lang="de-DE" dirty="0"/>
+              <a:t> </a:t>
+            </a:r>
+            <a:r>
+              <a:rPr lang="de-DE" dirty="0" err="1"/>
+              <a:t>maxima</a:t>
+            </a:r>
+            <a:r>
+              <a:rPr lang="de-DE" dirty="0"/>
+              <a:t> </a:t>
+            </a:r>
+          </a:p>
+          <a:p>
+            <a:r>
+              <a:rPr lang="de-DE" dirty="0"/>
+              <a:t>Transition: “in </a:t>
+            </a:r>
+            <a:r>
+              <a:rPr lang="de-DE" dirty="0" err="1"/>
+              <a:t>the</a:t>
+            </a:r>
+            <a:r>
+              <a:rPr lang="de-DE" dirty="0"/>
+              <a:t> </a:t>
+            </a:r>
+            <a:r>
+              <a:rPr lang="de-DE" dirty="0" err="1"/>
+              <a:t>following</a:t>
+            </a:r>
+            <a:r>
+              <a:rPr lang="de-DE" dirty="0"/>
+              <a:t> </a:t>
+            </a:r>
+            <a:r>
+              <a:rPr lang="de-DE" dirty="0" err="1"/>
+              <a:t>we</a:t>
+            </a:r>
+            <a:r>
+              <a:rPr lang="de-DE" dirty="0"/>
+              <a:t> will </a:t>
+            </a:r>
+            <a:r>
+              <a:rPr lang="de-DE" dirty="0" err="1"/>
+              <a:t>explain</a:t>
+            </a:r>
+            <a:r>
+              <a:rPr lang="de-DE" dirty="0"/>
+              <a:t> </a:t>
+            </a:r>
+            <a:r>
+              <a:rPr lang="de-DE" dirty="0" err="1"/>
+              <a:t>how</a:t>
+            </a:r>
+            <a:r>
+              <a:rPr lang="de-DE" dirty="0"/>
+              <a:t> </a:t>
+            </a:r>
+            <a:r>
+              <a:rPr lang="de-DE" dirty="0" err="1"/>
+              <a:t>to</a:t>
+            </a:r>
+            <a:r>
+              <a:rPr lang="de-DE" dirty="0"/>
+              <a:t> </a:t>
+            </a:r>
+            <a:r>
+              <a:rPr lang="de-DE" dirty="0" err="1"/>
+              <a:t>implement</a:t>
+            </a:r>
+            <a:r>
+              <a:rPr lang="de-DE" dirty="0"/>
+              <a:t> </a:t>
+            </a:r>
+            <a:r>
+              <a:rPr lang="de-DE" dirty="0" err="1"/>
+              <a:t>automatic</a:t>
+            </a:r>
+            <a:r>
+              <a:rPr lang="de-DE" dirty="0"/>
+              <a:t> </a:t>
+            </a:r>
+            <a:r>
+              <a:rPr lang="de-DE" dirty="0" err="1"/>
+              <a:t>identification</a:t>
+            </a:r>
+            <a:r>
+              <a:rPr lang="de-DE" dirty="0"/>
+              <a:t> </a:t>
+            </a:r>
+            <a:r>
+              <a:rPr lang="de-DE" dirty="0" err="1"/>
+              <a:t>of</a:t>
+            </a:r>
+            <a:r>
+              <a:rPr lang="de-DE" dirty="0"/>
+              <a:t> R-</a:t>
+            </a:r>
+            <a:r>
+              <a:rPr lang="de-DE" dirty="0" err="1"/>
+              <a:t>Deep</a:t>
+            </a:r>
+            <a:r>
+              <a:rPr lang="de-DE" dirty="0"/>
+              <a:t>...“ </a:t>
+            </a:r>
+          </a:p>
+          <a:p>
             <a:endParaRPr lang="de-DE" dirty="0"/>
           </a:p>
         </p:txBody>
@@ -910,7 +1106,7 @@
     </p:spTree>
     <p:extLst>
       <p:ext uri="{BB962C8B-B14F-4D97-AF65-F5344CB8AC3E}">
-        <p14:creationId xmlns:p14="http://schemas.microsoft.com/office/powerpoint/2010/main" val="3895782272"/>
+        <p14:creationId xmlns:p14="http://schemas.microsoft.com/office/powerpoint/2010/main" val="2250184329"/>
       </p:ext>
     </p:extLst>
   </p:cSld>
@@ -976,7 +1172,7 @@
     </p:spTree>
     <p:extLst>
       <p:ext uri="{BB962C8B-B14F-4D97-AF65-F5344CB8AC3E}">
-        <p14:creationId xmlns:p14="http://schemas.microsoft.com/office/powerpoint/2010/main" val="2796859273"/>
+        <p14:creationId xmlns:p14="http://schemas.microsoft.com/office/powerpoint/2010/main" val="3895782272"/>
       </p:ext>
     </p:extLst>
   </p:cSld>
@@ -1042,6 +1238,72 @@
     </p:spTree>
     <p:extLst>
       <p:ext uri="{BB962C8B-B14F-4D97-AF65-F5344CB8AC3E}">
+        <p14:creationId xmlns:p14="http://schemas.microsoft.com/office/powerpoint/2010/main" val="2796859273"/>
+      </p:ext>
+    </p:extLst>
+  </p:cSld>
+  <p:clrMapOvr>
+    <a:masterClrMapping/>
+  </p:clrMapOvr>
+</p:notes>
+</file>
+
+<file path=ppt/notesSlides/notesSlide6.xml><?xml version="1.0" encoding="utf-8"?>
+<p:notes xmlns:a="http://schemas.openxmlformats.org/drawingml/2006/main" xmlns:r="http://schemas.openxmlformats.org/officeDocument/2006/relationships" xmlns:p="http://schemas.openxmlformats.org/presentationml/2006/main">
+  <p:cSld>
+    <p:spTree>
+      <p:nvGrpSpPr>
+        <p:cNvPr id="1" name=""/>
+        <p:cNvGrpSpPr/>
+        <p:nvPr/>
+      </p:nvGrpSpPr>
+      <p:grpSpPr>
+        <a:xfrm>
+          <a:off x="0" y="0"/>
+          <a:ext cx="0" cy="0"/>
+          <a:chOff x="0" y="0"/>
+          <a:chExt cx="0" cy="0"/>
+        </a:xfrm>
+      </p:grpSpPr>
+      <p:sp>
+        <p:nvSpPr>
+          <p:cNvPr id="2" name="Folienbildplatzhalter 1"/>
+          <p:cNvSpPr>
+            <a:spLocks noGrp="1" noRot="1" noChangeAspect="1"/>
+          </p:cNvSpPr>
+          <p:nvPr>
+            <p:ph type="sldImg"/>
+          </p:nvPr>
+        </p:nvSpPr>
+        <p:spPr>
+          <a:xfrm>
+            <a:off x="381000" y="685800"/>
+            <a:ext cx="6096000" cy="3429000"/>
+          </a:xfrm>
+        </p:spPr>
+      </p:sp>
+      <p:sp>
+        <p:nvSpPr>
+          <p:cNvPr id="3" name="Notizenplatzhalter 2"/>
+          <p:cNvSpPr>
+            <a:spLocks noGrp="1"/>
+          </p:cNvSpPr>
+          <p:nvPr>
+            <p:ph type="body" idx="1"/>
+          </p:nvPr>
+        </p:nvSpPr>
+        <p:spPr/>
+        <p:txBody>
+          <a:bodyPr/>
+          <a:lstStyle/>
+          <a:p>
+            <a:endParaRPr lang="de-DE" dirty="0"/>
+          </a:p>
+        </p:txBody>
+      </p:sp>
+    </p:spTree>
+    <p:extLst>
+      <p:ext uri="{BB962C8B-B14F-4D97-AF65-F5344CB8AC3E}">
         <p14:creationId xmlns:p14="http://schemas.microsoft.com/office/powerpoint/2010/main" val="843327036"/>
       </p:ext>
     </p:extLst>
@@ -1052,7 +1314,7 @@
 </p:notes>
 </file>
 
-<file path=ppt/notesSlides/notesSlide6.xml><?xml version="1.0" encoding="utf-8"?>
+<file path=ppt/notesSlides/notesSlide7.xml><?xml version="1.0" encoding="utf-8"?>
 <p:notes xmlns:a="http://schemas.openxmlformats.org/drawingml/2006/main" xmlns:r="http://schemas.openxmlformats.org/officeDocument/2006/relationships" xmlns:p="http://schemas.openxmlformats.org/presentationml/2006/main">
   <p:cSld>
     <p:spTree>
@@ -4573,17 +4835,37 @@
                 <a:latin typeface="DM Sans" pitchFamily="2" charset="0"/>
                 <a:cs typeface="Calibri Light" panose="020F0302020204030204" pitchFamily="34" charset="0"/>
               </a:rPr>
-              <a:t> </a:t>
-            </a:r>
-            <a:r>
-              <a:rPr lang="de-DE" sz="2400" b="1" dirty="0" err="1">
-                <a:solidFill>
-                  <a:schemeClr val="bg1"/>
-                </a:solidFill>
-                <a:latin typeface="DM Sans" pitchFamily="2" charset="0"/>
-                <a:cs typeface="Calibri Light" panose="020F0302020204030204" pitchFamily="34" charset="0"/>
-              </a:rPr>
-              <a:t>plot</a:t>
+              <a:t>: ELAV1   </a:t>
+            </a:r>
+            <a:r>
+              <a:rPr lang="de-DE" b="1" dirty="0">
+                <a:solidFill>
+                  <a:srgbClr val="FF0000"/>
+                </a:solidFill>
+                <a:latin typeface="DM Sans" pitchFamily="2" charset="0"/>
+                <a:cs typeface="Calibri Light" panose="020F0302020204030204" pitchFamily="34" charset="0"/>
+              </a:rPr>
+              <a:t>(Name ändern? ELAV like </a:t>
+            </a:r>
+            <a:r>
+              <a:rPr lang="de-DE" b="1" dirty="0" err="1">
+                <a:solidFill>
+                  <a:srgbClr val="FF0000"/>
+                </a:solidFill>
+                <a:latin typeface="DM Sans" pitchFamily="2" charset="0"/>
+                <a:cs typeface="Calibri Light" panose="020F0302020204030204" pitchFamily="34" charset="0"/>
+              </a:rPr>
+              <a:t>protein</a:t>
+            </a:r>
+            <a:r>
+              <a:rPr lang="de-DE" b="1" dirty="0">
+                <a:solidFill>
+                  <a:srgbClr val="FF0000"/>
+                </a:solidFill>
+                <a:latin typeface="DM Sans" pitchFamily="2" charset="0"/>
+                <a:cs typeface="Calibri Light" panose="020F0302020204030204" pitchFamily="34" charset="0"/>
+              </a:rPr>
+              <a:t> 1)</a:t>
             </a:r>
             <a:endParaRPr lang="de-DE" sz="2400" b="1" dirty="0">
               <a:solidFill>
@@ -4595,57 +4877,36 @@
           </a:p>
         </p:txBody>
       </p:sp>
-      <p:sp>
-        <p:nvSpPr>
-          <p:cNvPr id="3" name="Textfeld 2">
+      <p:pic>
+        <p:nvPicPr>
+          <p:cNvPr id="5" name="Grafik 4">
             <a:extLst>
               <a:ext uri="{FF2B5EF4-FFF2-40B4-BE49-F238E27FC236}">
-                <a16:creationId xmlns:a16="http://schemas.microsoft.com/office/drawing/2014/main" id="{376FFF80-79A7-201D-FD7B-11F932D92EC5}"/>
+                <a16:creationId xmlns:a16="http://schemas.microsoft.com/office/drawing/2014/main" id="{9D02981D-F64D-6E4A-B211-FE5A56983EB4}"/>
               </a:ext>
             </a:extLst>
           </p:cNvPr>
-          <p:cNvSpPr txBox="1"/>
+          <p:cNvPicPr>
+            <a:picLocks noChangeAspect="1"/>
+          </p:cNvPicPr>
           <p:nvPr/>
-        </p:nvSpPr>
+        </p:nvPicPr>
+        <p:blipFill>
+          <a:blip r:embed="rId3"/>
+          <a:stretch>
+            <a:fillRect/>
+          </a:stretch>
+        </p:blipFill>
         <p:spPr>
           <a:xfrm>
-            <a:off x="2976310" y="3159150"/>
-            <a:ext cx="2001327" cy="261610"/>
+            <a:off x="1213463" y="988576"/>
+            <a:ext cx="6518663" cy="4022946"/>
           </a:xfrm>
           <a:prstGeom prst="rect">
             <a:avLst/>
           </a:prstGeom>
-          <a:noFill/>
         </p:spPr>
-        <p:txBody>
-          <a:bodyPr wrap="square" rtlCol="0">
-            <a:spAutoFit/>
-          </a:bodyPr>
-          <a:lstStyle/>
-          <a:p>
-            <a:r>
-              <a:rPr lang="de-DE" sz="1100" b="1" dirty="0" err="1">
-                <a:solidFill>
-                  <a:srgbClr val="FF0000"/>
-                </a:solidFill>
-                <a:latin typeface="DM Sans" pitchFamily="2" charset="0"/>
-                <a:cs typeface="Calibri" panose="020F0502020204030204" pitchFamily="34" charset="0"/>
-              </a:rPr>
-              <a:t>Chelli</a:t>
-            </a:r>
-            <a:r>
-              <a:rPr lang="de-DE" sz="1100" b="1" dirty="0">
-                <a:solidFill>
-                  <a:srgbClr val="FF0000"/>
-                </a:solidFill>
-                <a:latin typeface="DM Sans" pitchFamily="2" charset="0"/>
-                <a:cs typeface="Calibri" panose="020F0502020204030204" pitchFamily="34" charset="0"/>
-              </a:rPr>
-              <a:t> und MT7</a:t>
-            </a:r>
-          </a:p>
-        </p:txBody>
-      </p:sp>
+      </p:pic>
     </p:spTree>
     <p:extLst>
       <p:ext uri="{BB962C8B-B14F-4D97-AF65-F5344CB8AC3E}">

--- a/projectproposal/PP.pptx
+++ b/projectproposal/PP.pptx
@@ -9,7 +9,7 @@
   </p:notesMasterIdLst>
   <p:sldIdLst>
     <p:sldId id="310" r:id="rId2"/>
-    <p:sldId id="318" r:id="rId3"/>
+    <p:sldId id="324" r:id="rId3"/>
     <p:sldId id="311" r:id="rId4"/>
     <p:sldId id="319" r:id="rId5"/>
     <p:sldId id="313" r:id="rId6"/>
@@ -21,16 +21,23 @@
   <p:notesSz cx="6858000" cy="9144000"/>
   <p:embeddedFontLst>
     <p:embeddedFont>
-      <p:font typeface="DM Sans" pitchFamily="2" charset="77"/>
+      <p:font typeface="Calibri" panose="020F0502020204030204" pitchFamily="34" charset="0"/>
       <p:regular r:id="rId11"/>
       <p:bold r:id="rId12"/>
       <p:italic r:id="rId13"/>
       <p:boldItalic r:id="rId14"/>
     </p:embeddedFont>
     <p:embeddedFont>
+      <p:font typeface="DM Sans" pitchFamily="2" charset="0"/>
+      <p:regular r:id="rId15"/>
+      <p:bold r:id="rId16"/>
+      <p:italic r:id="rId17"/>
+      <p:boldItalic r:id="rId18"/>
+    </p:embeddedFont>
+    <p:embeddedFont>
       <p:font typeface="DM Serif Display" pitchFamily="2" charset="0"/>
-      <p:regular r:id="rId15"/>
-      <p:italic r:id="rId16"/>
+      <p:regular r:id="rId19"/>
+      <p:italic r:id="rId20"/>
     </p:embeddedFont>
   </p:embeddedFontLst>
   <p:defaultTextStyle>
@@ -837,6 +844,388 @@
           <a:bodyPr/>
           <a:lstStyle/>
           <a:p>
+            <a:pPr marL="0" marR="0" indent="0">
+              <a:spcBef>
+                <a:spcPts val="0"/>
+              </a:spcBef>
+              <a:spcAft>
+                <a:spcPts val="0"/>
+              </a:spcAft>
+              <a:buNone/>
+            </a:pPr>
+            <a:r>
+              <a:rPr lang="de-DE" sz="1800" dirty="0">
+                <a:effectLst/>
+                <a:latin typeface="Calibri" panose="020F0502020204030204" pitchFamily="34" charset="0"/>
+              </a:rPr>
+              <a:t>RNA dependent when </a:t>
+            </a:r>
+            <a:r>
+              <a:rPr lang="de-DE" sz="1800" dirty="0" err="1">
+                <a:effectLst/>
+                <a:latin typeface="Calibri" panose="020F0502020204030204" pitchFamily="34" charset="0"/>
+              </a:rPr>
+              <a:t>its</a:t>
+            </a:r>
+            <a:r>
+              <a:rPr lang="de-DE" sz="1800" dirty="0">
+                <a:effectLst/>
+                <a:latin typeface="Calibri" panose="020F0502020204030204" pitchFamily="34" charset="0"/>
+              </a:rPr>
+              <a:t> </a:t>
+            </a:r>
+            <a:r>
+              <a:rPr lang="de-DE" sz="1800" dirty="0" err="1">
+                <a:effectLst/>
+                <a:latin typeface="Calibri" panose="020F0502020204030204" pitchFamily="34" charset="0"/>
+              </a:rPr>
+              <a:t>interactome</a:t>
+            </a:r>
+            <a:r>
+              <a:rPr lang="de-DE" sz="1800" dirty="0">
+                <a:effectLst/>
+                <a:latin typeface="Calibri" panose="020F0502020204030204" pitchFamily="34" charset="0"/>
+              </a:rPr>
+              <a:t> </a:t>
+            </a:r>
+            <a:r>
+              <a:rPr lang="de-DE" sz="1800" dirty="0" err="1">
+                <a:effectLst/>
+                <a:latin typeface="Calibri" panose="020F0502020204030204" pitchFamily="34" charset="0"/>
+              </a:rPr>
+              <a:t>depends</a:t>
+            </a:r>
+            <a:r>
+              <a:rPr lang="de-DE" sz="1800" dirty="0">
+                <a:effectLst/>
+                <a:latin typeface="Calibri" panose="020F0502020204030204" pitchFamily="34" charset="0"/>
+              </a:rPr>
+              <a:t> on RNA without </a:t>
+            </a:r>
+            <a:r>
+              <a:rPr lang="de-DE" sz="1800" dirty="0" err="1">
+                <a:effectLst/>
+                <a:latin typeface="Calibri" panose="020F0502020204030204" pitchFamily="34" charset="0"/>
+              </a:rPr>
+              <a:t>necessarily</a:t>
+            </a:r>
+            <a:r>
+              <a:rPr lang="de-DE" sz="1800" dirty="0">
+                <a:effectLst/>
+                <a:latin typeface="Calibri" panose="020F0502020204030204" pitchFamily="34" charset="0"/>
+              </a:rPr>
+              <a:t> </a:t>
+            </a:r>
+            <a:r>
+              <a:rPr lang="de-DE" sz="1800" dirty="0" err="1">
+                <a:effectLst/>
+                <a:latin typeface="Calibri" panose="020F0502020204030204" pitchFamily="34" charset="0"/>
+              </a:rPr>
+              <a:t>directly</a:t>
+            </a:r>
+            <a:r>
+              <a:rPr lang="de-DE" sz="1800" dirty="0">
+                <a:effectLst/>
+                <a:latin typeface="Calibri" panose="020F0502020204030204" pitchFamily="34" charset="0"/>
+              </a:rPr>
+              <a:t> </a:t>
+            </a:r>
+            <a:r>
+              <a:rPr lang="de-DE" sz="1800" dirty="0" err="1">
+                <a:effectLst/>
+                <a:latin typeface="Calibri" panose="020F0502020204030204" pitchFamily="34" charset="0"/>
+              </a:rPr>
+              <a:t>binding</a:t>
+            </a:r>
+            <a:r>
+              <a:rPr lang="de-DE" sz="1800" dirty="0">
+                <a:effectLst/>
+                <a:latin typeface="Calibri" panose="020F0502020204030204" pitchFamily="34" charset="0"/>
+              </a:rPr>
+              <a:t> </a:t>
+            </a:r>
+            <a:r>
+              <a:rPr lang="de-DE" sz="1800" dirty="0" err="1">
+                <a:effectLst/>
+                <a:latin typeface="Calibri" panose="020F0502020204030204" pitchFamily="34" charset="0"/>
+              </a:rPr>
+              <a:t>to</a:t>
+            </a:r>
+            <a:r>
+              <a:rPr lang="de-DE" sz="1800" dirty="0">
+                <a:effectLst/>
+                <a:latin typeface="Calibri" panose="020F0502020204030204" pitchFamily="34" charset="0"/>
+              </a:rPr>
+              <a:t> RNA. </a:t>
+            </a:r>
+            <a:r>
+              <a:rPr lang="de-DE" sz="1800" dirty="0" err="1">
+                <a:effectLst/>
+                <a:latin typeface="Calibri" panose="020F0502020204030204" pitchFamily="34" charset="0"/>
+              </a:rPr>
+              <a:t>It</a:t>
+            </a:r>
+            <a:r>
+              <a:rPr lang="de-DE" sz="1800" dirty="0">
+                <a:effectLst/>
+                <a:latin typeface="Calibri" panose="020F0502020204030204" pitchFamily="34" charset="0"/>
+              </a:rPr>
+              <a:t> </a:t>
+            </a:r>
+            <a:r>
+              <a:rPr lang="de-DE" sz="1800" dirty="0" err="1">
+                <a:effectLst/>
+                <a:latin typeface="Calibri" panose="020F0502020204030204" pitchFamily="34" charset="0"/>
+              </a:rPr>
+              <a:t>is</a:t>
+            </a:r>
+            <a:r>
+              <a:rPr lang="de-DE" sz="1800" dirty="0">
+                <a:effectLst/>
+                <a:latin typeface="Calibri" panose="020F0502020204030204" pitchFamily="34" charset="0"/>
+              </a:rPr>
+              <a:t> </a:t>
+            </a:r>
+            <a:r>
+              <a:rPr lang="de-DE" sz="1800" dirty="0" err="1">
+                <a:effectLst/>
+                <a:latin typeface="Calibri" panose="020F0502020204030204" pitchFamily="34" charset="0"/>
+              </a:rPr>
+              <a:t>conceptually</a:t>
+            </a:r>
+            <a:r>
+              <a:rPr lang="de-DE" sz="1800" dirty="0">
+                <a:effectLst/>
+                <a:latin typeface="Calibri" panose="020F0502020204030204" pitchFamily="34" charset="0"/>
+              </a:rPr>
+              <a:t> different from </a:t>
+            </a:r>
+            <a:r>
+              <a:rPr lang="de-DE" sz="1800" dirty="0" err="1">
+                <a:effectLst/>
+                <a:latin typeface="Calibri" panose="020F0502020204030204" pitchFamily="34" charset="0"/>
+              </a:rPr>
+              <a:t>the</a:t>
+            </a:r>
+            <a:r>
+              <a:rPr lang="de-DE" sz="1800" dirty="0">
+                <a:effectLst/>
+                <a:latin typeface="Calibri" panose="020F0502020204030204" pitchFamily="34" charset="0"/>
+              </a:rPr>
+              <a:t> </a:t>
+            </a:r>
+            <a:r>
+              <a:rPr lang="de-DE" sz="1800" dirty="0" err="1">
+                <a:effectLst/>
+                <a:latin typeface="Calibri" panose="020F0502020204030204" pitchFamily="34" charset="0"/>
+              </a:rPr>
+              <a:t>notion</a:t>
+            </a:r>
+            <a:r>
+              <a:rPr lang="de-DE" sz="1800" dirty="0">
+                <a:effectLst/>
+                <a:latin typeface="Calibri" panose="020F0502020204030204" pitchFamily="34" charset="0"/>
+              </a:rPr>
+              <a:t> </a:t>
+            </a:r>
+            <a:r>
+              <a:rPr lang="de-DE" sz="1800" dirty="0" err="1">
+                <a:effectLst/>
+                <a:latin typeface="Calibri" panose="020F0502020204030204" pitchFamily="34" charset="0"/>
+              </a:rPr>
+              <a:t>of</a:t>
+            </a:r>
+            <a:r>
+              <a:rPr lang="de-DE" sz="1800" dirty="0">
+                <a:effectLst/>
+                <a:latin typeface="Calibri" panose="020F0502020204030204" pitchFamily="34" charset="0"/>
+              </a:rPr>
+              <a:t> ‘‘RNA </a:t>
+            </a:r>
+            <a:r>
+              <a:rPr lang="de-DE" sz="1800" dirty="0" err="1">
+                <a:effectLst/>
+                <a:latin typeface="Calibri" panose="020F0502020204030204" pitchFamily="34" charset="0"/>
+              </a:rPr>
+              <a:t>binding</a:t>
+            </a:r>
+            <a:r>
+              <a:rPr lang="de-DE" sz="1800" dirty="0">
+                <a:effectLst/>
+                <a:latin typeface="Calibri" panose="020F0502020204030204" pitchFamily="34" charset="0"/>
+              </a:rPr>
+              <a:t>’’ because RNA-dependent </a:t>
+            </a:r>
+            <a:r>
+              <a:rPr lang="de-DE" sz="1800" dirty="0" err="1">
+                <a:effectLst/>
+                <a:latin typeface="Calibri" panose="020F0502020204030204" pitchFamily="34" charset="0"/>
+              </a:rPr>
+              <a:t>proteins</a:t>
+            </a:r>
+            <a:r>
+              <a:rPr lang="de-DE" sz="1800" dirty="0">
+                <a:effectLst/>
+                <a:latin typeface="Calibri" panose="020F0502020204030204" pitchFamily="34" charset="0"/>
+              </a:rPr>
+              <a:t> </a:t>
+            </a:r>
+            <a:r>
+              <a:rPr lang="de-DE" sz="1800" dirty="0" err="1">
+                <a:effectLst/>
+                <a:latin typeface="Calibri" panose="020F0502020204030204" pitchFamily="34" charset="0"/>
+              </a:rPr>
+              <a:t>are</a:t>
+            </a:r>
+            <a:r>
+              <a:rPr lang="de-DE" sz="1800" dirty="0">
+                <a:effectLst/>
+                <a:latin typeface="Calibri" panose="020F0502020204030204" pitchFamily="34" charset="0"/>
+              </a:rPr>
+              <a:t> </a:t>
+            </a:r>
+            <a:r>
+              <a:rPr lang="de-DE" sz="1800" dirty="0" err="1">
+                <a:effectLst/>
+                <a:latin typeface="Calibri" panose="020F0502020204030204" pitchFamily="34" charset="0"/>
+              </a:rPr>
+              <a:t>involved</a:t>
+            </a:r>
+            <a:r>
+              <a:rPr lang="de-DE" sz="1800" dirty="0">
+                <a:effectLst/>
+                <a:latin typeface="Calibri" panose="020F0502020204030204" pitchFamily="34" charset="0"/>
+              </a:rPr>
+              <a:t> in complexes </a:t>
+            </a:r>
+            <a:r>
+              <a:rPr lang="de-DE" sz="1800" dirty="0" err="1">
+                <a:effectLst/>
+                <a:latin typeface="Calibri" panose="020F0502020204030204" pitchFamily="34" charset="0"/>
+              </a:rPr>
+              <a:t>bound</a:t>
+            </a:r>
+            <a:r>
+              <a:rPr lang="de-DE" sz="1800" dirty="0">
+                <a:effectLst/>
+                <a:latin typeface="Calibri" panose="020F0502020204030204" pitchFamily="34" charset="0"/>
+              </a:rPr>
+              <a:t> </a:t>
+            </a:r>
+            <a:r>
+              <a:rPr lang="de-DE" sz="1800" dirty="0" err="1">
+                <a:effectLst/>
+                <a:latin typeface="Calibri" panose="020F0502020204030204" pitchFamily="34" charset="0"/>
+              </a:rPr>
+              <a:t>to</a:t>
+            </a:r>
+            <a:r>
+              <a:rPr lang="de-DE" sz="1800" dirty="0">
+                <a:effectLst/>
+                <a:latin typeface="Calibri" panose="020F0502020204030204" pitchFamily="34" charset="0"/>
+              </a:rPr>
+              <a:t> RNA, </a:t>
+            </a:r>
+            <a:r>
+              <a:rPr lang="de-DE" sz="1800" dirty="0" err="1">
+                <a:effectLst/>
+                <a:latin typeface="Calibri" panose="020F0502020204030204" pitchFamily="34" charset="0"/>
+              </a:rPr>
+              <a:t>which</a:t>
+            </a:r>
+            <a:r>
+              <a:rPr lang="de-DE" sz="1800" dirty="0">
+                <a:effectLst/>
+                <a:latin typeface="Calibri" panose="020F0502020204030204" pitchFamily="34" charset="0"/>
+              </a:rPr>
+              <a:t> also </a:t>
+            </a:r>
+            <a:r>
+              <a:rPr lang="de-DE" sz="1800" dirty="0" err="1">
+                <a:effectLst/>
+                <a:latin typeface="Calibri" panose="020F0502020204030204" pitchFamily="34" charset="0"/>
+              </a:rPr>
+              <a:t>include</a:t>
+            </a:r>
+            <a:r>
+              <a:rPr lang="de-DE" sz="1800" dirty="0">
+                <a:effectLst/>
+                <a:latin typeface="Calibri" panose="020F0502020204030204" pitchFamily="34" charset="0"/>
+              </a:rPr>
+              <a:t> </a:t>
+            </a:r>
+            <a:r>
+              <a:rPr lang="de-DE" sz="1800" dirty="0" err="1">
+                <a:effectLst/>
+                <a:latin typeface="Calibri" panose="020F0502020204030204" pitchFamily="34" charset="0"/>
+              </a:rPr>
+              <a:t>proteins</a:t>
+            </a:r>
+            <a:r>
+              <a:rPr lang="de-DE" sz="1800" dirty="0">
+                <a:effectLst/>
+                <a:latin typeface="Calibri" panose="020F0502020204030204" pitchFamily="34" charset="0"/>
+              </a:rPr>
+              <a:t> </a:t>
+            </a:r>
+            <a:r>
+              <a:rPr lang="de-DE" sz="1800" dirty="0" err="1">
+                <a:effectLst/>
+                <a:latin typeface="Calibri" panose="020F0502020204030204" pitchFamily="34" charset="0"/>
+              </a:rPr>
+              <a:t>that</a:t>
+            </a:r>
+            <a:r>
+              <a:rPr lang="de-DE" sz="1800" dirty="0">
+                <a:effectLst/>
+                <a:latin typeface="Calibri" panose="020F0502020204030204" pitchFamily="34" charset="0"/>
+              </a:rPr>
+              <a:t> do not </a:t>
+            </a:r>
+            <a:r>
+              <a:rPr lang="de-DE" sz="1800" dirty="0" err="1">
+                <a:effectLst/>
+                <a:latin typeface="Calibri" panose="020F0502020204030204" pitchFamily="34" charset="0"/>
+              </a:rPr>
+              <a:t>interact</a:t>
+            </a:r>
+            <a:r>
+              <a:rPr lang="de-DE" sz="1800" dirty="0">
+                <a:effectLst/>
+                <a:latin typeface="Calibri" panose="020F0502020204030204" pitchFamily="34" charset="0"/>
+              </a:rPr>
+              <a:t> </a:t>
+            </a:r>
+            <a:r>
+              <a:rPr lang="de-DE" sz="1800" dirty="0" err="1">
+                <a:effectLst/>
+                <a:latin typeface="Calibri" panose="020F0502020204030204" pitchFamily="34" charset="0"/>
+              </a:rPr>
+              <a:t>directly</a:t>
+            </a:r>
+            <a:r>
+              <a:rPr lang="de-DE" sz="1800" dirty="0">
+                <a:effectLst/>
+                <a:latin typeface="Calibri" panose="020F0502020204030204" pitchFamily="34" charset="0"/>
+              </a:rPr>
+              <a:t> </a:t>
+            </a:r>
+            <a:r>
+              <a:rPr lang="de-DE" sz="1800" dirty="0" err="1">
+                <a:effectLst/>
+                <a:latin typeface="Calibri" panose="020F0502020204030204" pitchFamily="34" charset="0"/>
+              </a:rPr>
+              <a:t>with</a:t>
+            </a:r>
+            <a:r>
+              <a:rPr lang="de-DE" sz="1800" dirty="0">
+                <a:effectLst/>
+                <a:latin typeface="Calibri" panose="020F0502020204030204" pitchFamily="34" charset="0"/>
+              </a:rPr>
+              <a:t> RNA (Figure 1A)</a:t>
+            </a:r>
+          </a:p>
+          <a:p>
             <a:endParaRPr lang="de-DE" dirty="0"/>
           </a:p>
         </p:txBody>
@@ -844,7 +1233,7 @@
     </p:spTree>
     <p:extLst>
       <p:ext uri="{BB962C8B-B14F-4D97-AF65-F5344CB8AC3E}">
-        <p14:creationId xmlns:p14="http://schemas.microsoft.com/office/powerpoint/2010/main" val="2905121651"/>
+        <p14:creationId xmlns:p14="http://schemas.microsoft.com/office/powerpoint/2010/main" val="2072370812"/>
       </p:ext>
     </p:extLst>
   </p:cSld>
@@ -903,202 +1292,6 @@
           <a:bodyPr/>
           <a:lstStyle/>
           <a:p>
-            <a:r>
-              <a:rPr lang="de-DE" dirty="0"/>
-              <a:t>Transition via ELAV1 </a:t>
-            </a:r>
-            <a:r>
-              <a:rPr lang="de-DE" dirty="0" err="1"/>
-              <a:t>as</a:t>
-            </a:r>
-            <a:r>
-              <a:rPr lang="de-DE" dirty="0"/>
-              <a:t> an </a:t>
-            </a:r>
-            <a:r>
-              <a:rPr lang="de-DE" dirty="0" err="1"/>
-              <a:t>example</a:t>
-            </a:r>
-            <a:r>
-              <a:rPr lang="de-DE" dirty="0"/>
-              <a:t> </a:t>
-            </a:r>
-          </a:p>
-          <a:p>
-            <a:r>
-              <a:rPr lang="de-DE" dirty="0"/>
-              <a:t>Show </a:t>
-            </a:r>
-            <a:r>
-              <a:rPr lang="de-DE" dirty="0" err="1"/>
-              <a:t>how</a:t>
-            </a:r>
-            <a:r>
-              <a:rPr lang="de-DE" dirty="0"/>
-              <a:t> </a:t>
-            </a:r>
-            <a:r>
-              <a:rPr lang="de-DE" dirty="0" err="1"/>
-              <a:t>to</a:t>
-            </a:r>
-            <a:r>
-              <a:rPr lang="de-DE" dirty="0"/>
-              <a:t> </a:t>
-            </a:r>
-            <a:r>
-              <a:rPr lang="de-DE" dirty="0" err="1"/>
-              <a:t>identify</a:t>
-            </a:r>
-            <a:r>
-              <a:rPr lang="de-DE" dirty="0"/>
-              <a:t> R-</a:t>
-            </a:r>
-            <a:r>
-              <a:rPr lang="de-DE" dirty="0" err="1"/>
-              <a:t>DeeP</a:t>
-            </a:r>
-            <a:r>
-              <a:rPr lang="de-DE" dirty="0"/>
-              <a:t> with </a:t>
-            </a:r>
-            <a:r>
-              <a:rPr lang="de-DE" dirty="0" err="1"/>
-              <a:t>our</a:t>
-            </a:r>
-            <a:r>
-              <a:rPr lang="de-DE" dirty="0"/>
-              <a:t> Data </a:t>
-            </a:r>
-          </a:p>
-          <a:p>
-            <a:r>
-              <a:rPr lang="de-DE" dirty="0" err="1"/>
-              <a:t>Explain</a:t>
-            </a:r>
-            <a:r>
-              <a:rPr lang="de-DE" dirty="0"/>
-              <a:t> </a:t>
-            </a:r>
-            <a:r>
-              <a:rPr lang="de-DE" dirty="0" err="1"/>
-              <a:t>shift</a:t>
-            </a:r>
-            <a:r>
-              <a:rPr lang="de-DE" dirty="0"/>
-              <a:t> </a:t>
-            </a:r>
-            <a:r>
-              <a:rPr lang="de-DE" dirty="0" err="1"/>
-              <a:t>of</a:t>
-            </a:r>
-            <a:r>
-              <a:rPr lang="de-DE" dirty="0"/>
-              <a:t> </a:t>
-            </a:r>
-            <a:r>
-              <a:rPr lang="de-DE" dirty="0" err="1"/>
-              <a:t>maxima</a:t>
-            </a:r>
-            <a:r>
-              <a:rPr lang="de-DE" dirty="0"/>
-              <a:t> </a:t>
-            </a:r>
-          </a:p>
-          <a:p>
-            <a:r>
-              <a:rPr lang="de-DE" dirty="0"/>
-              <a:t>Transition: “in </a:t>
-            </a:r>
-            <a:r>
-              <a:rPr lang="de-DE" dirty="0" err="1"/>
-              <a:t>the</a:t>
-            </a:r>
-            <a:r>
-              <a:rPr lang="de-DE" dirty="0"/>
-              <a:t> </a:t>
-            </a:r>
-            <a:r>
-              <a:rPr lang="de-DE" dirty="0" err="1"/>
-              <a:t>following</a:t>
-            </a:r>
-            <a:r>
-              <a:rPr lang="de-DE" dirty="0"/>
-              <a:t> </a:t>
-            </a:r>
-            <a:r>
-              <a:rPr lang="de-DE" dirty="0" err="1"/>
-              <a:t>we</a:t>
-            </a:r>
-            <a:r>
-              <a:rPr lang="de-DE" dirty="0"/>
-              <a:t> will </a:t>
-            </a:r>
-            <a:r>
-              <a:rPr lang="de-DE" dirty="0" err="1"/>
-              <a:t>explain</a:t>
-            </a:r>
-            <a:r>
-              <a:rPr lang="de-DE" dirty="0"/>
-              <a:t> </a:t>
-            </a:r>
-            <a:r>
-              <a:rPr lang="de-DE" dirty="0" err="1"/>
-              <a:t>how</a:t>
-            </a:r>
-            <a:r>
-              <a:rPr lang="de-DE" dirty="0"/>
-              <a:t> </a:t>
-            </a:r>
-            <a:r>
-              <a:rPr lang="de-DE" dirty="0" err="1"/>
-              <a:t>to</a:t>
-            </a:r>
-            <a:r>
-              <a:rPr lang="de-DE" dirty="0"/>
-              <a:t> </a:t>
-            </a:r>
-            <a:r>
-              <a:rPr lang="de-DE" dirty="0" err="1"/>
-              <a:t>implement</a:t>
-            </a:r>
-            <a:r>
-              <a:rPr lang="de-DE" dirty="0"/>
-              <a:t> </a:t>
-            </a:r>
-            <a:r>
-              <a:rPr lang="de-DE" dirty="0" err="1"/>
-              <a:t>automatic</a:t>
-            </a:r>
-            <a:r>
-              <a:rPr lang="de-DE" dirty="0"/>
-              <a:t> </a:t>
-            </a:r>
-            <a:r>
-              <a:rPr lang="de-DE" dirty="0" err="1"/>
-              <a:t>identification</a:t>
-            </a:r>
-            <a:r>
-              <a:rPr lang="de-DE" dirty="0"/>
-              <a:t> </a:t>
-            </a:r>
-            <a:r>
-              <a:rPr lang="de-DE" dirty="0" err="1"/>
-              <a:t>of</a:t>
-            </a:r>
-            <a:r>
-              <a:rPr lang="de-DE" dirty="0"/>
-              <a:t> R-</a:t>
-            </a:r>
-            <a:r>
-              <a:rPr lang="de-DE" dirty="0" err="1"/>
-              <a:t>Deep</a:t>
-            </a:r>
-            <a:r>
-              <a:rPr lang="de-DE" dirty="0"/>
-              <a:t>...“ </a:t>
-            </a:r>
-          </a:p>
-          <a:p>
             <a:endParaRPr lang="de-DE" dirty="0"/>
           </a:p>
         </p:txBody>
@@ -1106,7 +1299,7 @@
     </p:spTree>
     <p:extLst>
       <p:ext uri="{BB962C8B-B14F-4D97-AF65-F5344CB8AC3E}">
-        <p14:creationId xmlns:p14="http://schemas.microsoft.com/office/powerpoint/2010/main" val="2250184329"/>
+        <p14:creationId xmlns:p14="http://schemas.microsoft.com/office/powerpoint/2010/main" val="2905121651"/>
       </p:ext>
     </p:extLst>
   </p:cSld>
@@ -1165,6 +1358,202 @@
           <a:bodyPr/>
           <a:lstStyle/>
           <a:p>
+            <a:r>
+              <a:rPr lang="de-DE" dirty="0"/>
+              <a:t>Transition via ELAV1 </a:t>
+            </a:r>
+            <a:r>
+              <a:rPr lang="de-DE" dirty="0" err="1"/>
+              <a:t>as</a:t>
+            </a:r>
+            <a:r>
+              <a:rPr lang="de-DE" dirty="0"/>
+              <a:t> an </a:t>
+            </a:r>
+            <a:r>
+              <a:rPr lang="de-DE" dirty="0" err="1"/>
+              <a:t>example</a:t>
+            </a:r>
+            <a:r>
+              <a:rPr lang="de-DE" dirty="0"/>
+              <a:t> </a:t>
+            </a:r>
+          </a:p>
+          <a:p>
+            <a:r>
+              <a:rPr lang="de-DE" dirty="0"/>
+              <a:t>Show </a:t>
+            </a:r>
+            <a:r>
+              <a:rPr lang="de-DE" dirty="0" err="1"/>
+              <a:t>how</a:t>
+            </a:r>
+            <a:r>
+              <a:rPr lang="de-DE" dirty="0"/>
+              <a:t> </a:t>
+            </a:r>
+            <a:r>
+              <a:rPr lang="de-DE" dirty="0" err="1"/>
+              <a:t>to</a:t>
+            </a:r>
+            <a:r>
+              <a:rPr lang="de-DE" dirty="0"/>
+              <a:t> </a:t>
+            </a:r>
+            <a:r>
+              <a:rPr lang="de-DE" dirty="0" err="1"/>
+              <a:t>identify</a:t>
+            </a:r>
+            <a:r>
+              <a:rPr lang="de-DE" dirty="0"/>
+              <a:t> R-</a:t>
+            </a:r>
+            <a:r>
+              <a:rPr lang="de-DE" dirty="0" err="1"/>
+              <a:t>DeeP</a:t>
+            </a:r>
+            <a:r>
+              <a:rPr lang="de-DE" dirty="0"/>
+              <a:t> with </a:t>
+            </a:r>
+            <a:r>
+              <a:rPr lang="de-DE" dirty="0" err="1"/>
+              <a:t>our</a:t>
+            </a:r>
+            <a:r>
+              <a:rPr lang="de-DE" dirty="0"/>
+              <a:t> Data </a:t>
+            </a:r>
+          </a:p>
+          <a:p>
+            <a:r>
+              <a:rPr lang="de-DE" dirty="0" err="1"/>
+              <a:t>Explain</a:t>
+            </a:r>
+            <a:r>
+              <a:rPr lang="de-DE" dirty="0"/>
+              <a:t> </a:t>
+            </a:r>
+            <a:r>
+              <a:rPr lang="de-DE" dirty="0" err="1"/>
+              <a:t>shift</a:t>
+            </a:r>
+            <a:r>
+              <a:rPr lang="de-DE" dirty="0"/>
+              <a:t> </a:t>
+            </a:r>
+            <a:r>
+              <a:rPr lang="de-DE" dirty="0" err="1"/>
+              <a:t>of</a:t>
+            </a:r>
+            <a:r>
+              <a:rPr lang="de-DE" dirty="0"/>
+              <a:t> </a:t>
+            </a:r>
+            <a:r>
+              <a:rPr lang="de-DE" dirty="0" err="1"/>
+              <a:t>maxima</a:t>
+            </a:r>
+            <a:r>
+              <a:rPr lang="de-DE" dirty="0"/>
+              <a:t> </a:t>
+            </a:r>
+          </a:p>
+          <a:p>
+            <a:r>
+              <a:rPr lang="de-DE" dirty="0"/>
+              <a:t>Transition: “in </a:t>
+            </a:r>
+            <a:r>
+              <a:rPr lang="de-DE" dirty="0" err="1"/>
+              <a:t>the</a:t>
+            </a:r>
+            <a:r>
+              <a:rPr lang="de-DE" dirty="0"/>
+              <a:t> </a:t>
+            </a:r>
+            <a:r>
+              <a:rPr lang="de-DE" dirty="0" err="1"/>
+              <a:t>following</a:t>
+            </a:r>
+            <a:r>
+              <a:rPr lang="de-DE" dirty="0"/>
+              <a:t> </a:t>
+            </a:r>
+            <a:r>
+              <a:rPr lang="de-DE" dirty="0" err="1"/>
+              <a:t>we</a:t>
+            </a:r>
+            <a:r>
+              <a:rPr lang="de-DE" dirty="0"/>
+              <a:t> will </a:t>
+            </a:r>
+            <a:r>
+              <a:rPr lang="de-DE" dirty="0" err="1"/>
+              <a:t>explain</a:t>
+            </a:r>
+            <a:r>
+              <a:rPr lang="de-DE" dirty="0"/>
+              <a:t> </a:t>
+            </a:r>
+            <a:r>
+              <a:rPr lang="de-DE" dirty="0" err="1"/>
+              <a:t>how</a:t>
+            </a:r>
+            <a:r>
+              <a:rPr lang="de-DE" dirty="0"/>
+              <a:t> </a:t>
+            </a:r>
+            <a:r>
+              <a:rPr lang="de-DE" dirty="0" err="1"/>
+              <a:t>to</a:t>
+            </a:r>
+            <a:r>
+              <a:rPr lang="de-DE" dirty="0"/>
+              <a:t> </a:t>
+            </a:r>
+            <a:r>
+              <a:rPr lang="de-DE" dirty="0" err="1"/>
+              <a:t>implement</a:t>
+            </a:r>
+            <a:r>
+              <a:rPr lang="de-DE" dirty="0"/>
+              <a:t> </a:t>
+            </a:r>
+            <a:r>
+              <a:rPr lang="de-DE" dirty="0" err="1"/>
+              <a:t>automatic</a:t>
+            </a:r>
+            <a:r>
+              <a:rPr lang="de-DE" dirty="0"/>
+              <a:t> </a:t>
+            </a:r>
+            <a:r>
+              <a:rPr lang="de-DE" dirty="0" err="1"/>
+              <a:t>identification</a:t>
+            </a:r>
+            <a:r>
+              <a:rPr lang="de-DE" dirty="0"/>
+              <a:t> </a:t>
+            </a:r>
+            <a:r>
+              <a:rPr lang="de-DE" dirty="0" err="1"/>
+              <a:t>of</a:t>
+            </a:r>
+            <a:r>
+              <a:rPr lang="de-DE" dirty="0"/>
+              <a:t> R-</a:t>
+            </a:r>
+            <a:r>
+              <a:rPr lang="de-DE" dirty="0" err="1"/>
+              <a:t>Deep</a:t>
+            </a:r>
+            <a:r>
+              <a:rPr lang="de-DE" dirty="0"/>
+              <a:t>...“ </a:t>
+            </a:r>
+          </a:p>
+          <a:p>
             <a:endParaRPr lang="de-DE" dirty="0"/>
           </a:p>
         </p:txBody>
@@ -1172,7 +1561,7 @@
     </p:spTree>
     <p:extLst>
       <p:ext uri="{BB962C8B-B14F-4D97-AF65-F5344CB8AC3E}">
-        <p14:creationId xmlns:p14="http://schemas.microsoft.com/office/powerpoint/2010/main" val="3895782272"/>
+        <p14:creationId xmlns:p14="http://schemas.microsoft.com/office/powerpoint/2010/main" val="2250184329"/>
       </p:ext>
     </p:extLst>
   </p:cSld>
@@ -1238,7 +1627,7 @@
     </p:spTree>
     <p:extLst>
       <p:ext uri="{BB962C8B-B14F-4D97-AF65-F5344CB8AC3E}">
-        <p14:creationId xmlns:p14="http://schemas.microsoft.com/office/powerpoint/2010/main" val="2796859273"/>
+        <p14:creationId xmlns:p14="http://schemas.microsoft.com/office/powerpoint/2010/main" val="3895782272"/>
       </p:ext>
     </p:extLst>
   </p:cSld>
@@ -1304,6 +1693,72 @@
     </p:spTree>
     <p:extLst>
       <p:ext uri="{BB962C8B-B14F-4D97-AF65-F5344CB8AC3E}">
+        <p14:creationId xmlns:p14="http://schemas.microsoft.com/office/powerpoint/2010/main" val="2796859273"/>
+      </p:ext>
+    </p:extLst>
+  </p:cSld>
+  <p:clrMapOvr>
+    <a:masterClrMapping/>
+  </p:clrMapOvr>
+</p:notes>
+</file>
+
+<file path=ppt/notesSlides/notesSlide7.xml><?xml version="1.0" encoding="utf-8"?>
+<p:notes xmlns:a="http://schemas.openxmlformats.org/drawingml/2006/main" xmlns:r="http://schemas.openxmlformats.org/officeDocument/2006/relationships" xmlns:p="http://schemas.openxmlformats.org/presentationml/2006/main">
+  <p:cSld>
+    <p:spTree>
+      <p:nvGrpSpPr>
+        <p:cNvPr id="1" name=""/>
+        <p:cNvGrpSpPr/>
+        <p:nvPr/>
+      </p:nvGrpSpPr>
+      <p:grpSpPr>
+        <a:xfrm>
+          <a:off x="0" y="0"/>
+          <a:ext cx="0" cy="0"/>
+          <a:chOff x="0" y="0"/>
+          <a:chExt cx="0" cy="0"/>
+        </a:xfrm>
+      </p:grpSpPr>
+      <p:sp>
+        <p:nvSpPr>
+          <p:cNvPr id="2" name="Folienbildplatzhalter 1"/>
+          <p:cNvSpPr>
+            <a:spLocks noGrp="1" noRot="1" noChangeAspect="1"/>
+          </p:cNvSpPr>
+          <p:nvPr>
+            <p:ph type="sldImg"/>
+          </p:nvPr>
+        </p:nvSpPr>
+        <p:spPr>
+          <a:xfrm>
+            <a:off x="381000" y="685800"/>
+            <a:ext cx="6096000" cy="3429000"/>
+          </a:xfrm>
+        </p:spPr>
+      </p:sp>
+      <p:sp>
+        <p:nvSpPr>
+          <p:cNvPr id="3" name="Notizenplatzhalter 2"/>
+          <p:cNvSpPr>
+            <a:spLocks noGrp="1"/>
+          </p:cNvSpPr>
+          <p:nvPr>
+            <p:ph type="body" idx="1"/>
+          </p:nvPr>
+        </p:nvSpPr>
+        <p:spPr/>
+        <p:txBody>
+          <a:bodyPr/>
+          <a:lstStyle/>
+          <a:p>
+            <a:endParaRPr lang="de-DE" dirty="0"/>
+          </a:p>
+        </p:txBody>
+      </p:sp>
+    </p:spTree>
+    <p:extLst>
+      <p:ext uri="{BB962C8B-B14F-4D97-AF65-F5344CB8AC3E}">
         <p14:creationId xmlns:p14="http://schemas.microsoft.com/office/powerpoint/2010/main" val="843327036"/>
       </p:ext>
     </p:extLst>
@@ -1314,7 +1769,7 @@
 </p:notes>
 </file>
 
-<file path=ppt/notesSlides/notesSlide7.xml><?xml version="1.0" encoding="utf-8"?>
+<file path=ppt/notesSlides/notesSlide8.xml><?xml version="1.0" encoding="utf-8"?>
 <p:notes xmlns:a="http://schemas.openxmlformats.org/drawingml/2006/main" xmlns:r="http://schemas.openxmlformats.org/officeDocument/2006/relationships" xmlns:p="http://schemas.openxmlformats.org/presentationml/2006/main">
   <p:cSld>
     <p:spTree>
@@ -3621,7 +4076,7 @@
           <p:cNvPr id="2" name="Textfeld 1">
             <a:extLst>
               <a:ext uri="{FF2B5EF4-FFF2-40B4-BE49-F238E27FC236}">
-                <a16:creationId xmlns:a16="http://schemas.microsoft.com/office/drawing/2014/main" id="{BB855C30-FEBB-17E4-CC32-C95648BABF74}"/>
+                <a16:creationId xmlns:a16="http://schemas.microsoft.com/office/drawing/2014/main" id="{84C003DD-DF2F-E61F-80E3-929CB1B5A9AC}"/>
               </a:ext>
             </a:extLst>
           </p:cNvPr>
@@ -3645,6 +4100,16 @@
           <a:lstStyle/>
           <a:p>
             <a:r>
+              <a:rPr lang="de-DE" sz="2400" b="1" dirty="0" err="1">
+                <a:solidFill>
+                  <a:schemeClr val="bg1"/>
+                </a:solidFill>
+                <a:latin typeface="DM Sans" pitchFamily="2" charset="0"/>
+                <a:cs typeface="Calibri Light" panose="020F0302020204030204" pitchFamily="34" charset="0"/>
+              </a:rPr>
+              <a:t>What</a:t>
+            </a:r>
+            <a:r>
               <a:rPr lang="de-DE" sz="2400" b="1" dirty="0">
                 <a:solidFill>
                   <a:schemeClr val="bg1"/>
@@ -3652,74 +4117,47 @@
                 <a:latin typeface="DM Sans" pitchFamily="2" charset="0"/>
                 <a:cs typeface="Calibri Light" panose="020F0302020204030204" pitchFamily="34" charset="0"/>
               </a:rPr>
-              <a:t>RNA-</a:t>
-            </a:r>
-            <a:r>
-              <a:rPr lang="de-DE" sz="2400" b="1" dirty="0" err="1">
-                <a:solidFill>
-                  <a:schemeClr val="bg1"/>
-                </a:solidFill>
-                <a:latin typeface="DM Sans" pitchFamily="2" charset="0"/>
-                <a:cs typeface="Calibri Light" panose="020F0302020204030204" pitchFamily="34" charset="0"/>
-              </a:rPr>
-              <a:t>binding</a:t>
-            </a:r>
-            <a:r>
-              <a:rPr lang="de-DE" sz="2400" b="1" dirty="0">
-                <a:solidFill>
-                  <a:schemeClr val="bg1"/>
-                </a:solidFill>
-                <a:latin typeface="DM Sans" pitchFamily="2" charset="0"/>
-                <a:cs typeface="Calibri Light" panose="020F0302020204030204" pitchFamily="34" charset="0"/>
-              </a:rPr>
-              <a:t> and RNA-</a:t>
-            </a:r>
-            <a:r>
-              <a:rPr lang="de-DE" sz="2400" b="1" dirty="0" err="1">
-                <a:solidFill>
-                  <a:schemeClr val="bg1"/>
-                </a:solidFill>
-                <a:latin typeface="DM Sans" pitchFamily="2" charset="0"/>
-                <a:cs typeface="Calibri Light" panose="020F0302020204030204" pitchFamily="34" charset="0"/>
-              </a:rPr>
-              <a:t>dependent</a:t>
-            </a:r>
-            <a:r>
-              <a:rPr lang="de-DE" sz="2400" b="1" dirty="0">
-                <a:solidFill>
-                  <a:schemeClr val="bg1"/>
-                </a:solidFill>
-                <a:latin typeface="DM Sans" pitchFamily="2" charset="0"/>
-                <a:cs typeface="Calibri Light" panose="020F0302020204030204" pitchFamily="34" charset="0"/>
-              </a:rPr>
-              <a:t> </a:t>
-            </a:r>
-            <a:r>
-              <a:rPr lang="de-DE" sz="2400" b="1" dirty="0" err="1">
-                <a:solidFill>
-                  <a:schemeClr val="bg1"/>
-                </a:solidFill>
-                <a:latin typeface="DM Sans" pitchFamily="2" charset="0"/>
-                <a:cs typeface="Calibri Light" panose="020F0302020204030204" pitchFamily="34" charset="0"/>
-              </a:rPr>
-              <a:t>proteins</a:t>
-            </a:r>
-            <a:endParaRPr lang="de-DE" sz="2400" b="1" dirty="0">
-              <a:solidFill>
-                <a:schemeClr val="bg1"/>
-              </a:solidFill>
-              <a:latin typeface="DM Sans" pitchFamily="2" charset="0"/>
-              <a:cs typeface="Calibri Light" panose="020F0302020204030204" pitchFamily="34" charset="0"/>
-            </a:endParaRPr>
+              <a:t> Are RNA-dependent Proteins?</a:t>
+            </a:r>
           </a:p>
         </p:txBody>
       </p:sp>
+      <p:pic>
+        <p:nvPicPr>
+          <p:cNvPr id="6" name="Grafik 5">
+            <a:extLst>
+              <a:ext uri="{FF2B5EF4-FFF2-40B4-BE49-F238E27FC236}">
+                <a16:creationId xmlns:a16="http://schemas.microsoft.com/office/drawing/2014/main" id="{542DB089-337D-D353-90FC-C3F964CD5701}"/>
+              </a:ext>
+            </a:extLst>
+          </p:cNvPr>
+          <p:cNvPicPr>
+            <a:picLocks noChangeAspect="1"/>
+          </p:cNvPicPr>
+          <p:nvPr/>
+        </p:nvPicPr>
+        <p:blipFill>
+          <a:blip r:embed="rId3"/>
+          <a:stretch>
+            <a:fillRect/>
+          </a:stretch>
+        </p:blipFill>
+        <p:spPr>
+          <a:xfrm>
+            <a:off x="1461654" y="1492627"/>
+            <a:ext cx="6009409" cy="3266194"/>
+          </a:xfrm>
+          <a:prstGeom prst="rect">
+            <a:avLst/>
+          </a:prstGeom>
+        </p:spPr>
+      </p:pic>
       <p:sp>
         <p:nvSpPr>
-          <p:cNvPr id="3" name="Textfeld 2">
+          <p:cNvPr id="7" name="Textfeld 6">
             <a:extLst>
               <a:ext uri="{FF2B5EF4-FFF2-40B4-BE49-F238E27FC236}">
-                <a16:creationId xmlns:a16="http://schemas.microsoft.com/office/drawing/2014/main" id="{AC74F11C-5315-1D80-69BD-F31E14DCEBF9}"/>
+                <a16:creationId xmlns:a16="http://schemas.microsoft.com/office/drawing/2014/main" id="{E8DE3A32-04FE-0EC5-756D-212F0E070766}"/>
               </a:ext>
             </a:extLst>
           </p:cNvPr>
@@ -3728,8 +4166,8 @@
         </p:nvSpPr>
         <p:spPr>
           <a:xfrm>
-            <a:off x="3472131" y="2905150"/>
-            <a:ext cx="2001327" cy="261610"/>
+            <a:off x="183965" y="1069872"/>
+            <a:ext cx="3487125" cy="338554"/>
           </a:xfrm>
           <a:prstGeom prst="rect">
             <a:avLst/>
@@ -3743,22 +4181,163 @@
           <a:lstStyle/>
           <a:p>
             <a:r>
-              <a:rPr lang="de-DE" sz="1100" b="1" dirty="0">
-                <a:solidFill>
-                  <a:srgbClr val="FF0000"/>
+              <a:rPr lang="en-US" sz="1600" b="1" dirty="0">
+                <a:solidFill>
+                  <a:schemeClr val="bg1"/>
+                </a:solidFill>
+                <a:latin typeface="DM Sans" pitchFamily="2" charset="0"/>
+                <a:cs typeface="Calibri Light" panose="020F0302020204030204" pitchFamily="34" charset="0"/>
+              </a:rPr>
+              <a:t>RNA-binding proteins:</a:t>
+            </a:r>
+            <a:endParaRPr lang="en-US" sz="1200" dirty="0">
+              <a:solidFill>
+                <a:schemeClr val="bg1"/>
+              </a:solidFill>
+              <a:latin typeface="DM Sans" pitchFamily="2" charset="0"/>
+              <a:cs typeface="Calibri Light" panose="020F0302020204030204" pitchFamily="34" charset="0"/>
+            </a:endParaRPr>
+          </a:p>
+        </p:txBody>
+      </p:sp>
+      <p:sp>
+        <p:nvSpPr>
+          <p:cNvPr id="8" name="Textfeld 7">
+            <a:extLst>
+              <a:ext uri="{FF2B5EF4-FFF2-40B4-BE49-F238E27FC236}">
+                <a16:creationId xmlns:a16="http://schemas.microsoft.com/office/drawing/2014/main" id="{7F858626-9B37-6CC8-2A41-98C0853973C0}"/>
+              </a:ext>
+            </a:extLst>
+          </p:cNvPr>
+          <p:cNvSpPr txBox="1"/>
+          <p:nvPr/>
+        </p:nvSpPr>
+        <p:spPr>
+          <a:xfrm>
+            <a:off x="4243347" y="1069872"/>
+            <a:ext cx="3487125" cy="338554"/>
+          </a:xfrm>
+          <a:prstGeom prst="rect">
+            <a:avLst/>
+          </a:prstGeom>
+          <a:noFill/>
+        </p:spPr>
+        <p:txBody>
+          <a:bodyPr wrap="square" rtlCol="0">
+            <a:spAutoFit/>
+          </a:bodyPr>
+          <a:lstStyle/>
+          <a:p>
+            <a:r>
+              <a:rPr lang="en-US" sz="1600" b="1" dirty="0">
+                <a:solidFill>
+                  <a:schemeClr val="bg1"/>
+                </a:solidFill>
+                <a:latin typeface="DM Sans" pitchFamily="2" charset="0"/>
+                <a:cs typeface="Calibri Light" panose="020F0302020204030204" pitchFamily="34" charset="0"/>
+              </a:rPr>
+              <a:t>RNA-dependent proteins:</a:t>
+            </a:r>
+            <a:endParaRPr lang="en-US" sz="1200" dirty="0">
+              <a:solidFill>
+                <a:schemeClr val="bg1"/>
+              </a:solidFill>
+              <a:latin typeface="DM Sans" pitchFamily="2" charset="0"/>
+              <a:cs typeface="Calibri Light" panose="020F0302020204030204" pitchFamily="34" charset="0"/>
+            </a:endParaRPr>
+          </a:p>
+        </p:txBody>
+      </p:sp>
+      <p:sp>
+        <p:nvSpPr>
+          <p:cNvPr id="9" name="Textfeld 8">
+            <a:extLst>
+              <a:ext uri="{FF2B5EF4-FFF2-40B4-BE49-F238E27FC236}">
+                <a16:creationId xmlns:a16="http://schemas.microsoft.com/office/drawing/2014/main" id="{70D955E1-C836-301F-09FA-27FEF0D227AD}"/>
+              </a:ext>
+            </a:extLst>
+          </p:cNvPr>
+          <p:cNvSpPr txBox="1"/>
+          <p:nvPr/>
+        </p:nvSpPr>
+        <p:spPr>
+          <a:xfrm>
+            <a:off x="-44450" y="3176270"/>
+            <a:ext cx="292388" cy="1967230"/>
+          </a:xfrm>
+          <a:prstGeom prst="rect">
+            <a:avLst/>
+          </a:prstGeom>
+          <a:noFill/>
+        </p:spPr>
+        <p:txBody>
+          <a:bodyPr vert="vert270" wrap="square" rtlCol="0">
+            <a:spAutoFit/>
+          </a:bodyPr>
+          <a:lstStyle/>
+          <a:p>
+            <a:r>
+              <a:rPr lang="de-DE" sz="700" dirty="0" err="1">
+                <a:solidFill>
+                  <a:schemeClr val="accent6">
+                    <a:lumMod val="50000"/>
+                  </a:schemeClr>
                 </a:solidFill>
                 <a:latin typeface="DM Sans" pitchFamily="2" charset="0"/>
                 <a:cs typeface="Calibri" panose="020F0502020204030204" pitchFamily="34" charset="0"/>
               </a:rPr>
-              <a:t>Basti</a:t>
-            </a:r>
+              <a:t>Created</a:t>
+            </a:r>
+            <a:r>
+              <a:rPr lang="de-DE" sz="700" dirty="0">
+                <a:solidFill>
+                  <a:schemeClr val="accent6">
+                    <a:lumMod val="50000"/>
+                  </a:schemeClr>
+                </a:solidFill>
+                <a:latin typeface="DM Sans" pitchFamily="2" charset="0"/>
+                <a:cs typeface="Calibri" panose="020F0502020204030204" pitchFamily="34" charset="0"/>
+              </a:rPr>
+              <a:t> </a:t>
+            </a:r>
+            <a:r>
+              <a:rPr lang="de-DE" sz="700" dirty="0" err="1">
+                <a:solidFill>
+                  <a:schemeClr val="accent6">
+                    <a:lumMod val="50000"/>
+                  </a:schemeClr>
+                </a:solidFill>
+                <a:latin typeface="DM Sans" pitchFamily="2" charset="0"/>
+                <a:cs typeface="Calibri" panose="020F0502020204030204" pitchFamily="34" charset="0"/>
+              </a:rPr>
+              <a:t>with</a:t>
+            </a:r>
+            <a:r>
+              <a:rPr lang="de-DE" sz="700" dirty="0">
+                <a:solidFill>
+                  <a:schemeClr val="accent6">
+                    <a:lumMod val="50000"/>
+                  </a:schemeClr>
+                </a:solidFill>
+                <a:latin typeface="DM Sans" pitchFamily="2" charset="0"/>
+                <a:cs typeface="Calibri" panose="020F0502020204030204" pitchFamily="34" charset="0"/>
+              </a:rPr>
+              <a:t>: Biorender.com</a:t>
+            </a:r>
+            <a:endParaRPr lang="de-DE" sz="700" dirty="0">
+              <a:solidFill>
+                <a:schemeClr val="bg1"/>
+              </a:solidFill>
+              <a:latin typeface="DM Sans" pitchFamily="2" charset="0"/>
+              <a:cs typeface="Calibri" panose="020F0502020204030204" pitchFamily="34" charset="0"/>
+            </a:endParaRPr>
           </a:p>
         </p:txBody>
       </p:sp>
     </p:spTree>
     <p:extLst>
       <p:ext uri="{BB962C8B-B14F-4D97-AF65-F5344CB8AC3E}">
-        <p14:creationId xmlns:p14="http://schemas.microsoft.com/office/powerpoint/2010/main" val="1987510969"/>
+        <p14:creationId xmlns:p14="http://schemas.microsoft.com/office/powerpoint/2010/main" val="565467914"/>
       </p:ext>
     </p:extLst>
   </p:cSld>
@@ -4023,7 +4602,7 @@
                 <a:latin typeface="DM Sans" pitchFamily="2" charset="0"/>
                 <a:cs typeface="Calibri Light" panose="020F0302020204030204" pitchFamily="34" charset="0"/>
               </a:rPr>
-              <a:t>ELAVL1</a:t>
+              <a:t>ELAV1</a:t>
             </a:r>
             <a:r>
               <a:rPr lang="en-US" sz="1600" b="1" baseline="30000" dirty="0">
@@ -4835,22 +5414,12 @@
                 <a:latin typeface="DM Sans" pitchFamily="2" charset="0"/>
                 <a:cs typeface="Calibri Light" panose="020F0302020204030204" pitchFamily="34" charset="0"/>
               </a:rPr>
-              <a:t>: ELAV1   </a:t>
-            </a:r>
-            <a:r>
-              <a:rPr lang="de-DE" b="1" dirty="0">
-                <a:solidFill>
-                  <a:srgbClr val="FF0000"/>
-                </a:solidFill>
-                <a:latin typeface="DM Sans" pitchFamily="2" charset="0"/>
-                <a:cs typeface="Calibri Light" panose="020F0302020204030204" pitchFamily="34" charset="0"/>
-              </a:rPr>
-              <a:t>(Name ändern? ELAV like </a:t>
-            </a:r>
-            <a:r>
-              <a:rPr lang="de-DE" b="1" dirty="0" err="1">
-                <a:solidFill>
-                  <a:srgbClr val="FF0000"/>
+              <a:t> </a:t>
+            </a:r>
+            <a:r>
+              <a:rPr lang="de-DE" sz="2400" b="1" dirty="0" err="1">
+                <a:solidFill>
+                  <a:schemeClr val="bg1"/>
                 </a:solidFill>
                 <a:latin typeface="DM Sans" pitchFamily="2" charset="0"/>
                 <a:cs typeface="Calibri Light" panose="020F0302020204030204" pitchFamily="34" charset="0"/>
@@ -4858,22 +5427,15 @@
               <a:t>protein</a:t>
             </a:r>
             <a:r>
-              <a:rPr lang="de-DE" b="1" dirty="0">
-                <a:solidFill>
-                  <a:srgbClr val="FF0000"/>
-                </a:solidFill>
-                <a:latin typeface="DM Sans" pitchFamily="2" charset="0"/>
-                <a:cs typeface="Calibri Light" panose="020F0302020204030204" pitchFamily="34" charset="0"/>
-              </a:rPr>
-              <a:t> 1)</a:t>
-            </a:r>
-            <a:endParaRPr lang="de-DE" sz="2400" b="1" dirty="0">
-              <a:solidFill>
-                <a:schemeClr val="bg1"/>
-              </a:solidFill>
-              <a:latin typeface="DM Sans" pitchFamily="2" charset="0"/>
-              <a:cs typeface="Calibri Light" panose="020F0302020204030204" pitchFamily="34" charset="0"/>
-            </a:endParaRPr>
+              <a:rPr lang="de-DE" sz="2400" b="1" dirty="0">
+                <a:solidFill>
+                  <a:schemeClr val="bg1"/>
+                </a:solidFill>
+                <a:latin typeface="DM Sans" pitchFamily="2" charset="0"/>
+                <a:cs typeface="Calibri Light" panose="020F0302020204030204" pitchFamily="34" charset="0"/>
+              </a:rPr>
+              <a:t>: ELAV1</a:t>
+            </a:r>
           </a:p>
         </p:txBody>
       </p:sp>
@@ -4907,6 +5469,92 @@
           </a:prstGeom>
         </p:spPr>
       </p:pic>
+      <p:sp>
+        <p:nvSpPr>
+          <p:cNvPr id="4" name="Textfeld 3">
+            <a:extLst>
+              <a:ext uri="{FF2B5EF4-FFF2-40B4-BE49-F238E27FC236}">
+                <a16:creationId xmlns:a16="http://schemas.microsoft.com/office/drawing/2014/main" id="{EA2B92C6-37C6-D98B-6BB4-A0554E096D03}"/>
+              </a:ext>
+            </a:extLst>
+          </p:cNvPr>
+          <p:cNvSpPr txBox="1"/>
+          <p:nvPr/>
+        </p:nvSpPr>
+        <p:spPr>
+          <a:xfrm rot="10800000">
+            <a:off x="7327321" y="3476904"/>
+            <a:ext cx="292388" cy="1967230"/>
+          </a:xfrm>
+          <a:prstGeom prst="rect">
+            <a:avLst/>
+          </a:prstGeom>
+          <a:noFill/>
+        </p:spPr>
+        <p:txBody>
+          <a:bodyPr vert="vert270" wrap="square" rtlCol="0">
+            <a:spAutoFit/>
+          </a:bodyPr>
+          <a:lstStyle/>
+          <a:p>
+            <a:r>
+              <a:rPr lang="de-DE" sz="700" dirty="0" err="1">
+                <a:solidFill>
+                  <a:schemeClr val="accent6">
+                    <a:lumMod val="50000"/>
+                  </a:schemeClr>
+                </a:solidFill>
+                <a:latin typeface="DM Sans" pitchFamily="2" charset="0"/>
+                <a:cs typeface="Calibri" panose="020F0502020204030204" pitchFamily="34" charset="0"/>
+              </a:rPr>
+              <a:t>Plotted</a:t>
+            </a:r>
+            <a:r>
+              <a:rPr lang="de-DE" sz="700" dirty="0">
+                <a:solidFill>
+                  <a:schemeClr val="accent6">
+                    <a:lumMod val="50000"/>
+                  </a:schemeClr>
+                </a:solidFill>
+                <a:latin typeface="DM Sans" pitchFamily="2" charset="0"/>
+                <a:cs typeface="Calibri" panose="020F0502020204030204" pitchFamily="34" charset="0"/>
+              </a:rPr>
+              <a:t> </a:t>
+            </a:r>
+            <a:r>
+              <a:rPr lang="de-DE" sz="700" dirty="0" err="1">
+                <a:solidFill>
+                  <a:schemeClr val="accent6">
+                    <a:lumMod val="50000"/>
+                  </a:schemeClr>
+                </a:solidFill>
+                <a:latin typeface="DM Sans" pitchFamily="2" charset="0"/>
+                <a:cs typeface="Calibri" panose="020F0502020204030204" pitchFamily="34" charset="0"/>
+              </a:rPr>
+              <a:t>with</a:t>
+            </a:r>
+            <a:r>
+              <a:rPr lang="de-DE" sz="700" dirty="0">
+                <a:solidFill>
+                  <a:schemeClr val="accent6">
+                    <a:lumMod val="50000"/>
+                  </a:schemeClr>
+                </a:solidFill>
+                <a:latin typeface="DM Sans" pitchFamily="2" charset="0"/>
+                <a:cs typeface="Calibri" panose="020F0502020204030204" pitchFamily="34" charset="0"/>
+              </a:rPr>
+              <a:t> R</a:t>
+            </a:r>
+            <a:endParaRPr lang="de-DE" sz="700" dirty="0">
+              <a:solidFill>
+                <a:schemeClr val="bg1"/>
+              </a:solidFill>
+              <a:latin typeface="DM Sans" pitchFamily="2" charset="0"/>
+              <a:cs typeface="Calibri" panose="020F0502020204030204" pitchFamily="34" charset="0"/>
+            </a:endParaRPr>
+          </a:p>
+        </p:txBody>
+      </p:sp>
     </p:spTree>
     <p:extLst>
       <p:ext uri="{BB962C8B-B14F-4D97-AF65-F5344CB8AC3E}">
@@ -7601,7 +8249,7 @@
         </p:nvSpPr>
         <p:spPr>
           <a:xfrm>
-            <a:off x="8481370" y="2666868"/>
+            <a:off x="8509157" y="2666868"/>
             <a:ext cx="724525" cy="276999"/>
           </a:xfrm>
           <a:prstGeom prst="rect">
@@ -7623,7 +8271,7 @@
                 <a:latin typeface="DM Sans" pitchFamily="2" charset="0"/>
                 <a:cs typeface="Calibri Light" panose="020F0302020204030204" pitchFamily="34" charset="0"/>
               </a:rPr>
-              <a:t>20.07.</a:t>
+              <a:t>19.07.</a:t>
             </a:r>
           </a:p>
         </p:txBody>

--- a/projectproposal/PP.pptx
+++ b/projectproposal/PP.pptx
@@ -1378,183 +1378,6 @@
               <a:rPr lang="de-DE" dirty="0"/>
               <a:t> </a:t>
             </a:r>
-          </a:p>
-          <a:p>
-            <a:r>
-              <a:rPr lang="de-DE" dirty="0"/>
-              <a:t>Show </a:t>
-            </a:r>
-            <a:r>
-              <a:rPr lang="de-DE" dirty="0" err="1"/>
-              <a:t>how</a:t>
-            </a:r>
-            <a:r>
-              <a:rPr lang="de-DE" dirty="0"/>
-              <a:t> </a:t>
-            </a:r>
-            <a:r>
-              <a:rPr lang="de-DE" dirty="0" err="1"/>
-              <a:t>to</a:t>
-            </a:r>
-            <a:r>
-              <a:rPr lang="de-DE" dirty="0"/>
-              <a:t> </a:t>
-            </a:r>
-            <a:r>
-              <a:rPr lang="de-DE" dirty="0" err="1"/>
-              <a:t>identify</a:t>
-            </a:r>
-            <a:r>
-              <a:rPr lang="de-DE" dirty="0"/>
-              <a:t> R-</a:t>
-            </a:r>
-            <a:r>
-              <a:rPr lang="de-DE" dirty="0" err="1"/>
-              <a:t>DeeP</a:t>
-            </a:r>
-            <a:r>
-              <a:rPr lang="de-DE" dirty="0"/>
-              <a:t> with </a:t>
-            </a:r>
-            <a:r>
-              <a:rPr lang="de-DE" dirty="0" err="1"/>
-              <a:t>our</a:t>
-            </a:r>
-            <a:r>
-              <a:rPr lang="de-DE" dirty="0"/>
-              <a:t> Data </a:t>
-            </a:r>
-          </a:p>
-          <a:p>
-            <a:r>
-              <a:rPr lang="de-DE" dirty="0" err="1"/>
-              <a:t>Explain</a:t>
-            </a:r>
-            <a:r>
-              <a:rPr lang="de-DE" dirty="0"/>
-              <a:t> </a:t>
-            </a:r>
-            <a:r>
-              <a:rPr lang="de-DE" dirty="0" err="1"/>
-              <a:t>shift</a:t>
-            </a:r>
-            <a:r>
-              <a:rPr lang="de-DE" dirty="0"/>
-              <a:t> </a:t>
-            </a:r>
-            <a:r>
-              <a:rPr lang="de-DE" dirty="0" err="1"/>
-              <a:t>of</a:t>
-            </a:r>
-            <a:r>
-              <a:rPr lang="de-DE" dirty="0"/>
-              <a:t> </a:t>
-            </a:r>
-            <a:r>
-              <a:rPr lang="de-DE" dirty="0" err="1"/>
-              <a:t>maxima</a:t>
-            </a:r>
-            <a:r>
-              <a:rPr lang="de-DE" dirty="0"/>
-              <a:t> </a:t>
-            </a:r>
-          </a:p>
-          <a:p>
-            <a:r>
-              <a:rPr lang="de-DE" dirty="0"/>
-              <a:t>Transition: “in </a:t>
-            </a:r>
-            <a:r>
-              <a:rPr lang="de-DE" dirty="0" err="1"/>
-              <a:t>the</a:t>
-            </a:r>
-            <a:r>
-              <a:rPr lang="de-DE" dirty="0"/>
-              <a:t> </a:t>
-            </a:r>
-            <a:r>
-              <a:rPr lang="de-DE" dirty="0" err="1"/>
-              <a:t>following</a:t>
-            </a:r>
-            <a:r>
-              <a:rPr lang="de-DE" dirty="0"/>
-              <a:t> </a:t>
-            </a:r>
-            <a:r>
-              <a:rPr lang="de-DE" dirty="0" err="1"/>
-              <a:t>we</a:t>
-            </a:r>
-            <a:r>
-              <a:rPr lang="de-DE" dirty="0"/>
-              <a:t> will </a:t>
-            </a:r>
-            <a:r>
-              <a:rPr lang="de-DE" dirty="0" err="1"/>
-              <a:t>explain</a:t>
-            </a:r>
-            <a:r>
-              <a:rPr lang="de-DE" dirty="0"/>
-              <a:t> </a:t>
-            </a:r>
-            <a:r>
-              <a:rPr lang="de-DE" dirty="0" err="1"/>
-              <a:t>how</a:t>
-            </a:r>
-            <a:r>
-              <a:rPr lang="de-DE" dirty="0"/>
-              <a:t> </a:t>
-            </a:r>
-            <a:r>
-              <a:rPr lang="de-DE" dirty="0" err="1"/>
-              <a:t>to</a:t>
-            </a:r>
-            <a:r>
-              <a:rPr lang="de-DE" dirty="0"/>
-              <a:t> </a:t>
-            </a:r>
-            <a:r>
-              <a:rPr lang="de-DE" dirty="0" err="1"/>
-              <a:t>implement</a:t>
-            </a:r>
-            <a:r>
-              <a:rPr lang="de-DE" dirty="0"/>
-              <a:t> </a:t>
-            </a:r>
-            <a:r>
-              <a:rPr lang="de-DE" dirty="0" err="1"/>
-              <a:t>automatic</a:t>
-            </a:r>
-            <a:r>
-              <a:rPr lang="de-DE" dirty="0"/>
-              <a:t> </a:t>
-            </a:r>
-            <a:r>
-              <a:rPr lang="de-DE" dirty="0" err="1"/>
-              <a:t>identification</a:t>
-            </a:r>
-            <a:r>
-              <a:rPr lang="de-DE" dirty="0"/>
-              <a:t> </a:t>
-            </a:r>
-            <a:r>
-              <a:rPr lang="de-DE" dirty="0" err="1"/>
-              <a:t>of</a:t>
-            </a:r>
-            <a:r>
-              <a:rPr lang="de-DE" dirty="0"/>
-              <a:t> R-</a:t>
-            </a:r>
-            <a:r>
-              <a:rPr lang="de-DE" dirty="0" err="1"/>
-              <a:t>Deep</a:t>
-            </a:r>
-            <a:r>
-              <a:rPr lang="de-DE" dirty="0"/>
-              <a:t>...“ </a:t>
-            </a:r>
-          </a:p>
-          <a:p>
-            <a:endParaRPr lang="de-DE" dirty="0"/>
           </a:p>
         </p:txBody>
       </p:sp>
@@ -4117,7 +3940,27 @@
                 <a:latin typeface="DM Sans" pitchFamily="2" charset="0"/>
                 <a:cs typeface="Calibri Light" panose="020F0302020204030204" pitchFamily="34" charset="0"/>
               </a:rPr>
-              <a:t> Are RNA-dependent Proteins?</a:t>
+              <a:t> Are RNA-</a:t>
+            </a:r>
+            <a:r>
+              <a:rPr lang="de-DE" sz="2400" b="1" dirty="0" err="1">
+                <a:solidFill>
+                  <a:schemeClr val="bg1"/>
+                </a:solidFill>
+                <a:latin typeface="DM Sans" pitchFamily="2" charset="0"/>
+                <a:cs typeface="Calibri Light" panose="020F0302020204030204" pitchFamily="34" charset="0"/>
+              </a:rPr>
+              <a:t>dependent</a:t>
+            </a:r>
+            <a:r>
+              <a:rPr lang="de-DE" sz="2400" b="1" dirty="0">
+                <a:solidFill>
+                  <a:schemeClr val="bg1"/>
+                </a:solidFill>
+                <a:latin typeface="DM Sans" pitchFamily="2" charset="0"/>
+                <a:cs typeface="Calibri Light" panose="020F0302020204030204" pitchFamily="34" charset="0"/>
+              </a:rPr>
+              <a:t> Proteins?</a:t>
             </a:r>
           </a:p>
         </p:txBody>
@@ -4166,7 +4009,7 @@
         </p:nvSpPr>
         <p:spPr>
           <a:xfrm>
-            <a:off x="183965" y="1069872"/>
+            <a:off x="353683" y="1069872"/>
             <a:ext cx="3487125" cy="338554"/>
           </a:xfrm>
           <a:prstGeom prst="rect">
@@ -4387,7 +4230,7 @@
         <p:spPr>
           <a:xfrm>
             <a:off x="353683" y="285750"/>
-            <a:ext cx="8238225" cy="461665"/>
+            <a:ext cx="8383917" cy="461665"/>
           </a:xfrm>
           <a:prstGeom prst="rect">
             <a:avLst/>
@@ -4448,7 +4291,7 @@
                 <a:latin typeface="DM Sans" pitchFamily="2" charset="0"/>
                 <a:cs typeface="Calibri Light" panose="020F0302020204030204" pitchFamily="34" charset="0"/>
               </a:rPr>
-              <a:t>binding</a:t>
+              <a:t>dependent</a:t>
             </a:r>
             <a:r>
               <a:rPr lang="de-DE" sz="2400" b="1" dirty="0">
@@ -4458,7 +4301,27 @@
                 <a:latin typeface="DM Sans" pitchFamily="2" charset="0"/>
                 <a:cs typeface="Calibri Light" panose="020F0302020204030204" pitchFamily="34" charset="0"/>
               </a:rPr>
-              <a:t> Proteins (RBPs)?</a:t>
+              <a:t> Proteins (R-</a:t>
+            </a:r>
+            <a:r>
+              <a:rPr lang="de-DE" sz="2400" b="1" dirty="0" err="1">
+                <a:solidFill>
+                  <a:schemeClr val="bg1"/>
+                </a:solidFill>
+                <a:latin typeface="DM Sans" pitchFamily="2" charset="0"/>
+                <a:cs typeface="Calibri Light" panose="020F0302020204030204" pitchFamily="34" charset="0"/>
+              </a:rPr>
+              <a:t>DeeP</a:t>
+            </a:r>
+            <a:r>
+              <a:rPr lang="de-DE" sz="2400" b="1" dirty="0">
+                <a:solidFill>
+                  <a:schemeClr val="bg1"/>
+                </a:solidFill>
+                <a:latin typeface="DM Sans" pitchFamily="2" charset="0"/>
+                <a:cs typeface="Calibri Light" panose="020F0302020204030204" pitchFamily="34" charset="0"/>
+              </a:rPr>
+              <a:t>)?</a:t>
             </a:r>
           </a:p>
         </p:txBody>
@@ -5414,27 +5277,7 @@
                 <a:latin typeface="DM Sans" pitchFamily="2" charset="0"/>
                 <a:cs typeface="Calibri Light" panose="020F0302020204030204" pitchFamily="34" charset="0"/>
               </a:rPr>
-              <a:t> </a:t>
-            </a:r>
-            <a:r>
-              <a:rPr lang="de-DE" sz="2400" b="1" dirty="0" err="1">
-                <a:solidFill>
-                  <a:schemeClr val="bg1"/>
-                </a:solidFill>
-                <a:latin typeface="DM Sans" pitchFamily="2" charset="0"/>
-                <a:cs typeface="Calibri Light" panose="020F0302020204030204" pitchFamily="34" charset="0"/>
-              </a:rPr>
-              <a:t>protein</a:t>
-            </a:r>
-            <a:r>
-              <a:rPr lang="de-DE" sz="2400" b="1" dirty="0">
-                <a:solidFill>
-                  <a:schemeClr val="bg1"/>
-                </a:solidFill>
-                <a:latin typeface="DM Sans" pitchFamily="2" charset="0"/>
-                <a:cs typeface="Calibri Light" panose="020F0302020204030204" pitchFamily="34" charset="0"/>
-              </a:rPr>
-              <a:t>: ELAV1</a:t>
+              <a:t> Protein: ELAV1</a:t>
             </a:r>
           </a:p>
         </p:txBody>
